--- a/team-7_presentation.pptx
+++ b/team-7_presentation.pptx
@@ -1,43 +1,43 @@
 
 <file path=ppt/presentation.xml><?xml version="1.0" encoding="utf-8"?>
-<p:presentation xmlns:a="http://schemas.openxmlformats.org/drawingml/2006/main" xmlns:r="http://schemas.openxmlformats.org/officeDocument/2006/relationships" xmlns:p="http://schemas.openxmlformats.org/presentationml/2006/main" strictFirstAndLastChars="0" embedTrueTypeFonts="1" saveSubsetFonts="1" autoCompressPictures="0">
+<p:presentation xmlns:a="http://schemas.openxmlformats.org/drawingml/2006/main" xmlns:r="http://schemas.openxmlformats.org/officeDocument/2006/relationships" xmlns:mc="http://schemas.openxmlformats.org/markup-compatibility/2006" xmlns:mv="urn:schemas-microsoft-com:mac:vml" xmlns:p="http://schemas.openxmlformats.org/presentationml/2006/main" xmlns:c="http://schemas.openxmlformats.org/drawingml/2006/chart" xmlns:dgm="http://schemas.openxmlformats.org/drawingml/2006/diagram" xmlns:o="urn:schemas-microsoft-com:office:office" xmlns:v="urn:schemas-microsoft-com:vml" xmlns:pvml="urn:schemas-microsoft-com:office:powerpoint" xmlns:com="http://schemas.openxmlformats.org/drawingml/2006/compatibility" xmlns:p14="http://schemas.microsoft.com/office/powerpoint/2010/main" xmlns:p15="http://schemas.microsoft.com/office/powerpoint/2012/main" xmlns:ahyp="http://schemas.microsoft.com/office/drawing/2018/hyperlinkcolor" autoCompressPictures="0" embedTrueTypeFonts="1" strictFirstAndLastChars="0" saveSubsetFonts="1">
   <p:sldMasterIdLst>
-    <p:sldMasterId id="2147483660" r:id="rId1"/>
+    <p:sldMasterId id="2147483660" r:id="rId4"/>
   </p:sldMasterIdLst>
   <p:notesMasterIdLst>
-    <p:notesMasterId r:id="rId16"/>
+    <p:notesMasterId r:id="rId5"/>
   </p:notesMasterIdLst>
   <p:sldIdLst>
-    <p:sldId id="256" r:id="rId2"/>
-    <p:sldId id="257" r:id="rId3"/>
-    <p:sldId id="258" r:id="rId4"/>
-    <p:sldId id="259" r:id="rId5"/>
-    <p:sldId id="260" r:id="rId6"/>
-    <p:sldId id="261" r:id="rId7"/>
-    <p:sldId id="262" r:id="rId8"/>
-    <p:sldId id="263" r:id="rId9"/>
-    <p:sldId id="264" r:id="rId10"/>
-    <p:sldId id="265" r:id="rId11"/>
-    <p:sldId id="266" r:id="rId12"/>
-    <p:sldId id="267" r:id="rId13"/>
-    <p:sldId id="268" r:id="rId14"/>
-    <p:sldId id="269" r:id="rId15"/>
+    <p:sldId id="256" r:id="rId6"/>
+    <p:sldId id="257" r:id="rId7"/>
+    <p:sldId id="258" r:id="rId8"/>
+    <p:sldId id="259" r:id="rId9"/>
+    <p:sldId id="260" r:id="rId10"/>
+    <p:sldId id="261" r:id="rId11"/>
+    <p:sldId id="262" r:id="rId12"/>
+    <p:sldId id="263" r:id="rId13"/>
+    <p:sldId id="264" r:id="rId14"/>
+    <p:sldId id="265" r:id="rId15"/>
+    <p:sldId id="266" r:id="rId16"/>
+    <p:sldId id="267" r:id="rId17"/>
+    <p:sldId id="268" r:id="rId18"/>
+    <p:sldId id="269" r:id="rId19"/>
   </p:sldIdLst>
-  <p:sldSz cx="9144000" cy="5143500" type="screen16x9"/>
+  <p:sldSz cy="5143500" cx="9144000"/>
   <p:notesSz cx="6858000" cy="9144000"/>
   <p:embeddedFontLst>
     <p:embeddedFont>
-      <p:font typeface="Average" panose="020B0604020202020204" charset="0"/>
-      <p:regular r:id="rId17"/>
+      <p:font typeface="Average"/>
+      <p:regular r:id="rId20"/>
     </p:embeddedFont>
     <p:embeddedFont>
-      <p:font typeface="Oswald" panose="020B0604020202020204" charset="0"/>
-      <p:regular r:id="rId18"/>
-      <p:bold r:id="rId19"/>
+      <p:font typeface="Oswald"/>
+      <p:regular r:id="rId21"/>
+      <p:bold r:id="rId22"/>
     </p:embeddedFont>
   </p:embeddedFontLst>
   <p:defaultTextStyle>
-    <a:defPPr marR="0" lvl="0" algn="l" rtl="0">
+    <a:defPPr lvl="0" marR="0" rtl="0" algn="l">
       <a:lnSpc>
         <a:spcPct val="100000"/>
       </a:lnSpc>
@@ -48,7 +48,7 @@
         <a:spcPts val="0"/>
       </a:spcAft>
     </a:defPPr>
-    <a:lvl1pPr marR="0" lvl="0" algn="l" rtl="0">
+    <a:lvl1pPr lvl="0" marR="0" rtl="0" algn="l">
       <a:lnSpc>
         <a:spcPct val="100000"/>
       </a:lnSpc>
@@ -62,7 +62,7 @@
         <a:srgbClr val="000000"/>
       </a:buClr>
       <a:buFont typeface="Arial"/>
-      <a:defRPr sz="1400" b="0" i="0" u="none" strike="noStrike" cap="none">
+      <a:defRPr b="0" i="0" sz="1400" u="none" cap="none" strike="noStrike">
         <a:solidFill>
           <a:srgbClr val="000000"/>
         </a:solidFill>
@@ -72,7 +72,7 @@
         <a:sym typeface="Arial"/>
       </a:defRPr>
     </a:lvl1pPr>
-    <a:lvl2pPr marR="0" lvl="1" algn="l" rtl="0">
+    <a:lvl2pPr lvl="1" marR="0" rtl="0" algn="l">
       <a:lnSpc>
         <a:spcPct val="100000"/>
       </a:lnSpc>
@@ -86,7 +86,7 @@
         <a:srgbClr val="000000"/>
       </a:buClr>
       <a:buFont typeface="Arial"/>
-      <a:defRPr sz="1400" b="0" i="0" u="none" strike="noStrike" cap="none">
+      <a:defRPr b="0" i="0" sz="1400" u="none" cap="none" strike="noStrike">
         <a:solidFill>
           <a:srgbClr val="000000"/>
         </a:solidFill>
@@ -96,7 +96,7 @@
         <a:sym typeface="Arial"/>
       </a:defRPr>
     </a:lvl2pPr>
-    <a:lvl3pPr marR="0" lvl="2" algn="l" rtl="0">
+    <a:lvl3pPr lvl="2" marR="0" rtl="0" algn="l">
       <a:lnSpc>
         <a:spcPct val="100000"/>
       </a:lnSpc>
@@ -110,7 +110,7 @@
         <a:srgbClr val="000000"/>
       </a:buClr>
       <a:buFont typeface="Arial"/>
-      <a:defRPr sz="1400" b="0" i="0" u="none" strike="noStrike" cap="none">
+      <a:defRPr b="0" i="0" sz="1400" u="none" cap="none" strike="noStrike">
         <a:solidFill>
           <a:srgbClr val="000000"/>
         </a:solidFill>
@@ -120,7 +120,7 @@
         <a:sym typeface="Arial"/>
       </a:defRPr>
     </a:lvl3pPr>
-    <a:lvl4pPr marR="0" lvl="3" algn="l" rtl="0">
+    <a:lvl4pPr lvl="3" marR="0" rtl="0" algn="l">
       <a:lnSpc>
         <a:spcPct val="100000"/>
       </a:lnSpc>
@@ -134,7 +134,7 @@
         <a:srgbClr val="000000"/>
       </a:buClr>
       <a:buFont typeface="Arial"/>
-      <a:defRPr sz="1400" b="0" i="0" u="none" strike="noStrike" cap="none">
+      <a:defRPr b="0" i="0" sz="1400" u="none" cap="none" strike="noStrike">
         <a:solidFill>
           <a:srgbClr val="000000"/>
         </a:solidFill>
@@ -144,7 +144,7 @@
         <a:sym typeface="Arial"/>
       </a:defRPr>
     </a:lvl4pPr>
-    <a:lvl5pPr marR="0" lvl="4" algn="l" rtl="0">
+    <a:lvl5pPr lvl="4" marR="0" rtl="0" algn="l">
       <a:lnSpc>
         <a:spcPct val="100000"/>
       </a:lnSpc>
@@ -158,7 +158,7 @@
         <a:srgbClr val="000000"/>
       </a:buClr>
       <a:buFont typeface="Arial"/>
-      <a:defRPr sz="1400" b="0" i="0" u="none" strike="noStrike" cap="none">
+      <a:defRPr b="0" i="0" sz="1400" u="none" cap="none" strike="noStrike">
         <a:solidFill>
           <a:srgbClr val="000000"/>
         </a:solidFill>
@@ -168,7 +168,7 @@
         <a:sym typeface="Arial"/>
       </a:defRPr>
     </a:lvl5pPr>
-    <a:lvl6pPr marR="0" lvl="5" algn="l" rtl="0">
+    <a:lvl6pPr lvl="5" marR="0" rtl="0" algn="l">
       <a:lnSpc>
         <a:spcPct val="100000"/>
       </a:lnSpc>
@@ -182,7 +182,7 @@
         <a:srgbClr val="000000"/>
       </a:buClr>
       <a:buFont typeface="Arial"/>
-      <a:defRPr sz="1400" b="0" i="0" u="none" strike="noStrike" cap="none">
+      <a:defRPr b="0" i="0" sz="1400" u="none" cap="none" strike="noStrike">
         <a:solidFill>
           <a:srgbClr val="000000"/>
         </a:solidFill>
@@ -192,7 +192,7 @@
         <a:sym typeface="Arial"/>
       </a:defRPr>
     </a:lvl6pPr>
-    <a:lvl7pPr marR="0" lvl="6" algn="l" rtl="0">
+    <a:lvl7pPr lvl="6" marR="0" rtl="0" algn="l">
       <a:lnSpc>
         <a:spcPct val="100000"/>
       </a:lnSpc>
@@ -206,7 +206,7 @@
         <a:srgbClr val="000000"/>
       </a:buClr>
       <a:buFont typeface="Arial"/>
-      <a:defRPr sz="1400" b="0" i="0" u="none" strike="noStrike" cap="none">
+      <a:defRPr b="0" i="0" sz="1400" u="none" cap="none" strike="noStrike">
         <a:solidFill>
           <a:srgbClr val="000000"/>
         </a:solidFill>
@@ -216,7 +216,7 @@
         <a:sym typeface="Arial"/>
       </a:defRPr>
     </a:lvl7pPr>
-    <a:lvl8pPr marR="0" lvl="7" algn="l" rtl="0">
+    <a:lvl8pPr lvl="7" marR="0" rtl="0" algn="l">
       <a:lnSpc>
         <a:spcPct val="100000"/>
       </a:lnSpc>
@@ -230,7 +230,7 @@
         <a:srgbClr val="000000"/>
       </a:buClr>
       <a:buFont typeface="Arial"/>
-      <a:defRPr sz="1400" b="0" i="0" u="none" strike="noStrike" cap="none">
+      <a:defRPr b="0" i="0" sz="1400" u="none" cap="none" strike="noStrike">
         <a:solidFill>
           <a:srgbClr val="000000"/>
         </a:solidFill>
@@ -240,7 +240,7 @@
         <a:sym typeface="Arial"/>
       </a:defRPr>
     </a:lvl8pPr>
-    <a:lvl9pPr marR="0" lvl="8" algn="l" rtl="0">
+    <a:lvl9pPr lvl="8" marR="0" rtl="0" algn="l">
       <a:lnSpc>
         <a:spcPct val="100000"/>
       </a:lnSpc>
@@ -254,7 +254,7 @@
         <a:srgbClr val="000000"/>
       </a:buClr>
       <a:buFont typeface="Arial"/>
-      <a:defRPr sz="1400" b="0" i="0" u="none" strike="noStrike" cap="none">
+      <a:defRPr b="0" i="0" sz="1400" u="none" cap="none" strike="noStrike">
         <a:solidFill>
           <a:srgbClr val="000000"/>
         </a:solidFill>
@@ -267,7 +267,7 @@
   </p:defaultTextStyle>
   <p:extLst>
     <p:ext uri="{EFAFB233-063F-42B5-8137-9DF3F51BA10A}">
-      <p15:sldGuideLst xmlns:p15="http://schemas.microsoft.com/office/powerpoint/2012/main">
+      <p15:sldGuideLst>
         <p15:guide id="1" orient="horz" pos="1620">
           <p15:clr>
             <a:srgbClr val="A4A3A4"/>
@@ -285,16 +285,11 @@
 </file>
 
 <file path=ppt/notesMasters/notesMaster1.xml><?xml version="1.0" encoding="utf-8"?>
-<p:notesMaster xmlns:a="http://schemas.openxmlformats.org/drawingml/2006/main" xmlns:r="http://schemas.openxmlformats.org/officeDocument/2006/relationships" xmlns:p="http://schemas.openxmlformats.org/presentationml/2006/main">
+<p:notesMaster xmlns:a="http://schemas.openxmlformats.org/drawingml/2006/main" xmlns:r="http://schemas.openxmlformats.org/officeDocument/2006/relationships" xmlns:mc="http://schemas.openxmlformats.org/markup-compatibility/2006" xmlns:mv="urn:schemas-microsoft-com:mac:vml" xmlns:p="http://schemas.openxmlformats.org/presentationml/2006/main" xmlns:c="http://schemas.openxmlformats.org/drawingml/2006/chart" xmlns:dgm="http://schemas.openxmlformats.org/drawingml/2006/diagram" xmlns:o="urn:schemas-microsoft-com:office:office" xmlns:v="urn:schemas-microsoft-com:vml" xmlns:pvml="urn:schemas-microsoft-com:office:powerpoint" xmlns:com="http://schemas.openxmlformats.org/drawingml/2006/compatibility" xmlns:p14="http://schemas.microsoft.com/office/powerpoint/2010/main" xmlns:p15="http://schemas.microsoft.com/office/powerpoint/2012/main" xmlns:ahyp="http://schemas.microsoft.com/office/drawing/2018/hyperlinkcolor">
   <p:cSld>
-    <p:bg>
-      <p:bgRef idx="1001">
-        <a:schemeClr val="bg1"/>
-      </p:bgRef>
-    </p:bg>
     <p:spTree>
       <p:nvGrpSpPr>
-        <p:cNvPr id="1" name="Shape 2"/>
+        <p:cNvPr id="2" name="Shape 2"/>
         <p:cNvGrpSpPr/>
         <p:nvPr/>
       </p:nvGrpSpPr>
@@ -309,11 +304,9 @@
       <p:sp>
         <p:nvSpPr>
           <p:cNvPr id="3" name="Google Shape;3;n"/>
-          <p:cNvSpPr>
-            <a:spLocks noGrp="1" noRot="1" noChangeAspect="1"/>
-          </p:cNvSpPr>
+          <p:cNvSpPr/>
           <p:nvPr>
-            <p:ph type="sldImg" idx="2"/>
+            <p:ph idx="2" type="sldImg"/>
           </p:nvPr>
         </p:nvSpPr>
         <p:spPr>
@@ -322,13 +315,9 @@
             <a:ext cx="6096075" cy="3429000"/>
           </a:xfrm>
           <a:custGeom>
-            <a:avLst/>
-            <a:gdLst/>
-            <a:ahLst/>
-            <a:cxnLst/>
-            <a:rect l="l" t="t" r="r" b="b"/>
+            <a:rect b="b" l="l" r="r" t="t"/>
             <a:pathLst>
-              <a:path w="120000" h="120000" extrusionOk="0">
+              <a:path extrusionOk="0" h="120000" w="120000">
                 <a:moveTo>
                   <a:pt x="0" y="0"/>
                 </a:moveTo>
@@ -346,25 +335,23 @@
             </a:pathLst>
           </a:custGeom>
           <a:noFill/>
-          <a:ln w="9525" cap="flat" cmpd="sng">
+          <a:ln cap="flat" cmpd="sng" w="9525">
             <a:solidFill>
               <a:srgbClr val="000000"/>
             </a:solidFill>
             <a:prstDash val="solid"/>
             <a:round/>
-            <a:headEnd type="none" w="sm" len="sm"/>
-            <a:tailEnd type="none" w="sm" len="sm"/>
+            <a:headEnd len="sm" w="sm" type="none"/>
+            <a:tailEnd len="sm" w="sm" type="none"/>
           </a:ln>
         </p:spPr>
       </p:sp>
       <p:sp>
         <p:nvSpPr>
           <p:cNvPr id="4" name="Google Shape;4;n"/>
-          <p:cNvSpPr txBox="1">
-            <a:spLocks noGrp="1"/>
-          </p:cNvSpPr>
+          <p:cNvSpPr txBox="1"/>
           <p:nvPr>
-            <p:ph type="body" idx="1"/>
+            <p:ph idx="1" type="body"/>
           </p:nvPr>
         </p:nvSpPr>
         <p:spPr>
@@ -381,11 +368,11 @@
           </a:ln>
         </p:spPr>
         <p:txBody>
-          <a:bodyPr spcFirstLastPara="1" wrap="square" lIns="91425" tIns="91425" rIns="91425" bIns="91425" anchor="t" anchorCtr="0">
+          <a:bodyPr anchorCtr="0" anchor="t" bIns="91425" lIns="91425" spcFirstLastPara="1" rIns="91425" wrap="square" tIns="91425">
             <a:noAutofit/>
           </a:bodyPr>
           <a:lstStyle>
-            <a:lvl1pPr marL="457200" lvl="0" indent="-298450">
+            <a:lvl1pPr indent="-298450" lvl="0" marL="457200">
               <a:spcBef>
                 <a:spcPts val="0"/>
               </a:spcBef>
@@ -396,7 +383,7 @@
               <a:buChar char="●"/>
               <a:defRPr sz="1100"/>
             </a:lvl1pPr>
-            <a:lvl2pPr marL="914400" lvl="1" indent="-298450">
+            <a:lvl2pPr indent="-298450" lvl="1" marL="914400">
               <a:spcBef>
                 <a:spcPts val="0"/>
               </a:spcBef>
@@ -407,7 +394,7 @@
               <a:buChar char="○"/>
               <a:defRPr sz="1100"/>
             </a:lvl2pPr>
-            <a:lvl3pPr marL="1371600" lvl="2" indent="-298450">
+            <a:lvl3pPr indent="-298450" lvl="2" marL="1371600">
               <a:spcBef>
                 <a:spcPts val="0"/>
               </a:spcBef>
@@ -418,7 +405,7 @@
               <a:buChar char="■"/>
               <a:defRPr sz="1100"/>
             </a:lvl3pPr>
-            <a:lvl4pPr marL="1828800" lvl="3" indent="-298450">
+            <a:lvl4pPr indent="-298450" lvl="3" marL="1828800">
               <a:spcBef>
                 <a:spcPts val="0"/>
               </a:spcBef>
@@ -429,7 +416,7 @@
               <a:buChar char="●"/>
               <a:defRPr sz="1100"/>
             </a:lvl4pPr>
-            <a:lvl5pPr marL="2286000" lvl="4" indent="-298450">
+            <a:lvl5pPr indent="-298450" lvl="4" marL="2286000">
               <a:spcBef>
                 <a:spcPts val="0"/>
               </a:spcBef>
@@ -440,7 +427,7 @@
               <a:buChar char="○"/>
               <a:defRPr sz="1100"/>
             </a:lvl5pPr>
-            <a:lvl6pPr marL="2743200" lvl="5" indent="-298450">
+            <a:lvl6pPr indent="-298450" lvl="5" marL="2743200">
               <a:spcBef>
                 <a:spcPts val="0"/>
               </a:spcBef>
@@ -451,7 +438,7 @@
               <a:buChar char="■"/>
               <a:defRPr sz="1100"/>
             </a:lvl6pPr>
-            <a:lvl7pPr marL="3200400" lvl="6" indent="-298450">
+            <a:lvl7pPr indent="-298450" lvl="6" marL="3200400">
               <a:spcBef>
                 <a:spcPts val="0"/>
               </a:spcBef>
@@ -462,7 +449,7 @@
               <a:buChar char="●"/>
               <a:defRPr sz="1100"/>
             </a:lvl7pPr>
-            <a:lvl8pPr marL="3657600" lvl="7" indent="-298450">
+            <a:lvl8pPr indent="-298450" lvl="7" marL="3657600">
               <a:spcBef>
                 <a:spcPts val="0"/>
               </a:spcBef>
@@ -473,7 +460,7 @@
               <a:buChar char="○"/>
               <a:defRPr sz="1100"/>
             </a:lvl8pPr>
-            <a:lvl9pPr marL="4114800" lvl="8" indent="-298450">
+            <a:lvl9pPr indent="-298450" lvl="8" marL="4114800">
               <a:spcBef>
                 <a:spcPts val="0"/>
               </a:spcBef>
@@ -485,16 +472,14 @@
               <a:defRPr sz="1100"/>
             </a:lvl9pPr>
           </a:lstStyle>
-          <a:p>
-            <a:endParaRPr/>
-          </a:p>
+          <a:p/>
         </p:txBody>
       </p:sp>
     </p:spTree>
   </p:cSld>
-  <p:clrMap bg1="lt1" tx1="dk1" bg2="dk2" tx2="lt2" accent1="accent1" accent2="accent2" accent3="accent3" accent4="accent4" accent5="accent5" accent6="accent6" hlink="hlink" folHlink="folHlink"/>
+  <p:clrMap accent1="accent1" accent2="accent2" accent3="accent3" accent4="accent4" accent5="accent5" accent6="accent6" bg1="lt1" bg2="dk2" tx1="dk1" tx2="lt2" folHlink="folHlink" hlink="hlink"/>
   <p:notesStyle>
-    <a:defPPr marR="0" lvl="0" algn="l" rtl="0">
+    <a:defPPr lvl="0" marR="0" rtl="0" algn="l">
       <a:lnSpc>
         <a:spcPct val="100000"/>
       </a:lnSpc>
@@ -505,7 +490,7 @@
         <a:spcPts val="0"/>
       </a:spcAft>
     </a:defPPr>
-    <a:lvl1pPr marR="0" lvl="0" algn="l" rtl="0">
+    <a:lvl1pPr lvl="0" marR="0" rtl="0" algn="l">
       <a:lnSpc>
         <a:spcPct val="100000"/>
       </a:lnSpc>
@@ -519,7 +504,7 @@
         <a:srgbClr val="000000"/>
       </a:buClr>
       <a:buFont typeface="Arial"/>
-      <a:defRPr sz="1400" b="0" i="0" u="none" strike="noStrike" cap="none">
+      <a:defRPr b="0" i="0" sz="1400" u="none" cap="none" strike="noStrike">
         <a:solidFill>
           <a:srgbClr val="000000"/>
         </a:solidFill>
@@ -529,7 +514,7 @@
         <a:sym typeface="Arial"/>
       </a:defRPr>
     </a:lvl1pPr>
-    <a:lvl2pPr marR="0" lvl="1" algn="l" rtl="0">
+    <a:lvl2pPr lvl="1" marR="0" rtl="0" algn="l">
       <a:lnSpc>
         <a:spcPct val="100000"/>
       </a:lnSpc>
@@ -543,7 +528,7 @@
         <a:srgbClr val="000000"/>
       </a:buClr>
       <a:buFont typeface="Arial"/>
-      <a:defRPr sz="1400" b="0" i="0" u="none" strike="noStrike" cap="none">
+      <a:defRPr b="0" i="0" sz="1400" u="none" cap="none" strike="noStrike">
         <a:solidFill>
           <a:srgbClr val="000000"/>
         </a:solidFill>
@@ -553,7 +538,7 @@
         <a:sym typeface="Arial"/>
       </a:defRPr>
     </a:lvl2pPr>
-    <a:lvl3pPr marR="0" lvl="2" algn="l" rtl="0">
+    <a:lvl3pPr lvl="2" marR="0" rtl="0" algn="l">
       <a:lnSpc>
         <a:spcPct val="100000"/>
       </a:lnSpc>
@@ -567,7 +552,7 @@
         <a:srgbClr val="000000"/>
       </a:buClr>
       <a:buFont typeface="Arial"/>
-      <a:defRPr sz="1400" b="0" i="0" u="none" strike="noStrike" cap="none">
+      <a:defRPr b="0" i="0" sz="1400" u="none" cap="none" strike="noStrike">
         <a:solidFill>
           <a:srgbClr val="000000"/>
         </a:solidFill>
@@ -577,7 +562,7 @@
         <a:sym typeface="Arial"/>
       </a:defRPr>
     </a:lvl3pPr>
-    <a:lvl4pPr marR="0" lvl="3" algn="l" rtl="0">
+    <a:lvl4pPr lvl="3" marR="0" rtl="0" algn="l">
       <a:lnSpc>
         <a:spcPct val="100000"/>
       </a:lnSpc>
@@ -591,7 +576,7 @@
         <a:srgbClr val="000000"/>
       </a:buClr>
       <a:buFont typeface="Arial"/>
-      <a:defRPr sz="1400" b="0" i="0" u="none" strike="noStrike" cap="none">
+      <a:defRPr b="0" i="0" sz="1400" u="none" cap="none" strike="noStrike">
         <a:solidFill>
           <a:srgbClr val="000000"/>
         </a:solidFill>
@@ -601,7 +586,7 @@
         <a:sym typeface="Arial"/>
       </a:defRPr>
     </a:lvl4pPr>
-    <a:lvl5pPr marR="0" lvl="4" algn="l" rtl="0">
+    <a:lvl5pPr lvl="4" marR="0" rtl="0" algn="l">
       <a:lnSpc>
         <a:spcPct val="100000"/>
       </a:lnSpc>
@@ -615,7 +600,7 @@
         <a:srgbClr val="000000"/>
       </a:buClr>
       <a:buFont typeface="Arial"/>
-      <a:defRPr sz="1400" b="0" i="0" u="none" strike="noStrike" cap="none">
+      <a:defRPr b="0" i="0" sz="1400" u="none" cap="none" strike="noStrike">
         <a:solidFill>
           <a:srgbClr val="000000"/>
         </a:solidFill>
@@ -625,7 +610,7 @@
         <a:sym typeface="Arial"/>
       </a:defRPr>
     </a:lvl5pPr>
-    <a:lvl6pPr marR="0" lvl="5" algn="l" rtl="0">
+    <a:lvl6pPr lvl="5" marR="0" rtl="0" algn="l">
       <a:lnSpc>
         <a:spcPct val="100000"/>
       </a:lnSpc>
@@ -639,7 +624,7 @@
         <a:srgbClr val="000000"/>
       </a:buClr>
       <a:buFont typeface="Arial"/>
-      <a:defRPr sz="1400" b="0" i="0" u="none" strike="noStrike" cap="none">
+      <a:defRPr b="0" i="0" sz="1400" u="none" cap="none" strike="noStrike">
         <a:solidFill>
           <a:srgbClr val="000000"/>
         </a:solidFill>
@@ -649,7 +634,7 @@
         <a:sym typeface="Arial"/>
       </a:defRPr>
     </a:lvl6pPr>
-    <a:lvl7pPr marR="0" lvl="6" algn="l" rtl="0">
+    <a:lvl7pPr lvl="6" marR="0" rtl="0" algn="l">
       <a:lnSpc>
         <a:spcPct val="100000"/>
       </a:lnSpc>
@@ -663,7 +648,7 @@
         <a:srgbClr val="000000"/>
       </a:buClr>
       <a:buFont typeface="Arial"/>
-      <a:defRPr sz="1400" b="0" i="0" u="none" strike="noStrike" cap="none">
+      <a:defRPr b="0" i="0" sz="1400" u="none" cap="none" strike="noStrike">
         <a:solidFill>
           <a:srgbClr val="000000"/>
         </a:solidFill>
@@ -673,7 +658,7 @@
         <a:sym typeface="Arial"/>
       </a:defRPr>
     </a:lvl7pPr>
-    <a:lvl8pPr marR="0" lvl="7" algn="l" rtl="0">
+    <a:lvl8pPr lvl="7" marR="0" rtl="0" algn="l">
       <a:lnSpc>
         <a:spcPct val="100000"/>
       </a:lnSpc>
@@ -687,7 +672,7 @@
         <a:srgbClr val="000000"/>
       </a:buClr>
       <a:buFont typeface="Arial"/>
-      <a:defRPr sz="1400" b="0" i="0" u="none" strike="noStrike" cap="none">
+      <a:defRPr b="0" i="0" sz="1400" u="none" cap="none" strike="noStrike">
         <a:solidFill>
           <a:srgbClr val="000000"/>
         </a:solidFill>
@@ -697,7 +682,7 @@
         <a:sym typeface="Arial"/>
       </a:defRPr>
     </a:lvl8pPr>
-    <a:lvl9pPr marR="0" lvl="8" algn="l" rtl="0">
+    <a:lvl9pPr lvl="8" marR="0" rtl="0" algn="l">
       <a:lnSpc>
         <a:spcPct val="100000"/>
       </a:lnSpc>
@@ -711,7 +696,7 @@
         <a:srgbClr val="000000"/>
       </a:buClr>
       <a:buFont typeface="Arial"/>
-      <a:defRPr sz="1400" b="0" i="0" u="none" strike="noStrike" cap="none">
+      <a:defRPr b="0" i="0" sz="1400" u="none" cap="none" strike="noStrike">
         <a:solidFill>
           <a:srgbClr val="000000"/>
         </a:solidFill>
@@ -726,11 +711,11 @@
 </file>
 
 <file path=ppt/notesSlides/notesSlide1.xml><?xml version="1.0" encoding="utf-8"?>
-<p:notes xmlns:a="http://schemas.openxmlformats.org/drawingml/2006/main" xmlns:r="http://schemas.openxmlformats.org/officeDocument/2006/relationships" xmlns:p="http://schemas.openxmlformats.org/presentationml/2006/main" showMasterSp="0" showMasterPhAnim="0">
+<p:notes xmlns:a="http://schemas.openxmlformats.org/drawingml/2006/main" xmlns:r="http://schemas.openxmlformats.org/officeDocument/2006/relationships" xmlns:mc="http://schemas.openxmlformats.org/markup-compatibility/2006" xmlns:mv="urn:schemas-microsoft-com:mac:vml" xmlns:p="http://schemas.openxmlformats.org/presentationml/2006/main" xmlns:c="http://schemas.openxmlformats.org/drawingml/2006/chart" xmlns:dgm="http://schemas.openxmlformats.org/drawingml/2006/diagram" xmlns:o="urn:schemas-microsoft-com:office:office" xmlns:v="urn:schemas-microsoft-com:vml" xmlns:pvml="urn:schemas-microsoft-com:office:powerpoint" xmlns:com="http://schemas.openxmlformats.org/drawingml/2006/compatibility" xmlns:p14="http://schemas.microsoft.com/office/powerpoint/2010/main" xmlns:p15="http://schemas.microsoft.com/office/powerpoint/2012/main" xmlns:ahyp="http://schemas.microsoft.com/office/drawing/2018/hyperlinkcolor" showMasterPhAnim="0" showMasterSp="0">
   <p:cSld>
     <p:spTree>
       <p:nvGrpSpPr>
-        <p:cNvPr id="1" name="Shape 59"/>
+        <p:cNvPr id="59" name="Shape 59"/>
         <p:cNvGrpSpPr/>
         <p:nvPr/>
       </p:nvGrpSpPr>
@@ -745,11 +730,9 @@
       <p:sp>
         <p:nvSpPr>
           <p:cNvPr id="60" name="Google Shape;60;p:notes"/>
-          <p:cNvSpPr>
-            <a:spLocks noGrp="1" noRot="1" noChangeAspect="1"/>
-          </p:cNvSpPr>
+          <p:cNvSpPr/>
           <p:nvPr>
-            <p:ph type="sldImg" idx="2"/>
+            <p:ph idx="2" type="sldImg"/>
           </p:nvPr>
         </p:nvSpPr>
         <p:spPr>
@@ -758,13 +741,9 @@
             <a:ext cx="6096075" cy="3429000"/>
           </a:xfrm>
           <a:custGeom>
-            <a:avLst/>
-            <a:gdLst/>
-            <a:ahLst/>
-            <a:cxnLst/>
-            <a:rect l="l" t="t" r="r" b="b"/>
+            <a:rect b="b" l="l" r="r" t="t"/>
             <a:pathLst>
-              <a:path w="120000" h="120000" extrusionOk="0">
+              <a:path extrusionOk="0" h="120000" w="120000">
                 <a:moveTo>
                   <a:pt x="0" y="0"/>
                 </a:moveTo>
@@ -786,11 +765,9 @@
       <p:sp>
         <p:nvSpPr>
           <p:cNvPr id="61" name="Google Shape;61;p:notes"/>
-          <p:cNvSpPr txBox="1">
-            <a:spLocks noGrp="1"/>
-          </p:cNvSpPr>
+          <p:cNvSpPr txBox="1"/>
           <p:nvPr>
-            <p:ph type="body" idx="1"/>
+            <p:ph idx="1" type="body"/>
           </p:nvPr>
         </p:nvSpPr>
         <p:spPr>
@@ -803,20 +780,23 @@
           </a:prstGeom>
         </p:spPr>
         <p:txBody>
-          <a:bodyPr spcFirstLastPara="1" wrap="square" lIns="91425" tIns="91425" rIns="91425" bIns="91425" anchor="t" anchorCtr="0">
+          <a:bodyPr anchorCtr="0" anchor="t" bIns="91425" lIns="91425" spcFirstLastPara="1" rIns="91425" wrap="square" tIns="91425">
             <a:noAutofit/>
           </a:bodyPr>
           <a:lstStyle/>
           <a:p>
-            <a:pPr marL="0" lvl="0" indent="0" algn="l" rtl="0">
-              <a:spcBef>
-                <a:spcPts val="0"/>
-              </a:spcBef>
-              <a:spcAft>
-                <a:spcPts val="0"/>
-              </a:spcAft>
-              <a:buNone/>
-            </a:pPr>
+            <a:pPr indent="0" lvl="0" marL="0" rtl="0" algn="l">
+              <a:spcBef>
+                <a:spcPts val="0"/>
+              </a:spcBef>
+              <a:spcAft>
+                <a:spcPts val="0"/>
+              </a:spcAft>
+              <a:buNone/>
+            </a:pPr>
+            <a:r>
+              <a:t/>
+            </a:r>
             <a:endParaRPr/>
           </a:p>
         </p:txBody>
@@ -830,11 +810,11 @@
 </file>
 
 <file path=ppt/notesSlides/notesSlide10.xml><?xml version="1.0" encoding="utf-8"?>
-<p:notes xmlns:a="http://schemas.openxmlformats.org/drawingml/2006/main" xmlns:r="http://schemas.openxmlformats.org/officeDocument/2006/relationships" xmlns:p="http://schemas.openxmlformats.org/presentationml/2006/main" showMasterSp="0" showMasterPhAnim="0">
+<p:notes xmlns:a="http://schemas.openxmlformats.org/drawingml/2006/main" xmlns:r="http://schemas.openxmlformats.org/officeDocument/2006/relationships" xmlns:mc="http://schemas.openxmlformats.org/markup-compatibility/2006" xmlns:mv="urn:schemas-microsoft-com:mac:vml" xmlns:p="http://schemas.openxmlformats.org/presentationml/2006/main" xmlns:c="http://schemas.openxmlformats.org/drawingml/2006/chart" xmlns:dgm="http://schemas.openxmlformats.org/drawingml/2006/diagram" xmlns:o="urn:schemas-microsoft-com:office:office" xmlns:v="urn:schemas-microsoft-com:vml" xmlns:pvml="urn:schemas-microsoft-com:office:powerpoint" xmlns:com="http://schemas.openxmlformats.org/drawingml/2006/compatibility" xmlns:p14="http://schemas.microsoft.com/office/powerpoint/2010/main" xmlns:p15="http://schemas.microsoft.com/office/powerpoint/2012/main" xmlns:ahyp="http://schemas.microsoft.com/office/drawing/2018/hyperlinkcolor" showMasterPhAnim="0" showMasterSp="0">
   <p:cSld>
     <p:spTree>
       <p:nvGrpSpPr>
-        <p:cNvPr id="1" name="Shape 113"/>
+        <p:cNvPr id="113" name="Shape 113"/>
         <p:cNvGrpSpPr/>
         <p:nvPr/>
       </p:nvGrpSpPr>
@@ -849,11 +829,9 @@
       <p:sp>
         <p:nvSpPr>
           <p:cNvPr id="114" name="Google Shape;114;gaefa72756a_0_188:notes"/>
-          <p:cNvSpPr>
-            <a:spLocks noGrp="1" noRot="1" noChangeAspect="1"/>
-          </p:cNvSpPr>
+          <p:cNvSpPr/>
           <p:nvPr>
-            <p:ph type="sldImg" idx="2"/>
+            <p:ph idx="2" type="sldImg"/>
           </p:nvPr>
         </p:nvSpPr>
         <p:spPr>
@@ -862,13 +840,9 @@
             <a:ext cx="6096000" cy="3429000"/>
           </a:xfrm>
           <a:custGeom>
-            <a:avLst/>
-            <a:gdLst/>
-            <a:ahLst/>
-            <a:cxnLst/>
-            <a:rect l="l" t="t" r="r" b="b"/>
+            <a:rect b="b" l="l" r="r" t="t"/>
             <a:pathLst>
-              <a:path w="120000" h="120000" extrusionOk="0">
+              <a:path extrusionOk="0" h="120000" w="120000">
                 <a:moveTo>
                   <a:pt x="0" y="0"/>
                 </a:moveTo>
@@ -890,11 +864,9 @@
       <p:sp>
         <p:nvSpPr>
           <p:cNvPr id="115" name="Google Shape;115;gaefa72756a_0_188:notes"/>
-          <p:cNvSpPr txBox="1">
-            <a:spLocks noGrp="1"/>
-          </p:cNvSpPr>
+          <p:cNvSpPr txBox="1"/>
           <p:nvPr>
-            <p:ph type="body" idx="1"/>
+            <p:ph idx="1" type="body"/>
           </p:nvPr>
         </p:nvSpPr>
         <p:spPr>
@@ -907,20 +879,23 @@
           </a:prstGeom>
         </p:spPr>
         <p:txBody>
-          <a:bodyPr spcFirstLastPara="1" wrap="square" lIns="91425" tIns="91425" rIns="91425" bIns="91425" anchor="t" anchorCtr="0">
+          <a:bodyPr anchorCtr="0" anchor="t" bIns="91425" lIns="91425" spcFirstLastPara="1" rIns="91425" wrap="square" tIns="91425">
             <a:noAutofit/>
           </a:bodyPr>
           <a:lstStyle/>
           <a:p>
-            <a:pPr marL="0" lvl="0" indent="0" algn="l" rtl="0">
-              <a:spcBef>
-                <a:spcPts val="0"/>
-              </a:spcBef>
-              <a:spcAft>
-                <a:spcPts val="0"/>
-              </a:spcAft>
-              <a:buNone/>
-            </a:pPr>
+            <a:pPr indent="0" lvl="0" marL="0" rtl="0" algn="l">
+              <a:spcBef>
+                <a:spcPts val="0"/>
+              </a:spcBef>
+              <a:spcAft>
+                <a:spcPts val="0"/>
+              </a:spcAft>
+              <a:buNone/>
+            </a:pPr>
+            <a:r>
+              <a:t/>
+            </a:r>
             <a:endParaRPr/>
           </a:p>
         </p:txBody>
@@ -934,11 +909,11 @@
 </file>
 
 <file path=ppt/notesSlides/notesSlide11.xml><?xml version="1.0" encoding="utf-8"?>
-<p:notes xmlns:a="http://schemas.openxmlformats.org/drawingml/2006/main" xmlns:r="http://schemas.openxmlformats.org/officeDocument/2006/relationships" xmlns:p="http://schemas.openxmlformats.org/presentationml/2006/main" showMasterSp="0" showMasterPhAnim="0">
+<p:notes xmlns:a="http://schemas.openxmlformats.org/drawingml/2006/main" xmlns:r="http://schemas.openxmlformats.org/officeDocument/2006/relationships" xmlns:mc="http://schemas.openxmlformats.org/markup-compatibility/2006" xmlns:mv="urn:schemas-microsoft-com:mac:vml" xmlns:p="http://schemas.openxmlformats.org/presentationml/2006/main" xmlns:c="http://schemas.openxmlformats.org/drawingml/2006/chart" xmlns:dgm="http://schemas.openxmlformats.org/drawingml/2006/diagram" xmlns:o="urn:schemas-microsoft-com:office:office" xmlns:v="urn:schemas-microsoft-com:vml" xmlns:pvml="urn:schemas-microsoft-com:office:powerpoint" xmlns:com="http://schemas.openxmlformats.org/drawingml/2006/compatibility" xmlns:p14="http://schemas.microsoft.com/office/powerpoint/2010/main" xmlns:p15="http://schemas.microsoft.com/office/powerpoint/2012/main" xmlns:ahyp="http://schemas.microsoft.com/office/drawing/2018/hyperlinkcolor" showMasterPhAnim="0" showMasterSp="0">
   <p:cSld>
     <p:spTree>
       <p:nvGrpSpPr>
-        <p:cNvPr id="1" name="Shape 119"/>
+        <p:cNvPr id="119" name="Shape 119"/>
         <p:cNvGrpSpPr/>
         <p:nvPr/>
       </p:nvGrpSpPr>
@@ -953,11 +928,9 @@
       <p:sp>
         <p:nvSpPr>
           <p:cNvPr id="120" name="Google Shape;120;gaefa72756a_0_193:notes"/>
-          <p:cNvSpPr>
-            <a:spLocks noGrp="1" noRot="1" noChangeAspect="1"/>
-          </p:cNvSpPr>
+          <p:cNvSpPr/>
           <p:nvPr>
-            <p:ph type="sldImg" idx="2"/>
+            <p:ph idx="2" type="sldImg"/>
           </p:nvPr>
         </p:nvSpPr>
         <p:spPr>
@@ -966,13 +939,9 @@
             <a:ext cx="6096000" cy="3429000"/>
           </a:xfrm>
           <a:custGeom>
-            <a:avLst/>
-            <a:gdLst/>
-            <a:ahLst/>
-            <a:cxnLst/>
-            <a:rect l="l" t="t" r="r" b="b"/>
+            <a:rect b="b" l="l" r="r" t="t"/>
             <a:pathLst>
-              <a:path w="120000" h="120000" extrusionOk="0">
+              <a:path extrusionOk="0" h="120000" w="120000">
                 <a:moveTo>
                   <a:pt x="0" y="0"/>
                 </a:moveTo>
@@ -994,11 +963,9 @@
       <p:sp>
         <p:nvSpPr>
           <p:cNvPr id="121" name="Google Shape;121;gaefa72756a_0_193:notes"/>
-          <p:cNvSpPr txBox="1">
-            <a:spLocks noGrp="1"/>
-          </p:cNvSpPr>
+          <p:cNvSpPr txBox="1"/>
           <p:nvPr>
-            <p:ph type="body" idx="1"/>
+            <p:ph idx="1" type="body"/>
           </p:nvPr>
         </p:nvSpPr>
         <p:spPr>
@@ -1011,20 +978,23 @@
           </a:prstGeom>
         </p:spPr>
         <p:txBody>
-          <a:bodyPr spcFirstLastPara="1" wrap="square" lIns="91425" tIns="91425" rIns="91425" bIns="91425" anchor="t" anchorCtr="0">
+          <a:bodyPr anchorCtr="0" anchor="t" bIns="91425" lIns="91425" spcFirstLastPara="1" rIns="91425" wrap="square" tIns="91425">
             <a:noAutofit/>
           </a:bodyPr>
           <a:lstStyle/>
           <a:p>
-            <a:pPr marL="0" lvl="0" indent="0" algn="l" rtl="0">
-              <a:spcBef>
-                <a:spcPts val="0"/>
-              </a:spcBef>
-              <a:spcAft>
-                <a:spcPts val="0"/>
-              </a:spcAft>
-              <a:buNone/>
-            </a:pPr>
+            <a:pPr indent="0" lvl="0" marL="0" rtl="0" algn="l">
+              <a:spcBef>
+                <a:spcPts val="0"/>
+              </a:spcBef>
+              <a:spcAft>
+                <a:spcPts val="0"/>
+              </a:spcAft>
+              <a:buNone/>
+            </a:pPr>
+            <a:r>
+              <a:t/>
+            </a:r>
             <a:endParaRPr/>
           </a:p>
         </p:txBody>
@@ -1038,11 +1008,11 @@
 </file>
 
 <file path=ppt/notesSlides/notesSlide12.xml><?xml version="1.0" encoding="utf-8"?>
-<p:notes xmlns:a="http://schemas.openxmlformats.org/drawingml/2006/main" xmlns:r="http://schemas.openxmlformats.org/officeDocument/2006/relationships" xmlns:p="http://schemas.openxmlformats.org/presentationml/2006/main" showMasterSp="0" showMasterPhAnim="0">
+<p:notes xmlns:a="http://schemas.openxmlformats.org/drawingml/2006/main" xmlns:r="http://schemas.openxmlformats.org/officeDocument/2006/relationships" xmlns:mc="http://schemas.openxmlformats.org/markup-compatibility/2006" xmlns:mv="urn:schemas-microsoft-com:mac:vml" xmlns:p="http://schemas.openxmlformats.org/presentationml/2006/main" xmlns:c="http://schemas.openxmlformats.org/drawingml/2006/chart" xmlns:dgm="http://schemas.openxmlformats.org/drawingml/2006/diagram" xmlns:o="urn:schemas-microsoft-com:office:office" xmlns:v="urn:schemas-microsoft-com:vml" xmlns:pvml="urn:schemas-microsoft-com:office:powerpoint" xmlns:com="http://schemas.openxmlformats.org/drawingml/2006/compatibility" xmlns:p14="http://schemas.microsoft.com/office/powerpoint/2010/main" xmlns:p15="http://schemas.microsoft.com/office/powerpoint/2012/main" xmlns:ahyp="http://schemas.microsoft.com/office/drawing/2018/hyperlinkcolor" showMasterPhAnim="0" showMasterSp="0">
   <p:cSld>
     <p:spTree>
       <p:nvGrpSpPr>
-        <p:cNvPr id="1" name="Shape 125"/>
+        <p:cNvPr id="125" name="Shape 125"/>
         <p:cNvGrpSpPr/>
         <p:nvPr/>
       </p:nvGrpSpPr>
@@ -1057,11 +1027,9 @@
       <p:sp>
         <p:nvSpPr>
           <p:cNvPr id="126" name="Google Shape;126;gaefa72756a_0_183:notes"/>
-          <p:cNvSpPr>
-            <a:spLocks noGrp="1" noRot="1" noChangeAspect="1"/>
-          </p:cNvSpPr>
+          <p:cNvSpPr/>
           <p:nvPr>
-            <p:ph type="sldImg" idx="2"/>
+            <p:ph idx="2" type="sldImg"/>
           </p:nvPr>
         </p:nvSpPr>
         <p:spPr>
@@ -1070,13 +1038,9 @@
             <a:ext cx="6096000" cy="3429000"/>
           </a:xfrm>
           <a:custGeom>
-            <a:avLst/>
-            <a:gdLst/>
-            <a:ahLst/>
-            <a:cxnLst/>
-            <a:rect l="l" t="t" r="r" b="b"/>
+            <a:rect b="b" l="l" r="r" t="t"/>
             <a:pathLst>
-              <a:path w="120000" h="120000" extrusionOk="0">
+              <a:path extrusionOk="0" h="120000" w="120000">
                 <a:moveTo>
                   <a:pt x="0" y="0"/>
                 </a:moveTo>
@@ -1098,11 +1062,9 @@
       <p:sp>
         <p:nvSpPr>
           <p:cNvPr id="127" name="Google Shape;127;gaefa72756a_0_183:notes"/>
-          <p:cNvSpPr txBox="1">
-            <a:spLocks noGrp="1"/>
-          </p:cNvSpPr>
+          <p:cNvSpPr txBox="1"/>
           <p:nvPr>
-            <p:ph type="body" idx="1"/>
+            <p:ph idx="1" type="body"/>
           </p:nvPr>
         </p:nvSpPr>
         <p:spPr>
@@ -1115,20 +1077,23 @@
           </a:prstGeom>
         </p:spPr>
         <p:txBody>
-          <a:bodyPr spcFirstLastPara="1" wrap="square" lIns="91425" tIns="91425" rIns="91425" bIns="91425" anchor="t" anchorCtr="0">
+          <a:bodyPr anchorCtr="0" anchor="t" bIns="91425" lIns="91425" spcFirstLastPara="1" rIns="91425" wrap="square" tIns="91425">
             <a:noAutofit/>
           </a:bodyPr>
           <a:lstStyle/>
           <a:p>
-            <a:pPr marL="0" lvl="0" indent="0" algn="l" rtl="0">
-              <a:spcBef>
-                <a:spcPts val="0"/>
-              </a:spcBef>
-              <a:spcAft>
-                <a:spcPts val="0"/>
-              </a:spcAft>
-              <a:buNone/>
-            </a:pPr>
+            <a:pPr indent="0" lvl="0" marL="0" rtl="0" algn="l">
+              <a:spcBef>
+                <a:spcPts val="0"/>
+              </a:spcBef>
+              <a:spcAft>
+                <a:spcPts val="0"/>
+              </a:spcAft>
+              <a:buNone/>
+            </a:pPr>
+            <a:r>
+              <a:t/>
+            </a:r>
             <a:endParaRPr/>
           </a:p>
         </p:txBody>
@@ -1142,11 +1107,11 @@
 </file>
 
 <file path=ppt/notesSlides/notesSlide13.xml><?xml version="1.0" encoding="utf-8"?>
-<p:notes xmlns:a="http://schemas.openxmlformats.org/drawingml/2006/main" xmlns:r="http://schemas.openxmlformats.org/officeDocument/2006/relationships" xmlns:p="http://schemas.openxmlformats.org/presentationml/2006/main" showMasterSp="0" showMasterPhAnim="0">
+<p:notes xmlns:a="http://schemas.openxmlformats.org/drawingml/2006/main" xmlns:r="http://schemas.openxmlformats.org/officeDocument/2006/relationships" xmlns:mc="http://schemas.openxmlformats.org/markup-compatibility/2006" xmlns:mv="urn:schemas-microsoft-com:mac:vml" xmlns:p="http://schemas.openxmlformats.org/presentationml/2006/main" xmlns:c="http://schemas.openxmlformats.org/drawingml/2006/chart" xmlns:dgm="http://schemas.openxmlformats.org/drawingml/2006/diagram" xmlns:o="urn:schemas-microsoft-com:office:office" xmlns:v="urn:schemas-microsoft-com:vml" xmlns:pvml="urn:schemas-microsoft-com:office:powerpoint" xmlns:com="http://schemas.openxmlformats.org/drawingml/2006/compatibility" xmlns:p14="http://schemas.microsoft.com/office/powerpoint/2010/main" xmlns:p15="http://schemas.microsoft.com/office/powerpoint/2012/main" xmlns:ahyp="http://schemas.microsoft.com/office/drawing/2018/hyperlinkcolor" showMasterPhAnim="0" showMasterSp="0">
   <p:cSld>
     <p:spTree>
       <p:nvGrpSpPr>
-        <p:cNvPr id="1" name="Shape 131"/>
+        <p:cNvPr id="131" name="Shape 131"/>
         <p:cNvGrpSpPr/>
         <p:nvPr/>
       </p:nvGrpSpPr>
@@ -1161,11 +1126,9 @@
       <p:sp>
         <p:nvSpPr>
           <p:cNvPr id="132" name="Google Shape;132;gaefa72756a_0_198:notes"/>
-          <p:cNvSpPr>
-            <a:spLocks noGrp="1" noRot="1" noChangeAspect="1"/>
-          </p:cNvSpPr>
+          <p:cNvSpPr/>
           <p:nvPr>
-            <p:ph type="sldImg" idx="2"/>
+            <p:ph idx="2" type="sldImg"/>
           </p:nvPr>
         </p:nvSpPr>
         <p:spPr>
@@ -1174,13 +1137,9 @@
             <a:ext cx="6096000" cy="3429000"/>
           </a:xfrm>
           <a:custGeom>
-            <a:avLst/>
-            <a:gdLst/>
-            <a:ahLst/>
-            <a:cxnLst/>
-            <a:rect l="l" t="t" r="r" b="b"/>
+            <a:rect b="b" l="l" r="r" t="t"/>
             <a:pathLst>
-              <a:path w="120000" h="120000" extrusionOk="0">
+              <a:path extrusionOk="0" h="120000" w="120000">
                 <a:moveTo>
                   <a:pt x="0" y="0"/>
                 </a:moveTo>
@@ -1202,11 +1161,9 @@
       <p:sp>
         <p:nvSpPr>
           <p:cNvPr id="133" name="Google Shape;133;gaefa72756a_0_198:notes"/>
-          <p:cNvSpPr txBox="1">
-            <a:spLocks noGrp="1"/>
-          </p:cNvSpPr>
+          <p:cNvSpPr txBox="1"/>
           <p:nvPr>
-            <p:ph type="body" idx="1"/>
+            <p:ph idx="1" type="body"/>
           </p:nvPr>
         </p:nvSpPr>
         <p:spPr>
@@ -1219,20 +1176,23 @@
           </a:prstGeom>
         </p:spPr>
         <p:txBody>
-          <a:bodyPr spcFirstLastPara="1" wrap="square" lIns="91425" tIns="91425" rIns="91425" bIns="91425" anchor="t" anchorCtr="0">
+          <a:bodyPr anchorCtr="0" anchor="t" bIns="91425" lIns="91425" spcFirstLastPara="1" rIns="91425" wrap="square" tIns="91425">
             <a:noAutofit/>
           </a:bodyPr>
           <a:lstStyle/>
           <a:p>
-            <a:pPr marL="0" lvl="0" indent="0" algn="l" rtl="0">
-              <a:spcBef>
-                <a:spcPts val="0"/>
-              </a:spcBef>
-              <a:spcAft>
-                <a:spcPts val="0"/>
-              </a:spcAft>
-              <a:buNone/>
-            </a:pPr>
+            <a:pPr indent="0" lvl="0" marL="0" rtl="0" algn="l">
+              <a:spcBef>
+                <a:spcPts val="0"/>
+              </a:spcBef>
+              <a:spcAft>
+                <a:spcPts val="0"/>
+              </a:spcAft>
+              <a:buNone/>
+            </a:pPr>
+            <a:r>
+              <a:t/>
+            </a:r>
             <a:endParaRPr/>
           </a:p>
         </p:txBody>
@@ -1246,11 +1206,11 @@
 </file>
 
 <file path=ppt/notesSlides/notesSlide14.xml><?xml version="1.0" encoding="utf-8"?>
-<p:notes xmlns:a="http://schemas.openxmlformats.org/drawingml/2006/main" xmlns:r="http://schemas.openxmlformats.org/officeDocument/2006/relationships" xmlns:p="http://schemas.openxmlformats.org/presentationml/2006/main" showMasterSp="0" showMasterPhAnim="0">
+<p:notes xmlns:a="http://schemas.openxmlformats.org/drawingml/2006/main" xmlns:r="http://schemas.openxmlformats.org/officeDocument/2006/relationships" xmlns:mc="http://schemas.openxmlformats.org/markup-compatibility/2006" xmlns:mv="urn:schemas-microsoft-com:mac:vml" xmlns:p="http://schemas.openxmlformats.org/presentationml/2006/main" xmlns:c="http://schemas.openxmlformats.org/drawingml/2006/chart" xmlns:dgm="http://schemas.openxmlformats.org/drawingml/2006/diagram" xmlns:o="urn:schemas-microsoft-com:office:office" xmlns:v="urn:schemas-microsoft-com:vml" xmlns:pvml="urn:schemas-microsoft-com:office:powerpoint" xmlns:com="http://schemas.openxmlformats.org/drawingml/2006/compatibility" xmlns:p14="http://schemas.microsoft.com/office/powerpoint/2010/main" xmlns:p15="http://schemas.microsoft.com/office/powerpoint/2012/main" xmlns:ahyp="http://schemas.microsoft.com/office/drawing/2018/hyperlinkcolor" showMasterPhAnim="0" showMasterSp="0">
   <p:cSld>
     <p:spTree>
       <p:nvGrpSpPr>
-        <p:cNvPr id="1" name="Shape 139"/>
+        <p:cNvPr id="139" name="Shape 139"/>
         <p:cNvGrpSpPr/>
         <p:nvPr/>
       </p:nvGrpSpPr>
@@ -1265,11 +1225,9 @@
       <p:sp>
         <p:nvSpPr>
           <p:cNvPr id="140" name="Google Shape;140;gaefa72756a_0_203:notes"/>
-          <p:cNvSpPr>
-            <a:spLocks noGrp="1" noRot="1" noChangeAspect="1"/>
-          </p:cNvSpPr>
+          <p:cNvSpPr/>
           <p:nvPr>
-            <p:ph type="sldImg" idx="2"/>
+            <p:ph idx="2" type="sldImg"/>
           </p:nvPr>
         </p:nvSpPr>
         <p:spPr>
@@ -1278,13 +1236,9 @@
             <a:ext cx="6096000" cy="3429000"/>
           </a:xfrm>
           <a:custGeom>
-            <a:avLst/>
-            <a:gdLst/>
-            <a:ahLst/>
-            <a:cxnLst/>
-            <a:rect l="l" t="t" r="r" b="b"/>
+            <a:rect b="b" l="l" r="r" t="t"/>
             <a:pathLst>
-              <a:path w="120000" h="120000" extrusionOk="0">
+              <a:path extrusionOk="0" h="120000" w="120000">
                 <a:moveTo>
                   <a:pt x="0" y="0"/>
                 </a:moveTo>
@@ -1306,11 +1260,9 @@
       <p:sp>
         <p:nvSpPr>
           <p:cNvPr id="141" name="Google Shape;141;gaefa72756a_0_203:notes"/>
-          <p:cNvSpPr txBox="1">
-            <a:spLocks noGrp="1"/>
-          </p:cNvSpPr>
+          <p:cNvSpPr txBox="1"/>
           <p:nvPr>
-            <p:ph type="body" idx="1"/>
+            <p:ph idx="1" type="body"/>
           </p:nvPr>
         </p:nvSpPr>
         <p:spPr>
@@ -1323,20 +1275,23 @@
           </a:prstGeom>
         </p:spPr>
         <p:txBody>
-          <a:bodyPr spcFirstLastPara="1" wrap="square" lIns="91425" tIns="91425" rIns="91425" bIns="91425" anchor="t" anchorCtr="0">
+          <a:bodyPr anchorCtr="0" anchor="t" bIns="91425" lIns="91425" spcFirstLastPara="1" rIns="91425" wrap="square" tIns="91425">
             <a:noAutofit/>
           </a:bodyPr>
           <a:lstStyle/>
           <a:p>
-            <a:pPr marL="0" lvl="0" indent="0" algn="l" rtl="0">
-              <a:spcBef>
-                <a:spcPts val="0"/>
-              </a:spcBef>
-              <a:spcAft>
-                <a:spcPts val="0"/>
-              </a:spcAft>
-              <a:buNone/>
-            </a:pPr>
+            <a:pPr indent="0" lvl="0" marL="0" rtl="0" algn="l">
+              <a:spcBef>
+                <a:spcPts val="0"/>
+              </a:spcBef>
+              <a:spcAft>
+                <a:spcPts val="0"/>
+              </a:spcAft>
+              <a:buNone/>
+            </a:pPr>
+            <a:r>
+              <a:t/>
+            </a:r>
             <a:endParaRPr/>
           </a:p>
         </p:txBody>
@@ -1350,11 +1305,11 @@
 </file>
 
 <file path=ppt/notesSlides/notesSlide2.xml><?xml version="1.0" encoding="utf-8"?>
-<p:notes xmlns:a="http://schemas.openxmlformats.org/drawingml/2006/main" xmlns:r="http://schemas.openxmlformats.org/officeDocument/2006/relationships" xmlns:p="http://schemas.openxmlformats.org/presentationml/2006/main" showMasterSp="0" showMasterPhAnim="0">
+<p:notes xmlns:a="http://schemas.openxmlformats.org/drawingml/2006/main" xmlns:r="http://schemas.openxmlformats.org/officeDocument/2006/relationships" xmlns:mc="http://schemas.openxmlformats.org/markup-compatibility/2006" xmlns:mv="urn:schemas-microsoft-com:mac:vml" xmlns:p="http://schemas.openxmlformats.org/presentationml/2006/main" xmlns:c="http://schemas.openxmlformats.org/drawingml/2006/chart" xmlns:dgm="http://schemas.openxmlformats.org/drawingml/2006/diagram" xmlns:o="urn:schemas-microsoft-com:office:office" xmlns:v="urn:schemas-microsoft-com:vml" xmlns:pvml="urn:schemas-microsoft-com:office:powerpoint" xmlns:com="http://schemas.openxmlformats.org/drawingml/2006/compatibility" xmlns:p14="http://schemas.microsoft.com/office/powerpoint/2010/main" xmlns:p15="http://schemas.microsoft.com/office/powerpoint/2012/main" xmlns:ahyp="http://schemas.microsoft.com/office/drawing/2018/hyperlinkcolor" showMasterPhAnim="0" showMasterSp="0">
   <p:cSld>
     <p:spTree>
       <p:nvGrpSpPr>
-        <p:cNvPr id="1" name="Shape 65"/>
+        <p:cNvPr id="65" name="Shape 65"/>
         <p:cNvGrpSpPr/>
         <p:nvPr/>
       </p:nvGrpSpPr>
@@ -1369,11 +1324,9 @@
       <p:sp>
         <p:nvSpPr>
           <p:cNvPr id="66" name="Google Shape;66;gaefa72756a_0_50:notes"/>
-          <p:cNvSpPr>
-            <a:spLocks noGrp="1" noRot="1" noChangeAspect="1"/>
-          </p:cNvSpPr>
+          <p:cNvSpPr/>
           <p:nvPr>
-            <p:ph type="sldImg" idx="2"/>
+            <p:ph idx="2" type="sldImg"/>
           </p:nvPr>
         </p:nvSpPr>
         <p:spPr>
@@ -1382,13 +1335,9 @@
             <a:ext cx="6096000" cy="3429000"/>
           </a:xfrm>
           <a:custGeom>
-            <a:avLst/>
-            <a:gdLst/>
-            <a:ahLst/>
-            <a:cxnLst/>
-            <a:rect l="l" t="t" r="r" b="b"/>
+            <a:rect b="b" l="l" r="r" t="t"/>
             <a:pathLst>
-              <a:path w="120000" h="120000" extrusionOk="0">
+              <a:path extrusionOk="0" h="120000" w="120000">
                 <a:moveTo>
                   <a:pt x="0" y="0"/>
                 </a:moveTo>
@@ -1410,11 +1359,9 @@
       <p:sp>
         <p:nvSpPr>
           <p:cNvPr id="67" name="Google Shape;67;gaefa72756a_0_50:notes"/>
-          <p:cNvSpPr txBox="1">
-            <a:spLocks noGrp="1"/>
-          </p:cNvSpPr>
+          <p:cNvSpPr txBox="1"/>
           <p:nvPr>
-            <p:ph type="body" idx="1"/>
+            <p:ph idx="1" type="body"/>
           </p:nvPr>
         </p:nvSpPr>
         <p:spPr>
@@ -1427,20 +1374,23 @@
           </a:prstGeom>
         </p:spPr>
         <p:txBody>
-          <a:bodyPr spcFirstLastPara="1" wrap="square" lIns="91425" tIns="91425" rIns="91425" bIns="91425" anchor="t" anchorCtr="0">
+          <a:bodyPr anchorCtr="0" anchor="t" bIns="91425" lIns="91425" spcFirstLastPara="1" rIns="91425" wrap="square" tIns="91425">
             <a:noAutofit/>
           </a:bodyPr>
           <a:lstStyle/>
           <a:p>
-            <a:pPr marL="0" lvl="0" indent="0" algn="l" rtl="0">
-              <a:spcBef>
-                <a:spcPts val="0"/>
-              </a:spcBef>
-              <a:spcAft>
-                <a:spcPts val="0"/>
-              </a:spcAft>
-              <a:buNone/>
-            </a:pPr>
+            <a:pPr indent="0" lvl="0" marL="0" rtl="0" algn="l">
+              <a:spcBef>
+                <a:spcPts val="0"/>
+              </a:spcBef>
+              <a:spcAft>
+                <a:spcPts val="0"/>
+              </a:spcAft>
+              <a:buNone/>
+            </a:pPr>
+            <a:r>
+              <a:t/>
+            </a:r>
             <a:endParaRPr/>
           </a:p>
         </p:txBody>
@@ -1454,11 +1404,11 @@
 </file>
 
 <file path=ppt/notesSlides/notesSlide3.xml><?xml version="1.0" encoding="utf-8"?>
-<p:notes xmlns:a="http://schemas.openxmlformats.org/drawingml/2006/main" xmlns:r="http://schemas.openxmlformats.org/officeDocument/2006/relationships" xmlns:p="http://schemas.openxmlformats.org/presentationml/2006/main" showMasterSp="0" showMasterPhAnim="0">
+<p:notes xmlns:a="http://schemas.openxmlformats.org/drawingml/2006/main" xmlns:r="http://schemas.openxmlformats.org/officeDocument/2006/relationships" xmlns:mc="http://schemas.openxmlformats.org/markup-compatibility/2006" xmlns:mv="urn:schemas-microsoft-com:mac:vml" xmlns:p="http://schemas.openxmlformats.org/presentationml/2006/main" xmlns:c="http://schemas.openxmlformats.org/drawingml/2006/chart" xmlns:dgm="http://schemas.openxmlformats.org/drawingml/2006/diagram" xmlns:o="urn:schemas-microsoft-com:office:office" xmlns:v="urn:schemas-microsoft-com:vml" xmlns:pvml="urn:schemas-microsoft-com:office:powerpoint" xmlns:com="http://schemas.openxmlformats.org/drawingml/2006/compatibility" xmlns:p14="http://schemas.microsoft.com/office/powerpoint/2010/main" xmlns:p15="http://schemas.microsoft.com/office/powerpoint/2012/main" xmlns:ahyp="http://schemas.microsoft.com/office/drawing/2018/hyperlinkcolor" showMasterPhAnim="0" showMasterSp="0">
   <p:cSld>
     <p:spTree>
       <p:nvGrpSpPr>
-        <p:cNvPr id="1" name="Shape 71"/>
+        <p:cNvPr id="71" name="Shape 71"/>
         <p:cNvGrpSpPr/>
         <p:nvPr/>
       </p:nvGrpSpPr>
@@ -1473,11 +1423,9 @@
       <p:sp>
         <p:nvSpPr>
           <p:cNvPr id="72" name="Google Shape;72;gaefa72756a_0_158:notes"/>
-          <p:cNvSpPr>
-            <a:spLocks noGrp="1" noRot="1" noChangeAspect="1"/>
-          </p:cNvSpPr>
+          <p:cNvSpPr/>
           <p:nvPr>
-            <p:ph type="sldImg" idx="2"/>
+            <p:ph idx="2" type="sldImg"/>
           </p:nvPr>
         </p:nvSpPr>
         <p:spPr>
@@ -1486,13 +1434,9 @@
             <a:ext cx="6096000" cy="3429000"/>
           </a:xfrm>
           <a:custGeom>
-            <a:avLst/>
-            <a:gdLst/>
-            <a:ahLst/>
-            <a:cxnLst/>
-            <a:rect l="l" t="t" r="r" b="b"/>
+            <a:rect b="b" l="l" r="r" t="t"/>
             <a:pathLst>
-              <a:path w="120000" h="120000" extrusionOk="0">
+              <a:path extrusionOk="0" h="120000" w="120000">
                 <a:moveTo>
                   <a:pt x="0" y="0"/>
                 </a:moveTo>
@@ -1514,11 +1458,9 @@
       <p:sp>
         <p:nvSpPr>
           <p:cNvPr id="73" name="Google Shape;73;gaefa72756a_0_158:notes"/>
-          <p:cNvSpPr txBox="1">
-            <a:spLocks noGrp="1"/>
-          </p:cNvSpPr>
+          <p:cNvSpPr txBox="1"/>
           <p:nvPr>
-            <p:ph type="body" idx="1"/>
+            <p:ph idx="1" type="body"/>
           </p:nvPr>
         </p:nvSpPr>
         <p:spPr>
@@ -1531,20 +1473,23 @@
           </a:prstGeom>
         </p:spPr>
         <p:txBody>
-          <a:bodyPr spcFirstLastPara="1" wrap="square" lIns="91425" tIns="91425" rIns="91425" bIns="91425" anchor="t" anchorCtr="0">
+          <a:bodyPr anchorCtr="0" anchor="t" bIns="91425" lIns="91425" spcFirstLastPara="1" rIns="91425" wrap="square" tIns="91425">
             <a:noAutofit/>
           </a:bodyPr>
           <a:lstStyle/>
           <a:p>
-            <a:pPr marL="0" lvl="0" indent="0" algn="l" rtl="0">
-              <a:spcBef>
-                <a:spcPts val="0"/>
-              </a:spcBef>
-              <a:spcAft>
-                <a:spcPts val="0"/>
-              </a:spcAft>
-              <a:buNone/>
-            </a:pPr>
+            <a:pPr indent="0" lvl="0" marL="0" rtl="0" algn="l">
+              <a:spcBef>
+                <a:spcPts val="0"/>
+              </a:spcBef>
+              <a:spcAft>
+                <a:spcPts val="0"/>
+              </a:spcAft>
+              <a:buNone/>
+            </a:pPr>
+            <a:r>
+              <a:t/>
+            </a:r>
             <a:endParaRPr/>
           </a:p>
         </p:txBody>
@@ -1558,11 +1503,11 @@
 </file>
 
 <file path=ppt/notesSlides/notesSlide4.xml><?xml version="1.0" encoding="utf-8"?>
-<p:notes xmlns:a="http://schemas.openxmlformats.org/drawingml/2006/main" xmlns:r="http://schemas.openxmlformats.org/officeDocument/2006/relationships" xmlns:p="http://schemas.openxmlformats.org/presentationml/2006/main" showMasterSp="0" showMasterPhAnim="0">
+<p:notes xmlns:a="http://schemas.openxmlformats.org/drawingml/2006/main" xmlns:r="http://schemas.openxmlformats.org/officeDocument/2006/relationships" xmlns:mc="http://schemas.openxmlformats.org/markup-compatibility/2006" xmlns:mv="urn:schemas-microsoft-com:mac:vml" xmlns:p="http://schemas.openxmlformats.org/presentationml/2006/main" xmlns:c="http://schemas.openxmlformats.org/drawingml/2006/chart" xmlns:dgm="http://schemas.openxmlformats.org/drawingml/2006/diagram" xmlns:o="urn:schemas-microsoft-com:office:office" xmlns:v="urn:schemas-microsoft-com:vml" xmlns:pvml="urn:schemas-microsoft-com:office:powerpoint" xmlns:com="http://schemas.openxmlformats.org/drawingml/2006/compatibility" xmlns:p14="http://schemas.microsoft.com/office/powerpoint/2010/main" xmlns:p15="http://schemas.microsoft.com/office/powerpoint/2012/main" xmlns:ahyp="http://schemas.microsoft.com/office/drawing/2018/hyperlinkcolor" showMasterPhAnim="0" showMasterSp="0">
   <p:cSld>
     <p:spTree>
       <p:nvGrpSpPr>
-        <p:cNvPr id="1" name="Shape 77"/>
+        <p:cNvPr id="77" name="Shape 77"/>
         <p:cNvGrpSpPr/>
         <p:nvPr/>
       </p:nvGrpSpPr>
@@ -1577,11 +1522,9 @@
       <p:sp>
         <p:nvSpPr>
           <p:cNvPr id="78" name="Google Shape;78;gaefa72756a_0_163:notes"/>
-          <p:cNvSpPr>
-            <a:spLocks noGrp="1" noRot="1" noChangeAspect="1"/>
-          </p:cNvSpPr>
+          <p:cNvSpPr/>
           <p:nvPr>
-            <p:ph type="sldImg" idx="2"/>
+            <p:ph idx="2" type="sldImg"/>
           </p:nvPr>
         </p:nvSpPr>
         <p:spPr>
@@ -1590,13 +1533,9 @@
             <a:ext cx="6096000" cy="3429000"/>
           </a:xfrm>
           <a:custGeom>
-            <a:avLst/>
-            <a:gdLst/>
-            <a:ahLst/>
-            <a:cxnLst/>
-            <a:rect l="l" t="t" r="r" b="b"/>
+            <a:rect b="b" l="l" r="r" t="t"/>
             <a:pathLst>
-              <a:path w="120000" h="120000" extrusionOk="0">
+              <a:path extrusionOk="0" h="120000" w="120000">
                 <a:moveTo>
                   <a:pt x="0" y="0"/>
                 </a:moveTo>
@@ -1618,11 +1557,9 @@
       <p:sp>
         <p:nvSpPr>
           <p:cNvPr id="79" name="Google Shape;79;gaefa72756a_0_163:notes"/>
-          <p:cNvSpPr txBox="1">
-            <a:spLocks noGrp="1"/>
-          </p:cNvSpPr>
+          <p:cNvSpPr txBox="1"/>
           <p:nvPr>
-            <p:ph type="body" idx="1"/>
+            <p:ph idx="1" type="body"/>
           </p:nvPr>
         </p:nvSpPr>
         <p:spPr>
@@ -1635,20 +1572,23 @@
           </a:prstGeom>
         </p:spPr>
         <p:txBody>
-          <a:bodyPr spcFirstLastPara="1" wrap="square" lIns="91425" tIns="91425" rIns="91425" bIns="91425" anchor="t" anchorCtr="0">
+          <a:bodyPr anchorCtr="0" anchor="t" bIns="91425" lIns="91425" spcFirstLastPara="1" rIns="91425" wrap="square" tIns="91425">
             <a:noAutofit/>
           </a:bodyPr>
           <a:lstStyle/>
           <a:p>
-            <a:pPr marL="0" lvl="0" indent="0" algn="l" rtl="0">
-              <a:spcBef>
-                <a:spcPts val="0"/>
-              </a:spcBef>
-              <a:spcAft>
-                <a:spcPts val="0"/>
-              </a:spcAft>
-              <a:buNone/>
-            </a:pPr>
+            <a:pPr indent="0" lvl="0" marL="0" rtl="0" algn="l">
+              <a:spcBef>
+                <a:spcPts val="0"/>
+              </a:spcBef>
+              <a:spcAft>
+                <a:spcPts val="0"/>
+              </a:spcAft>
+              <a:buNone/>
+            </a:pPr>
+            <a:r>
+              <a:t/>
+            </a:r>
             <a:endParaRPr/>
           </a:p>
         </p:txBody>
@@ -1662,11 +1602,11 @@
 </file>
 
 <file path=ppt/notesSlides/notesSlide5.xml><?xml version="1.0" encoding="utf-8"?>
-<p:notes xmlns:a="http://schemas.openxmlformats.org/drawingml/2006/main" xmlns:r="http://schemas.openxmlformats.org/officeDocument/2006/relationships" xmlns:p="http://schemas.openxmlformats.org/presentationml/2006/main" showMasterSp="0" showMasterPhAnim="0">
+<p:notes xmlns:a="http://schemas.openxmlformats.org/drawingml/2006/main" xmlns:r="http://schemas.openxmlformats.org/officeDocument/2006/relationships" xmlns:mc="http://schemas.openxmlformats.org/markup-compatibility/2006" xmlns:mv="urn:schemas-microsoft-com:mac:vml" xmlns:p="http://schemas.openxmlformats.org/presentationml/2006/main" xmlns:c="http://schemas.openxmlformats.org/drawingml/2006/chart" xmlns:dgm="http://schemas.openxmlformats.org/drawingml/2006/diagram" xmlns:o="urn:schemas-microsoft-com:office:office" xmlns:v="urn:schemas-microsoft-com:vml" xmlns:pvml="urn:schemas-microsoft-com:office:powerpoint" xmlns:com="http://schemas.openxmlformats.org/drawingml/2006/compatibility" xmlns:p14="http://schemas.microsoft.com/office/powerpoint/2010/main" xmlns:p15="http://schemas.microsoft.com/office/powerpoint/2012/main" xmlns:ahyp="http://schemas.microsoft.com/office/drawing/2018/hyperlinkcolor" showMasterPhAnim="0" showMasterSp="0">
   <p:cSld>
     <p:spTree>
       <p:nvGrpSpPr>
-        <p:cNvPr id="1" name="Shape 83"/>
+        <p:cNvPr id="83" name="Shape 83"/>
         <p:cNvGrpSpPr/>
         <p:nvPr/>
       </p:nvGrpSpPr>
@@ -1681,11 +1621,9 @@
       <p:sp>
         <p:nvSpPr>
           <p:cNvPr id="84" name="Google Shape;84;gaefa72756a_0_168:notes"/>
-          <p:cNvSpPr>
-            <a:spLocks noGrp="1" noRot="1" noChangeAspect="1"/>
-          </p:cNvSpPr>
+          <p:cNvSpPr/>
           <p:nvPr>
-            <p:ph type="sldImg" idx="2"/>
+            <p:ph idx="2" type="sldImg"/>
           </p:nvPr>
         </p:nvSpPr>
         <p:spPr>
@@ -1694,13 +1632,9 @@
             <a:ext cx="6096000" cy="3429000"/>
           </a:xfrm>
           <a:custGeom>
-            <a:avLst/>
-            <a:gdLst/>
-            <a:ahLst/>
-            <a:cxnLst/>
-            <a:rect l="l" t="t" r="r" b="b"/>
+            <a:rect b="b" l="l" r="r" t="t"/>
             <a:pathLst>
-              <a:path w="120000" h="120000" extrusionOk="0">
+              <a:path extrusionOk="0" h="120000" w="120000">
                 <a:moveTo>
                   <a:pt x="0" y="0"/>
                 </a:moveTo>
@@ -1722,11 +1656,9 @@
       <p:sp>
         <p:nvSpPr>
           <p:cNvPr id="85" name="Google Shape;85;gaefa72756a_0_168:notes"/>
-          <p:cNvSpPr txBox="1">
-            <a:spLocks noGrp="1"/>
-          </p:cNvSpPr>
+          <p:cNvSpPr txBox="1"/>
           <p:nvPr>
-            <p:ph type="body" idx="1"/>
+            <p:ph idx="1" type="body"/>
           </p:nvPr>
         </p:nvSpPr>
         <p:spPr>
@@ -1739,20 +1671,23 @@
           </a:prstGeom>
         </p:spPr>
         <p:txBody>
-          <a:bodyPr spcFirstLastPara="1" wrap="square" lIns="91425" tIns="91425" rIns="91425" bIns="91425" anchor="t" anchorCtr="0">
+          <a:bodyPr anchorCtr="0" anchor="t" bIns="91425" lIns="91425" spcFirstLastPara="1" rIns="91425" wrap="square" tIns="91425">
             <a:noAutofit/>
           </a:bodyPr>
           <a:lstStyle/>
           <a:p>
-            <a:pPr marL="0" lvl="0" indent="0" algn="l" rtl="0">
-              <a:spcBef>
-                <a:spcPts val="0"/>
-              </a:spcBef>
-              <a:spcAft>
-                <a:spcPts val="0"/>
-              </a:spcAft>
-              <a:buNone/>
-            </a:pPr>
+            <a:pPr indent="0" lvl="0" marL="0" rtl="0" algn="l">
+              <a:spcBef>
+                <a:spcPts val="0"/>
+              </a:spcBef>
+              <a:spcAft>
+                <a:spcPts val="0"/>
+              </a:spcAft>
+              <a:buNone/>
+            </a:pPr>
+            <a:r>
+              <a:t/>
+            </a:r>
             <a:endParaRPr/>
           </a:p>
         </p:txBody>
@@ -1766,11 +1701,11 @@
 </file>
 
 <file path=ppt/notesSlides/notesSlide6.xml><?xml version="1.0" encoding="utf-8"?>
-<p:notes xmlns:a="http://schemas.openxmlformats.org/drawingml/2006/main" xmlns:r="http://schemas.openxmlformats.org/officeDocument/2006/relationships" xmlns:p="http://schemas.openxmlformats.org/presentationml/2006/main" showMasterSp="0" showMasterPhAnim="0">
+<p:notes xmlns:a="http://schemas.openxmlformats.org/drawingml/2006/main" xmlns:r="http://schemas.openxmlformats.org/officeDocument/2006/relationships" xmlns:mc="http://schemas.openxmlformats.org/markup-compatibility/2006" xmlns:mv="urn:schemas-microsoft-com:mac:vml" xmlns:p="http://schemas.openxmlformats.org/presentationml/2006/main" xmlns:c="http://schemas.openxmlformats.org/drawingml/2006/chart" xmlns:dgm="http://schemas.openxmlformats.org/drawingml/2006/diagram" xmlns:o="urn:schemas-microsoft-com:office:office" xmlns:v="urn:schemas-microsoft-com:vml" xmlns:pvml="urn:schemas-microsoft-com:office:powerpoint" xmlns:com="http://schemas.openxmlformats.org/drawingml/2006/compatibility" xmlns:p14="http://schemas.microsoft.com/office/powerpoint/2010/main" xmlns:p15="http://schemas.microsoft.com/office/powerpoint/2012/main" xmlns:ahyp="http://schemas.microsoft.com/office/drawing/2018/hyperlinkcolor" showMasterPhAnim="0" showMasterSp="0">
   <p:cSld>
     <p:spTree>
       <p:nvGrpSpPr>
-        <p:cNvPr id="1" name="Shape 89"/>
+        <p:cNvPr id="89" name="Shape 89"/>
         <p:cNvGrpSpPr/>
         <p:nvPr/>
       </p:nvGrpSpPr>
@@ -1785,11 +1720,9 @@
       <p:sp>
         <p:nvSpPr>
           <p:cNvPr id="90" name="Google Shape;90;gaefa72756a_0_173:notes"/>
-          <p:cNvSpPr>
-            <a:spLocks noGrp="1" noRot="1" noChangeAspect="1"/>
-          </p:cNvSpPr>
+          <p:cNvSpPr/>
           <p:nvPr>
-            <p:ph type="sldImg" idx="2"/>
+            <p:ph idx="2" type="sldImg"/>
           </p:nvPr>
         </p:nvSpPr>
         <p:spPr>
@@ -1798,13 +1731,9 @@
             <a:ext cx="6096000" cy="3429000"/>
           </a:xfrm>
           <a:custGeom>
-            <a:avLst/>
-            <a:gdLst/>
-            <a:ahLst/>
-            <a:cxnLst/>
-            <a:rect l="l" t="t" r="r" b="b"/>
+            <a:rect b="b" l="l" r="r" t="t"/>
             <a:pathLst>
-              <a:path w="120000" h="120000" extrusionOk="0">
+              <a:path extrusionOk="0" h="120000" w="120000">
                 <a:moveTo>
                   <a:pt x="0" y="0"/>
                 </a:moveTo>
@@ -1826,11 +1755,9 @@
       <p:sp>
         <p:nvSpPr>
           <p:cNvPr id="91" name="Google Shape;91;gaefa72756a_0_173:notes"/>
-          <p:cNvSpPr txBox="1">
-            <a:spLocks noGrp="1"/>
-          </p:cNvSpPr>
+          <p:cNvSpPr txBox="1"/>
           <p:nvPr>
-            <p:ph type="body" idx="1"/>
+            <p:ph idx="1" type="body"/>
           </p:nvPr>
         </p:nvSpPr>
         <p:spPr>
@@ -1843,20 +1770,23 @@
           </a:prstGeom>
         </p:spPr>
         <p:txBody>
-          <a:bodyPr spcFirstLastPara="1" wrap="square" lIns="91425" tIns="91425" rIns="91425" bIns="91425" anchor="t" anchorCtr="0">
+          <a:bodyPr anchorCtr="0" anchor="t" bIns="91425" lIns="91425" spcFirstLastPara="1" rIns="91425" wrap="square" tIns="91425">
             <a:noAutofit/>
           </a:bodyPr>
           <a:lstStyle/>
           <a:p>
-            <a:pPr marL="0" lvl="0" indent="0" algn="l" rtl="0">
-              <a:spcBef>
-                <a:spcPts val="0"/>
-              </a:spcBef>
-              <a:spcAft>
-                <a:spcPts val="0"/>
-              </a:spcAft>
-              <a:buNone/>
-            </a:pPr>
+            <a:pPr indent="0" lvl="0" marL="0" rtl="0" algn="l">
+              <a:spcBef>
+                <a:spcPts val="0"/>
+              </a:spcBef>
+              <a:spcAft>
+                <a:spcPts val="0"/>
+              </a:spcAft>
+              <a:buNone/>
+            </a:pPr>
+            <a:r>
+              <a:t/>
+            </a:r>
             <a:endParaRPr/>
           </a:p>
         </p:txBody>
@@ -1870,11 +1800,11 @@
 </file>
 
 <file path=ppt/notesSlides/notesSlide7.xml><?xml version="1.0" encoding="utf-8"?>
-<p:notes xmlns:a="http://schemas.openxmlformats.org/drawingml/2006/main" xmlns:r="http://schemas.openxmlformats.org/officeDocument/2006/relationships" xmlns:p="http://schemas.openxmlformats.org/presentationml/2006/main" showMasterSp="0" showMasterPhAnim="0">
+<p:notes xmlns:a="http://schemas.openxmlformats.org/drawingml/2006/main" xmlns:r="http://schemas.openxmlformats.org/officeDocument/2006/relationships" xmlns:mc="http://schemas.openxmlformats.org/markup-compatibility/2006" xmlns:mv="urn:schemas-microsoft-com:mac:vml" xmlns:p="http://schemas.openxmlformats.org/presentationml/2006/main" xmlns:c="http://schemas.openxmlformats.org/drawingml/2006/chart" xmlns:dgm="http://schemas.openxmlformats.org/drawingml/2006/diagram" xmlns:o="urn:schemas-microsoft-com:office:office" xmlns:v="urn:schemas-microsoft-com:vml" xmlns:pvml="urn:schemas-microsoft-com:office:powerpoint" xmlns:com="http://schemas.openxmlformats.org/drawingml/2006/compatibility" xmlns:p14="http://schemas.microsoft.com/office/powerpoint/2010/main" xmlns:p15="http://schemas.microsoft.com/office/powerpoint/2012/main" xmlns:ahyp="http://schemas.microsoft.com/office/drawing/2018/hyperlinkcolor" showMasterPhAnim="0" showMasterSp="0">
   <p:cSld>
     <p:spTree>
       <p:nvGrpSpPr>
-        <p:cNvPr id="1" name="Shape 95"/>
+        <p:cNvPr id="95" name="Shape 95"/>
         <p:cNvGrpSpPr/>
         <p:nvPr/>
       </p:nvGrpSpPr>
@@ -1889,11 +1819,9 @@
       <p:sp>
         <p:nvSpPr>
           <p:cNvPr id="96" name="Google Shape;96;gaefa72756a_0_178:notes"/>
-          <p:cNvSpPr>
-            <a:spLocks noGrp="1" noRot="1" noChangeAspect="1"/>
-          </p:cNvSpPr>
+          <p:cNvSpPr/>
           <p:nvPr>
-            <p:ph type="sldImg" idx="2"/>
+            <p:ph idx="2" type="sldImg"/>
           </p:nvPr>
         </p:nvSpPr>
         <p:spPr>
@@ -1902,13 +1830,9 @@
             <a:ext cx="6096000" cy="3429000"/>
           </a:xfrm>
           <a:custGeom>
-            <a:avLst/>
-            <a:gdLst/>
-            <a:ahLst/>
-            <a:cxnLst/>
-            <a:rect l="l" t="t" r="r" b="b"/>
+            <a:rect b="b" l="l" r="r" t="t"/>
             <a:pathLst>
-              <a:path w="120000" h="120000" extrusionOk="0">
+              <a:path extrusionOk="0" h="120000" w="120000">
                 <a:moveTo>
                   <a:pt x="0" y="0"/>
                 </a:moveTo>
@@ -1930,11 +1854,9 @@
       <p:sp>
         <p:nvSpPr>
           <p:cNvPr id="97" name="Google Shape;97;gaefa72756a_0_178:notes"/>
-          <p:cNvSpPr txBox="1">
-            <a:spLocks noGrp="1"/>
-          </p:cNvSpPr>
+          <p:cNvSpPr txBox="1"/>
           <p:nvPr>
-            <p:ph type="body" idx="1"/>
+            <p:ph idx="1" type="body"/>
           </p:nvPr>
         </p:nvSpPr>
         <p:spPr>
@@ -1947,20 +1869,23 @@
           </a:prstGeom>
         </p:spPr>
         <p:txBody>
-          <a:bodyPr spcFirstLastPara="1" wrap="square" lIns="91425" tIns="91425" rIns="91425" bIns="91425" anchor="t" anchorCtr="0">
+          <a:bodyPr anchorCtr="0" anchor="t" bIns="91425" lIns="91425" spcFirstLastPara="1" rIns="91425" wrap="square" tIns="91425">
             <a:noAutofit/>
           </a:bodyPr>
           <a:lstStyle/>
           <a:p>
-            <a:pPr marL="0" lvl="0" indent="0" algn="l" rtl="0">
-              <a:spcBef>
-                <a:spcPts val="0"/>
-              </a:spcBef>
-              <a:spcAft>
-                <a:spcPts val="0"/>
-              </a:spcAft>
-              <a:buNone/>
-            </a:pPr>
+            <a:pPr indent="0" lvl="0" marL="0" rtl="0" algn="l">
+              <a:spcBef>
+                <a:spcPts val="0"/>
+              </a:spcBef>
+              <a:spcAft>
+                <a:spcPts val="0"/>
+              </a:spcAft>
+              <a:buNone/>
+            </a:pPr>
+            <a:r>
+              <a:t/>
+            </a:r>
             <a:endParaRPr/>
           </a:p>
         </p:txBody>
@@ -1974,11 +1899,11 @@
 </file>
 
 <file path=ppt/notesSlides/notesSlide8.xml><?xml version="1.0" encoding="utf-8"?>
-<p:notes xmlns:a="http://schemas.openxmlformats.org/drawingml/2006/main" xmlns:r="http://schemas.openxmlformats.org/officeDocument/2006/relationships" xmlns:p="http://schemas.openxmlformats.org/presentationml/2006/main" showMasterSp="0" showMasterPhAnim="0">
+<p:notes xmlns:a="http://schemas.openxmlformats.org/drawingml/2006/main" xmlns:r="http://schemas.openxmlformats.org/officeDocument/2006/relationships" xmlns:mc="http://schemas.openxmlformats.org/markup-compatibility/2006" xmlns:mv="urn:schemas-microsoft-com:mac:vml" xmlns:p="http://schemas.openxmlformats.org/presentationml/2006/main" xmlns:c="http://schemas.openxmlformats.org/drawingml/2006/chart" xmlns:dgm="http://schemas.openxmlformats.org/drawingml/2006/diagram" xmlns:o="urn:schemas-microsoft-com:office:office" xmlns:v="urn:schemas-microsoft-com:vml" xmlns:pvml="urn:schemas-microsoft-com:office:powerpoint" xmlns:com="http://schemas.openxmlformats.org/drawingml/2006/compatibility" xmlns:p14="http://schemas.microsoft.com/office/powerpoint/2010/main" xmlns:p15="http://schemas.microsoft.com/office/powerpoint/2012/main" xmlns:ahyp="http://schemas.microsoft.com/office/drawing/2018/hyperlinkcolor" showMasterPhAnim="0" showMasterSp="0">
   <p:cSld>
     <p:spTree>
       <p:nvGrpSpPr>
-        <p:cNvPr id="1" name="Shape 101"/>
+        <p:cNvPr id="101" name="Shape 101"/>
         <p:cNvGrpSpPr/>
         <p:nvPr/>
       </p:nvGrpSpPr>
@@ -1993,11 +1918,9 @@
       <p:sp>
         <p:nvSpPr>
           <p:cNvPr id="102" name="Google Shape;102;gaefa72756a_0_208:notes"/>
-          <p:cNvSpPr>
-            <a:spLocks noGrp="1" noRot="1" noChangeAspect="1"/>
-          </p:cNvSpPr>
+          <p:cNvSpPr/>
           <p:nvPr>
-            <p:ph type="sldImg" idx="2"/>
+            <p:ph idx="2" type="sldImg"/>
           </p:nvPr>
         </p:nvSpPr>
         <p:spPr>
@@ -2006,13 +1929,9 @@
             <a:ext cx="6096000" cy="3429000"/>
           </a:xfrm>
           <a:custGeom>
-            <a:avLst/>
-            <a:gdLst/>
-            <a:ahLst/>
-            <a:cxnLst/>
-            <a:rect l="l" t="t" r="r" b="b"/>
+            <a:rect b="b" l="l" r="r" t="t"/>
             <a:pathLst>
-              <a:path w="120000" h="120000" extrusionOk="0">
+              <a:path extrusionOk="0" h="120000" w="120000">
                 <a:moveTo>
                   <a:pt x="0" y="0"/>
                 </a:moveTo>
@@ -2034,11 +1953,9 @@
       <p:sp>
         <p:nvSpPr>
           <p:cNvPr id="103" name="Google Shape;103;gaefa72756a_0_208:notes"/>
-          <p:cNvSpPr txBox="1">
-            <a:spLocks noGrp="1"/>
-          </p:cNvSpPr>
+          <p:cNvSpPr txBox="1"/>
           <p:nvPr>
-            <p:ph type="body" idx="1"/>
+            <p:ph idx="1" type="body"/>
           </p:nvPr>
         </p:nvSpPr>
         <p:spPr>
@@ -2051,20 +1968,23 @@
           </a:prstGeom>
         </p:spPr>
         <p:txBody>
-          <a:bodyPr spcFirstLastPara="1" wrap="square" lIns="91425" tIns="91425" rIns="91425" bIns="91425" anchor="t" anchorCtr="0">
+          <a:bodyPr anchorCtr="0" anchor="t" bIns="91425" lIns="91425" spcFirstLastPara="1" rIns="91425" wrap="square" tIns="91425">
             <a:noAutofit/>
           </a:bodyPr>
           <a:lstStyle/>
           <a:p>
-            <a:pPr marL="0" lvl="0" indent="0" algn="l" rtl="0">
-              <a:spcBef>
-                <a:spcPts val="0"/>
-              </a:spcBef>
-              <a:spcAft>
-                <a:spcPts val="0"/>
-              </a:spcAft>
-              <a:buNone/>
-            </a:pPr>
+            <a:pPr indent="0" lvl="0" marL="0" rtl="0" algn="l">
+              <a:spcBef>
+                <a:spcPts val="0"/>
+              </a:spcBef>
+              <a:spcAft>
+                <a:spcPts val="0"/>
+              </a:spcAft>
+              <a:buNone/>
+            </a:pPr>
+            <a:r>
+              <a:t/>
+            </a:r>
             <a:endParaRPr/>
           </a:p>
         </p:txBody>
@@ -2078,11 +1998,11 @@
 </file>
 
 <file path=ppt/notesSlides/notesSlide9.xml><?xml version="1.0" encoding="utf-8"?>
-<p:notes xmlns:a="http://schemas.openxmlformats.org/drawingml/2006/main" xmlns:r="http://schemas.openxmlformats.org/officeDocument/2006/relationships" xmlns:p="http://schemas.openxmlformats.org/presentationml/2006/main" showMasterSp="0" showMasterPhAnim="0">
+<p:notes xmlns:a="http://schemas.openxmlformats.org/drawingml/2006/main" xmlns:r="http://schemas.openxmlformats.org/officeDocument/2006/relationships" xmlns:mc="http://schemas.openxmlformats.org/markup-compatibility/2006" xmlns:mv="urn:schemas-microsoft-com:mac:vml" xmlns:p="http://schemas.openxmlformats.org/presentationml/2006/main" xmlns:c="http://schemas.openxmlformats.org/drawingml/2006/chart" xmlns:dgm="http://schemas.openxmlformats.org/drawingml/2006/diagram" xmlns:o="urn:schemas-microsoft-com:office:office" xmlns:v="urn:schemas-microsoft-com:vml" xmlns:pvml="urn:schemas-microsoft-com:office:powerpoint" xmlns:com="http://schemas.openxmlformats.org/drawingml/2006/compatibility" xmlns:p14="http://schemas.microsoft.com/office/powerpoint/2010/main" xmlns:p15="http://schemas.microsoft.com/office/powerpoint/2012/main" xmlns:ahyp="http://schemas.microsoft.com/office/drawing/2018/hyperlinkcolor" showMasterPhAnim="0" showMasterSp="0">
   <p:cSld>
     <p:spTree>
       <p:nvGrpSpPr>
-        <p:cNvPr id="1" name="Shape 107"/>
+        <p:cNvPr id="107" name="Shape 107"/>
         <p:cNvGrpSpPr/>
         <p:nvPr/>
       </p:nvGrpSpPr>
@@ -2097,11 +2017,9 @@
       <p:sp>
         <p:nvSpPr>
           <p:cNvPr id="108" name="Google Shape;108;gaefa72756a_0_213:notes"/>
-          <p:cNvSpPr>
-            <a:spLocks noGrp="1" noRot="1" noChangeAspect="1"/>
-          </p:cNvSpPr>
+          <p:cNvSpPr/>
           <p:nvPr>
-            <p:ph type="sldImg" idx="2"/>
+            <p:ph idx="2" type="sldImg"/>
           </p:nvPr>
         </p:nvSpPr>
         <p:spPr>
@@ -2110,13 +2028,9 @@
             <a:ext cx="6096000" cy="3429000"/>
           </a:xfrm>
           <a:custGeom>
-            <a:avLst/>
-            <a:gdLst/>
-            <a:ahLst/>
-            <a:cxnLst/>
-            <a:rect l="l" t="t" r="r" b="b"/>
+            <a:rect b="b" l="l" r="r" t="t"/>
             <a:pathLst>
-              <a:path w="120000" h="120000" extrusionOk="0">
+              <a:path extrusionOk="0" h="120000" w="120000">
                 <a:moveTo>
                   <a:pt x="0" y="0"/>
                 </a:moveTo>
@@ -2138,11 +2052,9 @@
       <p:sp>
         <p:nvSpPr>
           <p:cNvPr id="109" name="Google Shape;109;gaefa72756a_0_213:notes"/>
-          <p:cNvSpPr txBox="1">
-            <a:spLocks noGrp="1"/>
-          </p:cNvSpPr>
+          <p:cNvSpPr txBox="1"/>
           <p:nvPr>
-            <p:ph type="body" idx="1"/>
+            <p:ph idx="1" type="body"/>
           </p:nvPr>
         </p:nvSpPr>
         <p:spPr>
@@ -2155,20 +2067,23 @@
           </a:prstGeom>
         </p:spPr>
         <p:txBody>
-          <a:bodyPr spcFirstLastPara="1" wrap="square" lIns="91425" tIns="91425" rIns="91425" bIns="91425" anchor="t" anchorCtr="0">
+          <a:bodyPr anchorCtr="0" anchor="t" bIns="91425" lIns="91425" spcFirstLastPara="1" rIns="91425" wrap="square" tIns="91425">
             <a:noAutofit/>
           </a:bodyPr>
           <a:lstStyle/>
           <a:p>
-            <a:pPr marL="0" lvl="0" indent="0" algn="l" rtl="0">
-              <a:spcBef>
-                <a:spcPts val="0"/>
-              </a:spcBef>
-              <a:spcAft>
-                <a:spcPts val="0"/>
-              </a:spcAft>
-              <a:buNone/>
-            </a:pPr>
+            <a:pPr indent="0" lvl="0" marL="0" rtl="0" algn="l">
+              <a:spcBef>
+                <a:spcPts val="0"/>
+              </a:spcBef>
+              <a:spcAft>
+                <a:spcPts val="0"/>
+              </a:spcAft>
+              <a:buNone/>
+            </a:pPr>
+            <a:r>
+              <a:t/>
+            </a:r>
             <a:endParaRPr/>
           </a:p>
         </p:txBody>
@@ -2182,11 +2097,11 @@
 </file>
 
 <file path=ppt/slideLayouts/slideLayout1.xml><?xml version="1.0" encoding="utf-8"?>
-<p:sldLayout xmlns:a="http://schemas.openxmlformats.org/drawingml/2006/main" xmlns:r="http://schemas.openxmlformats.org/officeDocument/2006/relationships" xmlns:p="http://schemas.openxmlformats.org/presentationml/2006/main" matchingName="Title slide" type="title">
+<p:sldLayout xmlns:a="http://schemas.openxmlformats.org/drawingml/2006/main" xmlns:r="http://schemas.openxmlformats.org/officeDocument/2006/relationships" xmlns:mc="http://schemas.openxmlformats.org/markup-compatibility/2006" xmlns:mv="urn:schemas-microsoft-com:mac:vml" xmlns:p="http://schemas.openxmlformats.org/presentationml/2006/main" xmlns:c="http://schemas.openxmlformats.org/drawingml/2006/chart" xmlns:dgm="http://schemas.openxmlformats.org/drawingml/2006/diagram" xmlns:o="urn:schemas-microsoft-com:office:office" xmlns:v="urn:schemas-microsoft-com:vml" xmlns:pvml="urn:schemas-microsoft-com:office:powerpoint" xmlns:com="http://schemas.openxmlformats.org/drawingml/2006/compatibility" xmlns:p14="http://schemas.microsoft.com/office/powerpoint/2010/main" xmlns:p15="http://schemas.microsoft.com/office/powerpoint/2012/main" xmlns:ahyp="http://schemas.microsoft.com/office/drawing/2018/hyperlinkcolor" matchingName="Title slide" type="title">
   <p:cSld name="TITLE">
     <p:spTree>
       <p:nvGrpSpPr>
-        <p:cNvPr id="1" name="Shape 9"/>
+        <p:cNvPr id="9" name="Shape 9"/>
         <p:cNvGrpSpPr/>
         <p:nvPr/>
       </p:nvGrpSpPr>
@@ -2234,12 +2149,12 @@
             </a:ln>
           </p:spPr>
           <p:txBody>
-            <a:bodyPr spcFirstLastPara="1" wrap="square" lIns="91425" tIns="91425" rIns="91425" bIns="91425" anchor="ctr" anchorCtr="0">
+            <a:bodyPr anchorCtr="0" anchor="ctr" bIns="91425" lIns="91425" spcFirstLastPara="1" rIns="91425" wrap="square" tIns="91425">
               <a:noAutofit/>
             </a:bodyPr>
             <a:lstStyle/>
             <a:p>
-              <a:pPr marL="0" lvl="0" indent="0" algn="l" rtl="0">
+              <a:pPr indent="0" lvl="0" marL="0" rtl="0" algn="l">
                 <a:spcBef>
                   <a:spcPts val="0"/>
                 </a:spcBef>
@@ -2248,6 +2163,9 @@
                 </a:spcAft>
                 <a:buNone/>
               </a:pPr>
+              <a:r>
+                <a:t/>
+              </a:r>
               <a:endParaRPr/>
             </a:p>
           </p:txBody>
@@ -2274,12 +2192,12 @@
             </a:ln>
           </p:spPr>
           <p:txBody>
-            <a:bodyPr spcFirstLastPara="1" wrap="square" lIns="91425" tIns="91425" rIns="91425" bIns="91425" anchor="ctr" anchorCtr="0">
+            <a:bodyPr anchorCtr="0" anchor="ctr" bIns="91425" lIns="91425" spcFirstLastPara="1" rIns="91425" wrap="square" tIns="91425">
               <a:noAutofit/>
             </a:bodyPr>
             <a:lstStyle/>
             <a:p>
-              <a:pPr marL="0" lvl="0" indent="0" algn="l" rtl="0">
+              <a:pPr indent="0" lvl="0" marL="0" rtl="0" algn="l">
                 <a:spcBef>
                   <a:spcPts val="0"/>
                 </a:spcBef>
@@ -2288,6 +2206,9 @@
                 </a:spcAft>
                 <a:buNone/>
               </a:pPr>
+              <a:r>
+                <a:t/>
+              </a:r>
               <a:endParaRPr/>
             </a:p>
           </p:txBody>
@@ -2314,12 +2235,12 @@
             </a:ln>
           </p:spPr>
           <p:txBody>
-            <a:bodyPr spcFirstLastPara="1" wrap="square" lIns="91425" tIns="91425" rIns="91425" bIns="91425" anchor="ctr" anchorCtr="0">
+            <a:bodyPr anchorCtr="0" anchor="ctr" bIns="91425" lIns="91425" spcFirstLastPara="1" rIns="91425" wrap="square" tIns="91425">
               <a:noAutofit/>
             </a:bodyPr>
             <a:lstStyle/>
             <a:p>
-              <a:pPr marL="0" lvl="0" indent="0" algn="l" rtl="0">
+              <a:pPr indent="0" lvl="0" marL="0" rtl="0" algn="l">
                 <a:spcBef>
                   <a:spcPts val="0"/>
                 </a:spcBef>
@@ -2328,6 +2249,9 @@
                 </a:spcAft>
                 <a:buNone/>
               </a:pPr>
+              <a:r>
+                <a:t/>
+              </a:r>
               <a:endParaRPr/>
             </a:p>
           </p:txBody>
@@ -2336,9 +2260,7 @@
       <p:sp>
         <p:nvSpPr>
           <p:cNvPr id="14" name="Google Shape;14;p2"/>
-          <p:cNvSpPr txBox="1">
-            <a:spLocks noGrp="1"/>
-          </p:cNvSpPr>
+          <p:cNvSpPr txBox="1"/>
           <p:nvPr>
             <p:ph type="ctrTitle"/>
           </p:nvPr>
@@ -2353,7 +2275,7 @@
           </a:prstGeom>
         </p:spPr>
         <p:txBody>
-          <a:bodyPr spcFirstLastPara="1" wrap="square" lIns="91425" tIns="91425" rIns="91425" bIns="91425" anchor="b" anchorCtr="0">
+          <a:bodyPr anchorCtr="0" anchor="b" bIns="91425" lIns="91425" spcFirstLastPara="1" rIns="91425" wrap="square" tIns="91425">
             <a:noAutofit/>
           </a:bodyPr>
           <a:lstStyle>
@@ -2457,19 +2379,15 @@
               <a:defRPr sz="4800"/>
             </a:lvl9pPr>
           </a:lstStyle>
-          <a:p>
-            <a:endParaRPr/>
-          </a:p>
+          <a:p/>
         </p:txBody>
       </p:sp>
       <p:sp>
         <p:nvSpPr>
           <p:cNvPr id="15" name="Google Shape;15;p2"/>
-          <p:cNvSpPr txBox="1">
-            <a:spLocks noGrp="1"/>
-          </p:cNvSpPr>
+          <p:cNvSpPr txBox="1"/>
           <p:nvPr>
-            <p:ph type="subTitle" idx="1"/>
+            <p:ph idx="1" type="subTitle"/>
           </p:nvPr>
         </p:nvSpPr>
         <p:spPr>
@@ -2482,7 +2400,7 @@
           </a:prstGeom>
         </p:spPr>
         <p:txBody>
-          <a:bodyPr spcFirstLastPara="1" wrap="square" lIns="91425" tIns="91425" rIns="91425" bIns="91425" anchor="t" anchorCtr="0">
+          <a:bodyPr anchorCtr="0" anchor="t" bIns="91425" lIns="91425" spcFirstLastPara="1" rIns="91425" wrap="square" tIns="91425">
             <a:noAutofit/>
           </a:bodyPr>
           <a:lstStyle>
@@ -2613,19 +2531,15 @@
               <a:defRPr sz="2100"/>
             </a:lvl9pPr>
           </a:lstStyle>
-          <a:p>
-            <a:endParaRPr/>
-          </a:p>
+          <a:p/>
         </p:txBody>
       </p:sp>
       <p:sp>
         <p:nvSpPr>
           <p:cNvPr id="16" name="Google Shape;16;p2"/>
-          <p:cNvSpPr txBox="1">
-            <a:spLocks noGrp="1"/>
-          </p:cNvSpPr>
+          <p:cNvSpPr txBox="1"/>
           <p:nvPr>
-            <p:ph type="sldNum" idx="12"/>
+            <p:ph idx="12" type="sldNum"/>
           </p:nvPr>
         </p:nvSpPr>
         <p:spPr>
@@ -2638,7 +2552,7 @@
           </a:prstGeom>
         </p:spPr>
         <p:txBody>
-          <a:bodyPr spcFirstLastPara="1" wrap="square" lIns="91425" tIns="91425" rIns="91425" bIns="91425" anchor="ctr" anchorCtr="0">
+          <a:bodyPr anchorCtr="0" anchor="ctr" bIns="91425" lIns="91425" spcFirstLastPara="1" rIns="91425" wrap="square" tIns="91425">
             <a:noAutofit/>
           </a:bodyPr>
           <a:lstStyle>
@@ -2680,7 +2594,7 @@
             </a:lvl9pPr>
           </a:lstStyle>
           <a:p>
-            <a:pPr marL="0" lvl="0" indent="0" algn="r" rtl="0">
+            <a:pPr indent="0" lvl="0" marL="0" rtl="0" algn="r">
               <a:spcBef>
                 <a:spcPts val="0"/>
               </a:spcBef>
@@ -2706,11 +2620,11 @@
 </file>
 
 <file path=ppt/slideLayouts/slideLayout10.xml><?xml version="1.0" encoding="utf-8"?>
-<p:sldLayout xmlns:a="http://schemas.openxmlformats.org/drawingml/2006/main" xmlns:r="http://schemas.openxmlformats.org/officeDocument/2006/relationships" xmlns:p="http://schemas.openxmlformats.org/presentationml/2006/main" matchingName="Big number">
+<p:sldLayout xmlns:a="http://schemas.openxmlformats.org/drawingml/2006/main" xmlns:r="http://schemas.openxmlformats.org/officeDocument/2006/relationships" xmlns:mc="http://schemas.openxmlformats.org/markup-compatibility/2006" xmlns:mv="urn:schemas-microsoft-com:mac:vml" xmlns:p="http://schemas.openxmlformats.org/presentationml/2006/main" xmlns:c="http://schemas.openxmlformats.org/drawingml/2006/chart" xmlns:dgm="http://schemas.openxmlformats.org/drawingml/2006/diagram" xmlns:o="urn:schemas-microsoft-com:office:office" xmlns:v="urn:schemas-microsoft-com:vml" xmlns:pvml="urn:schemas-microsoft-com:office:powerpoint" xmlns:com="http://schemas.openxmlformats.org/drawingml/2006/compatibility" xmlns:p14="http://schemas.microsoft.com/office/powerpoint/2010/main" xmlns:p15="http://schemas.microsoft.com/office/powerpoint/2012/main" xmlns:ahyp="http://schemas.microsoft.com/office/drawing/2018/hyperlinkcolor" matchingName="Big number">
   <p:cSld name="BIG_NUMBER">
     <p:spTree>
       <p:nvGrpSpPr>
-        <p:cNvPr id="1" name="Shape 49"/>
+        <p:cNvPr id="49" name="Shape 49"/>
         <p:cNvGrpSpPr/>
         <p:nvPr/>
       </p:nvGrpSpPr>
@@ -2725,11 +2639,9 @@
       <p:sp>
         <p:nvSpPr>
           <p:cNvPr id="50" name="Google Shape;50;p11"/>
-          <p:cNvSpPr txBox="1">
-            <a:spLocks noGrp="1"/>
-          </p:cNvSpPr>
+          <p:cNvSpPr txBox="1"/>
           <p:nvPr>
-            <p:ph type="title" hasCustomPrompt="1"/>
+            <p:ph hasCustomPrompt="1" type="title"/>
           </p:nvPr>
         </p:nvSpPr>
         <p:spPr>
@@ -2742,7 +2654,7 @@
           </a:prstGeom>
         </p:spPr>
         <p:txBody>
-          <a:bodyPr spcFirstLastPara="1" wrap="square" lIns="91425" tIns="91425" rIns="91425" bIns="91425" anchor="b" anchorCtr="0">
+          <a:bodyPr anchorCtr="0" anchor="b" bIns="91425" lIns="91425" spcFirstLastPara="1" rIns="91425" wrap="square" tIns="91425">
             <a:noAutofit/>
           </a:bodyPr>
           <a:lstStyle>
@@ -2856,11 +2768,9 @@
       <p:sp>
         <p:nvSpPr>
           <p:cNvPr id="51" name="Google Shape;51;p11"/>
-          <p:cNvSpPr txBox="1">
-            <a:spLocks noGrp="1"/>
-          </p:cNvSpPr>
+          <p:cNvSpPr txBox="1"/>
           <p:nvPr>
-            <p:ph type="body" idx="1"/>
+            <p:ph idx="1" type="body"/>
           </p:nvPr>
         </p:nvSpPr>
         <p:spPr>
@@ -2873,11 +2783,11 @@
           </a:prstGeom>
         </p:spPr>
         <p:txBody>
-          <a:bodyPr spcFirstLastPara="1" wrap="square" lIns="91425" tIns="91425" rIns="91425" bIns="91425" anchor="t" anchorCtr="0">
+          <a:bodyPr anchorCtr="0" anchor="t" bIns="91425" lIns="91425" spcFirstLastPara="1" rIns="91425" wrap="square" tIns="91425">
             <a:noAutofit/>
           </a:bodyPr>
           <a:lstStyle>
-            <a:lvl1pPr marL="457200" lvl="0" indent="-342900" algn="ctr">
+            <a:lvl1pPr indent="-342900" lvl="0" marL="457200" algn="ctr">
               <a:spcBef>
                 <a:spcPts val="0"/>
               </a:spcBef>
@@ -2888,7 +2798,7 @@
               <a:buChar char="●"/>
               <a:defRPr/>
             </a:lvl1pPr>
-            <a:lvl2pPr marL="914400" lvl="1" indent="-317500" algn="ctr">
+            <a:lvl2pPr indent="-317500" lvl="1" marL="914400" algn="ctr">
               <a:spcBef>
                 <a:spcPts val="1600"/>
               </a:spcBef>
@@ -2899,7 +2809,7 @@
               <a:buChar char="○"/>
               <a:defRPr/>
             </a:lvl2pPr>
-            <a:lvl3pPr marL="1371600" lvl="2" indent="-317500" algn="ctr">
+            <a:lvl3pPr indent="-317500" lvl="2" marL="1371600" algn="ctr">
               <a:spcBef>
                 <a:spcPts val="1600"/>
               </a:spcBef>
@@ -2910,7 +2820,7 @@
               <a:buChar char="■"/>
               <a:defRPr/>
             </a:lvl3pPr>
-            <a:lvl4pPr marL="1828800" lvl="3" indent="-317500" algn="ctr">
+            <a:lvl4pPr indent="-317500" lvl="3" marL="1828800" algn="ctr">
               <a:spcBef>
                 <a:spcPts val="1600"/>
               </a:spcBef>
@@ -2921,7 +2831,7 @@
               <a:buChar char="●"/>
               <a:defRPr/>
             </a:lvl4pPr>
-            <a:lvl5pPr marL="2286000" lvl="4" indent="-317500" algn="ctr">
+            <a:lvl5pPr indent="-317500" lvl="4" marL="2286000" algn="ctr">
               <a:spcBef>
                 <a:spcPts val="1600"/>
               </a:spcBef>
@@ -2932,7 +2842,7 @@
               <a:buChar char="○"/>
               <a:defRPr/>
             </a:lvl5pPr>
-            <a:lvl6pPr marL="2743200" lvl="5" indent="-317500" algn="ctr">
+            <a:lvl6pPr indent="-317500" lvl="5" marL="2743200" algn="ctr">
               <a:spcBef>
                 <a:spcPts val="1600"/>
               </a:spcBef>
@@ -2943,7 +2853,7 @@
               <a:buChar char="■"/>
               <a:defRPr/>
             </a:lvl6pPr>
-            <a:lvl7pPr marL="3200400" lvl="6" indent="-317500" algn="ctr">
+            <a:lvl7pPr indent="-317500" lvl="6" marL="3200400" algn="ctr">
               <a:spcBef>
                 <a:spcPts val="1600"/>
               </a:spcBef>
@@ -2954,7 +2864,7 @@
               <a:buChar char="●"/>
               <a:defRPr/>
             </a:lvl7pPr>
-            <a:lvl8pPr marL="3657600" lvl="7" indent="-317500" algn="ctr">
+            <a:lvl8pPr indent="-317500" lvl="7" marL="3657600" algn="ctr">
               <a:spcBef>
                 <a:spcPts val="1600"/>
               </a:spcBef>
@@ -2965,7 +2875,7 @@
               <a:buChar char="○"/>
               <a:defRPr/>
             </a:lvl8pPr>
-            <a:lvl9pPr marL="4114800" lvl="8" indent="-317500" algn="ctr">
+            <a:lvl9pPr indent="-317500" lvl="8" marL="4114800" algn="ctr">
               <a:spcBef>
                 <a:spcPts val="1600"/>
               </a:spcBef>
@@ -2977,19 +2887,15 @@
               <a:defRPr/>
             </a:lvl9pPr>
           </a:lstStyle>
-          <a:p>
-            <a:endParaRPr/>
-          </a:p>
+          <a:p/>
         </p:txBody>
       </p:sp>
       <p:sp>
         <p:nvSpPr>
           <p:cNvPr id="52" name="Google Shape;52;p11"/>
-          <p:cNvSpPr txBox="1">
-            <a:spLocks noGrp="1"/>
-          </p:cNvSpPr>
+          <p:cNvSpPr txBox="1"/>
           <p:nvPr>
-            <p:ph type="sldNum" idx="12"/>
+            <p:ph idx="12" type="sldNum"/>
           </p:nvPr>
         </p:nvSpPr>
         <p:spPr>
@@ -3002,7 +2908,7 @@
           </a:prstGeom>
         </p:spPr>
         <p:txBody>
-          <a:bodyPr spcFirstLastPara="1" wrap="square" lIns="91425" tIns="91425" rIns="91425" bIns="91425" anchor="ctr" anchorCtr="0">
+          <a:bodyPr anchorCtr="0" anchor="ctr" bIns="91425" lIns="91425" spcFirstLastPara="1" rIns="91425" wrap="square" tIns="91425">
             <a:noAutofit/>
           </a:bodyPr>
           <a:lstStyle>
@@ -3044,7 +2950,7 @@
             </a:lvl9pPr>
           </a:lstStyle>
           <a:p>
-            <a:pPr marL="0" lvl="0" indent="0" algn="r" rtl="0">
+            <a:pPr indent="0" lvl="0" marL="0" rtl="0" algn="r">
               <a:spcBef>
                 <a:spcPts val="0"/>
               </a:spcBef>
@@ -3070,11 +2976,11 @@
 </file>
 
 <file path=ppt/slideLayouts/slideLayout11.xml><?xml version="1.0" encoding="utf-8"?>
-<p:sldLayout xmlns:a="http://schemas.openxmlformats.org/drawingml/2006/main" xmlns:r="http://schemas.openxmlformats.org/officeDocument/2006/relationships" xmlns:p="http://schemas.openxmlformats.org/presentationml/2006/main" matchingName="Blank" type="blank">
+<p:sldLayout xmlns:a="http://schemas.openxmlformats.org/drawingml/2006/main" xmlns:r="http://schemas.openxmlformats.org/officeDocument/2006/relationships" xmlns:mc="http://schemas.openxmlformats.org/markup-compatibility/2006" xmlns:mv="urn:schemas-microsoft-com:mac:vml" xmlns:p="http://schemas.openxmlformats.org/presentationml/2006/main" xmlns:c="http://schemas.openxmlformats.org/drawingml/2006/chart" xmlns:dgm="http://schemas.openxmlformats.org/drawingml/2006/diagram" xmlns:o="urn:schemas-microsoft-com:office:office" xmlns:v="urn:schemas-microsoft-com:vml" xmlns:pvml="urn:schemas-microsoft-com:office:powerpoint" xmlns:com="http://schemas.openxmlformats.org/drawingml/2006/compatibility" xmlns:p14="http://schemas.microsoft.com/office/powerpoint/2010/main" xmlns:p15="http://schemas.microsoft.com/office/powerpoint/2012/main" xmlns:ahyp="http://schemas.microsoft.com/office/drawing/2018/hyperlinkcolor" matchingName="Blank" type="blank">
   <p:cSld name="BLANK">
     <p:spTree>
       <p:nvGrpSpPr>
-        <p:cNvPr id="1" name="Shape 53"/>
+        <p:cNvPr id="53" name="Shape 53"/>
         <p:cNvGrpSpPr/>
         <p:nvPr/>
       </p:nvGrpSpPr>
@@ -3089,11 +2995,9 @@
       <p:sp>
         <p:nvSpPr>
           <p:cNvPr id="54" name="Google Shape;54;p12"/>
-          <p:cNvSpPr txBox="1">
-            <a:spLocks noGrp="1"/>
-          </p:cNvSpPr>
+          <p:cNvSpPr txBox="1"/>
           <p:nvPr>
-            <p:ph type="sldNum" idx="12"/>
+            <p:ph idx="12" type="sldNum"/>
           </p:nvPr>
         </p:nvSpPr>
         <p:spPr>
@@ -3106,7 +3010,7 @@
           </a:prstGeom>
         </p:spPr>
         <p:txBody>
-          <a:bodyPr spcFirstLastPara="1" wrap="square" lIns="91425" tIns="91425" rIns="91425" bIns="91425" anchor="ctr" anchorCtr="0">
+          <a:bodyPr anchorCtr="0" anchor="ctr" bIns="91425" lIns="91425" spcFirstLastPara="1" rIns="91425" wrap="square" tIns="91425">
             <a:noAutofit/>
           </a:bodyPr>
           <a:lstStyle>
@@ -3148,7 +3052,7 @@
             </a:lvl9pPr>
           </a:lstStyle>
           <a:p>
-            <a:pPr marL="0" lvl="0" indent="0" algn="r" rtl="0">
+            <a:pPr indent="0" lvl="0" marL="0" rtl="0" algn="r">
               <a:spcBef>
                 <a:spcPts val="0"/>
               </a:spcBef>
@@ -3174,19 +3078,18 @@
 </file>
 
 <file path=ppt/slideLayouts/slideLayout12.xml><?xml version="1.0" encoding="utf-8"?>
-<p:sldLayout xmlns:a="http://schemas.openxmlformats.org/drawingml/2006/main" xmlns:r="http://schemas.openxmlformats.org/officeDocument/2006/relationships" xmlns:p="http://schemas.openxmlformats.org/presentationml/2006/main" matchingName="Custom layout">
+<p:sldLayout xmlns:a="http://schemas.openxmlformats.org/drawingml/2006/main" xmlns:r="http://schemas.openxmlformats.org/officeDocument/2006/relationships" xmlns:mc="http://schemas.openxmlformats.org/markup-compatibility/2006" xmlns:mv="urn:schemas-microsoft-com:mac:vml" xmlns:p="http://schemas.openxmlformats.org/presentationml/2006/main" xmlns:c="http://schemas.openxmlformats.org/drawingml/2006/chart" xmlns:dgm="http://schemas.openxmlformats.org/drawingml/2006/diagram" xmlns:o="urn:schemas-microsoft-com:office:office" xmlns:v="urn:schemas-microsoft-com:vml" xmlns:pvml="urn:schemas-microsoft-com:office:powerpoint" xmlns:com="http://schemas.openxmlformats.org/drawingml/2006/compatibility" xmlns:p14="http://schemas.microsoft.com/office/powerpoint/2010/main" xmlns:p15="http://schemas.microsoft.com/office/powerpoint/2012/main" xmlns:ahyp="http://schemas.microsoft.com/office/drawing/2018/hyperlinkcolor" matchingName="Custom layout">
   <p:cSld name="AUTOLAYOUT">
     <p:bg>
       <p:bgPr>
         <a:solidFill>
           <a:srgbClr val="FFFFFF"/>
         </a:solidFill>
-        <a:effectLst/>
       </p:bgPr>
     </p:bg>
     <p:spTree>
       <p:nvGrpSpPr>
-        <p:cNvPr id="1" name="Shape 55"/>
+        <p:cNvPr id="55" name="Shape 55"/>
         <p:cNvGrpSpPr/>
         <p:nvPr/>
       </p:nvGrpSpPr>
@@ -3220,20 +3123,23 @@
           </a:ln>
         </p:spPr>
         <p:txBody>
-          <a:bodyPr spcFirstLastPara="1" wrap="square" lIns="91425" tIns="91425" rIns="91425" bIns="91425" anchor="ctr" anchorCtr="0">
+          <a:bodyPr anchorCtr="0" anchor="ctr" bIns="91425" lIns="91425" spcFirstLastPara="1" rIns="91425" wrap="square" tIns="91425">
             <a:noAutofit/>
           </a:bodyPr>
           <a:lstStyle/>
           <a:p>
-            <a:pPr marL="0" lvl="0" indent="0" algn="l" rtl="0">
-              <a:spcBef>
-                <a:spcPts val="0"/>
-              </a:spcBef>
-              <a:spcAft>
-                <a:spcPts val="0"/>
-              </a:spcAft>
-              <a:buNone/>
-            </a:pPr>
+            <a:pPr indent="0" lvl="0" marL="0" rtl="0" algn="l">
+              <a:spcBef>
+                <a:spcPts val="0"/>
+              </a:spcBef>
+              <a:spcAft>
+                <a:spcPts val="0"/>
+              </a:spcAft>
+              <a:buNone/>
+            </a:pPr>
+            <a:r>
+              <a:t/>
+            </a:r>
             <a:endParaRPr/>
           </a:p>
         </p:txBody>
@@ -3241,9 +3147,7 @@
       <p:sp>
         <p:nvSpPr>
           <p:cNvPr id="57" name="Google Shape;57;p13"/>
-          <p:cNvSpPr txBox="1">
-            <a:spLocks noGrp="1"/>
-          </p:cNvSpPr>
+          <p:cNvSpPr txBox="1"/>
           <p:nvPr>
             <p:ph type="ctrTitle"/>
           </p:nvPr>
@@ -3259,7 +3163,7 @@
           <a:noFill/>
         </p:spPr>
         <p:txBody>
-          <a:bodyPr spcFirstLastPara="1" wrap="square" lIns="91425" tIns="91425" rIns="91425" bIns="91425" anchor="ctr" anchorCtr="0">
+          <a:bodyPr anchorCtr="0" anchor="ctr" bIns="91425" lIns="91425" spcFirstLastPara="1" rIns="91425" wrap="square" tIns="91425">
             <a:noAutofit/>
           </a:bodyPr>
           <a:lstStyle>
@@ -3453,19 +3357,15 @@
               </a:defRPr>
             </a:lvl9pPr>
           </a:lstStyle>
-          <a:p>
-            <a:endParaRPr/>
-          </a:p>
+          <a:p/>
         </p:txBody>
       </p:sp>
       <p:sp>
         <p:nvSpPr>
           <p:cNvPr id="58" name="Google Shape;58;p13"/>
-          <p:cNvSpPr txBox="1">
-            <a:spLocks noGrp="1"/>
-          </p:cNvSpPr>
+          <p:cNvSpPr txBox="1"/>
           <p:nvPr>
-            <p:ph type="sldNum" idx="12"/>
+            <p:ph idx="12" type="sldNum"/>
           </p:nvPr>
         </p:nvSpPr>
         <p:spPr>
@@ -3479,7 +3379,7 @@
           <a:noFill/>
         </p:spPr>
         <p:txBody>
-          <a:bodyPr spcFirstLastPara="1" wrap="square" lIns="91425" tIns="91425" rIns="91425" bIns="91425" anchor="ctr" anchorCtr="0">
+          <a:bodyPr anchorCtr="0" anchor="ctr" bIns="91425" lIns="91425" spcFirstLastPara="1" rIns="91425" wrap="square" tIns="91425">
             <a:noAutofit/>
           </a:bodyPr>
           <a:lstStyle>
@@ -3611,7 +3511,7 @@
             </a:lvl9pPr>
           </a:lstStyle>
           <a:p>
-            <a:pPr marL="0" lvl="0" indent="0" algn="r" rtl="0">
+            <a:pPr indent="0" lvl="0" marL="0" rtl="0" algn="r">
               <a:spcBef>
                 <a:spcPts val="0"/>
               </a:spcBef>
@@ -3637,11 +3537,11 @@
 </file>
 
 <file path=ppt/slideLayouts/slideLayout2.xml><?xml version="1.0" encoding="utf-8"?>
-<p:sldLayout xmlns:a="http://schemas.openxmlformats.org/drawingml/2006/main" xmlns:r="http://schemas.openxmlformats.org/officeDocument/2006/relationships" xmlns:p="http://schemas.openxmlformats.org/presentationml/2006/main" matchingName="Section header" type="secHead">
+<p:sldLayout xmlns:a="http://schemas.openxmlformats.org/drawingml/2006/main" xmlns:r="http://schemas.openxmlformats.org/officeDocument/2006/relationships" xmlns:mc="http://schemas.openxmlformats.org/markup-compatibility/2006" xmlns:mv="urn:schemas-microsoft-com:mac:vml" xmlns:p="http://schemas.openxmlformats.org/presentationml/2006/main" xmlns:c="http://schemas.openxmlformats.org/drawingml/2006/chart" xmlns:dgm="http://schemas.openxmlformats.org/drawingml/2006/diagram" xmlns:o="urn:schemas-microsoft-com:office:office" xmlns:v="urn:schemas-microsoft-com:vml" xmlns:pvml="urn:schemas-microsoft-com:office:powerpoint" xmlns:com="http://schemas.openxmlformats.org/drawingml/2006/compatibility" xmlns:p14="http://schemas.microsoft.com/office/powerpoint/2010/main" xmlns:p15="http://schemas.microsoft.com/office/powerpoint/2012/main" xmlns:ahyp="http://schemas.microsoft.com/office/drawing/2018/hyperlinkcolor" matchingName="Section header" type="secHead">
   <p:cSld name="SECTION_HEADER">
     <p:spTree>
       <p:nvGrpSpPr>
-        <p:cNvPr id="1" name="Shape 17"/>
+        <p:cNvPr id="17" name="Shape 17"/>
         <p:cNvGrpSpPr/>
         <p:nvPr/>
       </p:nvGrpSpPr>
@@ -3656,9 +3556,7 @@
       <p:sp>
         <p:nvSpPr>
           <p:cNvPr id="18" name="Google Shape;18;p3"/>
-          <p:cNvSpPr txBox="1">
-            <a:spLocks noGrp="1"/>
-          </p:cNvSpPr>
+          <p:cNvSpPr txBox="1"/>
           <p:nvPr>
             <p:ph type="title"/>
           </p:nvPr>
@@ -3673,7 +3571,7 @@
           </a:prstGeom>
         </p:spPr>
         <p:txBody>
-          <a:bodyPr spcFirstLastPara="1" wrap="square" lIns="91425" tIns="91425" rIns="91425" bIns="91425" anchor="ctr" anchorCtr="0">
+          <a:bodyPr anchorCtr="0" anchor="ctr" bIns="91425" lIns="91425" spcFirstLastPara="1" rIns="91425" wrap="square" tIns="91425">
             <a:noAutofit/>
           </a:bodyPr>
           <a:lstStyle>
@@ -3777,19 +3675,15 @@
               <a:defRPr sz="3600"/>
             </a:lvl9pPr>
           </a:lstStyle>
-          <a:p>
-            <a:endParaRPr/>
-          </a:p>
+          <a:p/>
         </p:txBody>
       </p:sp>
       <p:sp>
         <p:nvSpPr>
           <p:cNvPr id="19" name="Google Shape;19;p3"/>
-          <p:cNvSpPr txBox="1">
-            <a:spLocks noGrp="1"/>
-          </p:cNvSpPr>
+          <p:cNvSpPr txBox="1"/>
           <p:nvPr>
-            <p:ph type="sldNum" idx="12"/>
+            <p:ph idx="12" type="sldNum"/>
           </p:nvPr>
         </p:nvSpPr>
         <p:spPr>
@@ -3802,7 +3696,7 @@
           </a:prstGeom>
         </p:spPr>
         <p:txBody>
-          <a:bodyPr spcFirstLastPara="1" wrap="square" lIns="91425" tIns="91425" rIns="91425" bIns="91425" anchor="ctr" anchorCtr="0">
+          <a:bodyPr anchorCtr="0" anchor="ctr" bIns="91425" lIns="91425" spcFirstLastPara="1" rIns="91425" wrap="square" tIns="91425">
             <a:noAutofit/>
           </a:bodyPr>
           <a:lstStyle>
@@ -3844,7 +3738,7 @@
             </a:lvl9pPr>
           </a:lstStyle>
           <a:p>
-            <a:pPr marL="0" lvl="0" indent="0" algn="r" rtl="0">
+            <a:pPr indent="0" lvl="0" marL="0" rtl="0" algn="r">
               <a:spcBef>
                 <a:spcPts val="0"/>
               </a:spcBef>
@@ -3870,11 +3764,11 @@
 </file>
 
 <file path=ppt/slideLayouts/slideLayout3.xml><?xml version="1.0" encoding="utf-8"?>
-<p:sldLayout xmlns:a="http://schemas.openxmlformats.org/drawingml/2006/main" xmlns:r="http://schemas.openxmlformats.org/officeDocument/2006/relationships" xmlns:p="http://schemas.openxmlformats.org/presentationml/2006/main" matchingName="Title and body" type="tx">
+<p:sldLayout xmlns:a="http://schemas.openxmlformats.org/drawingml/2006/main" xmlns:r="http://schemas.openxmlformats.org/officeDocument/2006/relationships" xmlns:mc="http://schemas.openxmlformats.org/markup-compatibility/2006" xmlns:mv="urn:schemas-microsoft-com:mac:vml" xmlns:p="http://schemas.openxmlformats.org/presentationml/2006/main" xmlns:c="http://schemas.openxmlformats.org/drawingml/2006/chart" xmlns:dgm="http://schemas.openxmlformats.org/drawingml/2006/diagram" xmlns:o="urn:schemas-microsoft-com:office:office" xmlns:v="urn:schemas-microsoft-com:vml" xmlns:pvml="urn:schemas-microsoft-com:office:powerpoint" xmlns:com="http://schemas.openxmlformats.org/drawingml/2006/compatibility" xmlns:p14="http://schemas.microsoft.com/office/powerpoint/2010/main" xmlns:p15="http://schemas.microsoft.com/office/powerpoint/2012/main" xmlns:ahyp="http://schemas.microsoft.com/office/drawing/2018/hyperlinkcolor" matchingName="Title and body" type="tx">
   <p:cSld name="TITLE_AND_BODY">
     <p:spTree>
       <p:nvGrpSpPr>
-        <p:cNvPr id="1" name="Shape 20"/>
+        <p:cNvPr id="20" name="Shape 20"/>
         <p:cNvGrpSpPr/>
         <p:nvPr/>
       </p:nvGrpSpPr>
@@ -3889,9 +3783,7 @@
       <p:sp>
         <p:nvSpPr>
           <p:cNvPr id="21" name="Google Shape;21;p4"/>
-          <p:cNvSpPr txBox="1">
-            <a:spLocks noGrp="1"/>
-          </p:cNvSpPr>
+          <p:cNvSpPr txBox="1"/>
           <p:nvPr>
             <p:ph type="title"/>
           </p:nvPr>
@@ -3906,7 +3798,7 @@
           </a:prstGeom>
         </p:spPr>
         <p:txBody>
-          <a:bodyPr spcFirstLastPara="1" wrap="square" lIns="91425" tIns="91425" rIns="91425" bIns="91425" anchor="t" anchorCtr="0">
+          <a:bodyPr anchorCtr="0" anchor="t" bIns="91425" lIns="91425" spcFirstLastPara="1" rIns="91425" wrap="square" tIns="91425">
             <a:noAutofit/>
           </a:bodyPr>
           <a:lstStyle>
@@ -4010,19 +3902,15 @@
               <a:defRPr/>
             </a:lvl9pPr>
           </a:lstStyle>
-          <a:p>
-            <a:endParaRPr/>
-          </a:p>
+          <a:p/>
         </p:txBody>
       </p:sp>
       <p:sp>
         <p:nvSpPr>
           <p:cNvPr id="22" name="Google Shape;22;p4"/>
-          <p:cNvSpPr txBox="1">
-            <a:spLocks noGrp="1"/>
-          </p:cNvSpPr>
+          <p:cNvSpPr txBox="1"/>
           <p:nvPr>
-            <p:ph type="body" idx="1"/>
+            <p:ph idx="1" type="body"/>
           </p:nvPr>
         </p:nvSpPr>
         <p:spPr>
@@ -4035,11 +3923,11 @@
           </a:prstGeom>
         </p:spPr>
         <p:txBody>
-          <a:bodyPr spcFirstLastPara="1" wrap="square" lIns="91425" tIns="91425" rIns="91425" bIns="91425" anchor="t" anchorCtr="0">
+          <a:bodyPr anchorCtr="0" anchor="t" bIns="91425" lIns="91425" spcFirstLastPara="1" rIns="91425" wrap="square" tIns="91425">
             <a:noAutofit/>
           </a:bodyPr>
           <a:lstStyle>
-            <a:lvl1pPr marL="457200" lvl="0" indent="-342900">
+            <a:lvl1pPr indent="-342900" lvl="0" marL="457200">
               <a:spcBef>
                 <a:spcPts val="0"/>
               </a:spcBef>
@@ -4050,7 +3938,7 @@
               <a:buChar char="●"/>
               <a:defRPr/>
             </a:lvl1pPr>
-            <a:lvl2pPr marL="914400" lvl="1" indent="-317500">
+            <a:lvl2pPr indent="-317500" lvl="1" marL="914400">
               <a:spcBef>
                 <a:spcPts val="1600"/>
               </a:spcBef>
@@ -4061,7 +3949,7 @@
               <a:buChar char="○"/>
               <a:defRPr/>
             </a:lvl2pPr>
-            <a:lvl3pPr marL="1371600" lvl="2" indent="-317500">
+            <a:lvl3pPr indent="-317500" lvl="2" marL="1371600">
               <a:spcBef>
                 <a:spcPts val="1600"/>
               </a:spcBef>
@@ -4072,7 +3960,7 @@
               <a:buChar char="■"/>
               <a:defRPr/>
             </a:lvl3pPr>
-            <a:lvl4pPr marL="1828800" lvl="3" indent="-317500">
+            <a:lvl4pPr indent="-317500" lvl="3" marL="1828800">
               <a:spcBef>
                 <a:spcPts val="1600"/>
               </a:spcBef>
@@ -4083,7 +3971,7 @@
               <a:buChar char="●"/>
               <a:defRPr/>
             </a:lvl4pPr>
-            <a:lvl5pPr marL="2286000" lvl="4" indent="-317500">
+            <a:lvl5pPr indent="-317500" lvl="4" marL="2286000">
               <a:spcBef>
                 <a:spcPts val="1600"/>
               </a:spcBef>
@@ -4094,7 +3982,7 @@
               <a:buChar char="○"/>
               <a:defRPr/>
             </a:lvl5pPr>
-            <a:lvl6pPr marL="2743200" lvl="5" indent="-317500">
+            <a:lvl6pPr indent="-317500" lvl="5" marL="2743200">
               <a:spcBef>
                 <a:spcPts val="1600"/>
               </a:spcBef>
@@ -4105,7 +3993,7 @@
               <a:buChar char="■"/>
               <a:defRPr/>
             </a:lvl6pPr>
-            <a:lvl7pPr marL="3200400" lvl="6" indent="-317500">
+            <a:lvl7pPr indent="-317500" lvl="6" marL="3200400">
               <a:spcBef>
                 <a:spcPts val="1600"/>
               </a:spcBef>
@@ -4116,7 +4004,7 @@
               <a:buChar char="●"/>
               <a:defRPr/>
             </a:lvl7pPr>
-            <a:lvl8pPr marL="3657600" lvl="7" indent="-317500">
+            <a:lvl8pPr indent="-317500" lvl="7" marL="3657600">
               <a:spcBef>
                 <a:spcPts val="1600"/>
               </a:spcBef>
@@ -4127,7 +4015,7 @@
               <a:buChar char="○"/>
               <a:defRPr/>
             </a:lvl8pPr>
-            <a:lvl9pPr marL="4114800" lvl="8" indent="-317500">
+            <a:lvl9pPr indent="-317500" lvl="8" marL="4114800">
               <a:spcBef>
                 <a:spcPts val="1600"/>
               </a:spcBef>
@@ -4139,19 +4027,15 @@
               <a:defRPr/>
             </a:lvl9pPr>
           </a:lstStyle>
-          <a:p>
-            <a:endParaRPr/>
-          </a:p>
+          <a:p/>
         </p:txBody>
       </p:sp>
       <p:sp>
         <p:nvSpPr>
           <p:cNvPr id="23" name="Google Shape;23;p4"/>
-          <p:cNvSpPr txBox="1">
-            <a:spLocks noGrp="1"/>
-          </p:cNvSpPr>
+          <p:cNvSpPr txBox="1"/>
           <p:nvPr>
-            <p:ph type="sldNum" idx="12"/>
+            <p:ph idx="12" type="sldNum"/>
           </p:nvPr>
         </p:nvSpPr>
         <p:spPr>
@@ -4164,7 +4048,7 @@
           </a:prstGeom>
         </p:spPr>
         <p:txBody>
-          <a:bodyPr spcFirstLastPara="1" wrap="square" lIns="91425" tIns="91425" rIns="91425" bIns="91425" anchor="ctr" anchorCtr="0">
+          <a:bodyPr anchorCtr="0" anchor="ctr" bIns="91425" lIns="91425" spcFirstLastPara="1" rIns="91425" wrap="square" tIns="91425">
             <a:noAutofit/>
           </a:bodyPr>
           <a:lstStyle>
@@ -4206,7 +4090,7 @@
             </a:lvl9pPr>
           </a:lstStyle>
           <a:p>
-            <a:pPr marL="0" lvl="0" indent="0" algn="r" rtl="0">
+            <a:pPr indent="0" lvl="0" marL="0" rtl="0" algn="r">
               <a:spcBef>
                 <a:spcPts val="0"/>
               </a:spcBef>
@@ -4232,11 +4116,11 @@
 </file>
 
 <file path=ppt/slideLayouts/slideLayout4.xml><?xml version="1.0" encoding="utf-8"?>
-<p:sldLayout xmlns:a="http://schemas.openxmlformats.org/drawingml/2006/main" xmlns:r="http://schemas.openxmlformats.org/officeDocument/2006/relationships" xmlns:p="http://schemas.openxmlformats.org/presentationml/2006/main" matchingName="Title and two columns" type="twoColTx">
+<p:sldLayout xmlns:a="http://schemas.openxmlformats.org/drawingml/2006/main" xmlns:r="http://schemas.openxmlformats.org/officeDocument/2006/relationships" xmlns:mc="http://schemas.openxmlformats.org/markup-compatibility/2006" xmlns:mv="urn:schemas-microsoft-com:mac:vml" xmlns:p="http://schemas.openxmlformats.org/presentationml/2006/main" xmlns:c="http://schemas.openxmlformats.org/drawingml/2006/chart" xmlns:dgm="http://schemas.openxmlformats.org/drawingml/2006/diagram" xmlns:o="urn:schemas-microsoft-com:office:office" xmlns:v="urn:schemas-microsoft-com:vml" xmlns:pvml="urn:schemas-microsoft-com:office:powerpoint" xmlns:com="http://schemas.openxmlformats.org/drawingml/2006/compatibility" xmlns:p14="http://schemas.microsoft.com/office/powerpoint/2010/main" xmlns:p15="http://schemas.microsoft.com/office/powerpoint/2012/main" xmlns:ahyp="http://schemas.microsoft.com/office/drawing/2018/hyperlinkcolor" matchingName="Title and two columns" type="twoColTx">
   <p:cSld name="TITLE_AND_TWO_COLUMNS">
     <p:spTree>
       <p:nvGrpSpPr>
-        <p:cNvPr id="1" name="Shape 24"/>
+        <p:cNvPr id="24" name="Shape 24"/>
         <p:cNvGrpSpPr/>
         <p:nvPr/>
       </p:nvGrpSpPr>
@@ -4251,9 +4135,7 @@
       <p:sp>
         <p:nvSpPr>
           <p:cNvPr id="25" name="Google Shape;25;p5"/>
-          <p:cNvSpPr txBox="1">
-            <a:spLocks noGrp="1"/>
-          </p:cNvSpPr>
+          <p:cNvSpPr txBox="1"/>
           <p:nvPr>
             <p:ph type="title"/>
           </p:nvPr>
@@ -4268,7 +4150,7 @@
           </a:prstGeom>
         </p:spPr>
         <p:txBody>
-          <a:bodyPr spcFirstLastPara="1" wrap="square" lIns="91425" tIns="91425" rIns="91425" bIns="91425" anchor="t" anchorCtr="0">
+          <a:bodyPr anchorCtr="0" anchor="t" bIns="91425" lIns="91425" spcFirstLastPara="1" rIns="91425" wrap="square" tIns="91425">
             <a:noAutofit/>
           </a:bodyPr>
           <a:lstStyle>
@@ -4372,19 +4254,15 @@
               <a:defRPr/>
             </a:lvl9pPr>
           </a:lstStyle>
-          <a:p>
-            <a:endParaRPr/>
-          </a:p>
+          <a:p/>
         </p:txBody>
       </p:sp>
       <p:sp>
         <p:nvSpPr>
           <p:cNvPr id="26" name="Google Shape;26;p5"/>
-          <p:cNvSpPr txBox="1">
-            <a:spLocks noGrp="1"/>
-          </p:cNvSpPr>
+          <p:cNvSpPr txBox="1"/>
           <p:nvPr>
-            <p:ph type="body" idx="1"/>
+            <p:ph idx="1" type="body"/>
           </p:nvPr>
         </p:nvSpPr>
         <p:spPr>
@@ -4397,11 +4275,11 @@
           </a:prstGeom>
         </p:spPr>
         <p:txBody>
-          <a:bodyPr spcFirstLastPara="1" wrap="square" lIns="91425" tIns="91425" rIns="91425" bIns="91425" anchor="t" anchorCtr="0">
+          <a:bodyPr anchorCtr="0" anchor="t" bIns="91425" lIns="91425" spcFirstLastPara="1" rIns="91425" wrap="square" tIns="91425">
             <a:noAutofit/>
           </a:bodyPr>
           <a:lstStyle>
-            <a:lvl1pPr marL="457200" lvl="0" indent="-317500">
+            <a:lvl1pPr indent="-317500" lvl="0" marL="457200">
               <a:spcBef>
                 <a:spcPts val="0"/>
               </a:spcBef>
@@ -4412,7 +4290,7 @@
               <a:buChar char="●"/>
               <a:defRPr sz="1400"/>
             </a:lvl1pPr>
-            <a:lvl2pPr marL="914400" lvl="1" indent="-304800">
+            <a:lvl2pPr indent="-304800" lvl="1" marL="914400">
               <a:spcBef>
                 <a:spcPts val="1600"/>
               </a:spcBef>
@@ -4423,7 +4301,7 @@
               <a:buChar char="○"/>
               <a:defRPr sz="1200"/>
             </a:lvl2pPr>
-            <a:lvl3pPr marL="1371600" lvl="2" indent="-304800">
+            <a:lvl3pPr indent="-304800" lvl="2" marL="1371600">
               <a:spcBef>
                 <a:spcPts val="1600"/>
               </a:spcBef>
@@ -4434,7 +4312,7 @@
               <a:buChar char="■"/>
               <a:defRPr sz="1200"/>
             </a:lvl3pPr>
-            <a:lvl4pPr marL="1828800" lvl="3" indent="-304800">
+            <a:lvl4pPr indent="-304800" lvl="3" marL="1828800">
               <a:spcBef>
                 <a:spcPts val="1600"/>
               </a:spcBef>
@@ -4445,7 +4323,7 @@
               <a:buChar char="●"/>
               <a:defRPr sz="1200"/>
             </a:lvl4pPr>
-            <a:lvl5pPr marL="2286000" lvl="4" indent="-304800">
+            <a:lvl5pPr indent="-304800" lvl="4" marL="2286000">
               <a:spcBef>
                 <a:spcPts val="1600"/>
               </a:spcBef>
@@ -4456,7 +4334,7 @@
               <a:buChar char="○"/>
               <a:defRPr sz="1200"/>
             </a:lvl5pPr>
-            <a:lvl6pPr marL="2743200" lvl="5" indent="-304800">
+            <a:lvl6pPr indent="-304800" lvl="5" marL="2743200">
               <a:spcBef>
                 <a:spcPts val="1600"/>
               </a:spcBef>
@@ -4467,7 +4345,7 @@
               <a:buChar char="■"/>
               <a:defRPr sz="1200"/>
             </a:lvl6pPr>
-            <a:lvl7pPr marL="3200400" lvl="6" indent="-304800">
+            <a:lvl7pPr indent="-304800" lvl="6" marL="3200400">
               <a:spcBef>
                 <a:spcPts val="1600"/>
               </a:spcBef>
@@ -4478,7 +4356,7 @@
               <a:buChar char="●"/>
               <a:defRPr sz="1200"/>
             </a:lvl7pPr>
-            <a:lvl8pPr marL="3657600" lvl="7" indent="-304800">
+            <a:lvl8pPr indent="-304800" lvl="7" marL="3657600">
               <a:spcBef>
                 <a:spcPts val="1600"/>
               </a:spcBef>
@@ -4489,7 +4367,7 @@
               <a:buChar char="○"/>
               <a:defRPr sz="1200"/>
             </a:lvl8pPr>
-            <a:lvl9pPr marL="4114800" lvl="8" indent="-304800">
+            <a:lvl9pPr indent="-304800" lvl="8" marL="4114800">
               <a:spcBef>
                 <a:spcPts val="1600"/>
               </a:spcBef>
@@ -4501,19 +4379,15 @@
               <a:defRPr sz="1200"/>
             </a:lvl9pPr>
           </a:lstStyle>
-          <a:p>
-            <a:endParaRPr/>
-          </a:p>
+          <a:p/>
         </p:txBody>
       </p:sp>
       <p:sp>
         <p:nvSpPr>
           <p:cNvPr id="27" name="Google Shape;27;p5"/>
-          <p:cNvSpPr txBox="1">
-            <a:spLocks noGrp="1"/>
-          </p:cNvSpPr>
+          <p:cNvSpPr txBox="1"/>
           <p:nvPr>
-            <p:ph type="body" idx="2"/>
+            <p:ph idx="2" type="body"/>
           </p:nvPr>
         </p:nvSpPr>
         <p:spPr>
@@ -4526,11 +4400,11 @@
           </a:prstGeom>
         </p:spPr>
         <p:txBody>
-          <a:bodyPr spcFirstLastPara="1" wrap="square" lIns="91425" tIns="91425" rIns="91425" bIns="91425" anchor="t" anchorCtr="0">
+          <a:bodyPr anchorCtr="0" anchor="t" bIns="91425" lIns="91425" spcFirstLastPara="1" rIns="91425" wrap="square" tIns="91425">
             <a:noAutofit/>
           </a:bodyPr>
           <a:lstStyle>
-            <a:lvl1pPr marL="457200" lvl="0" indent="-317500">
+            <a:lvl1pPr indent="-317500" lvl="0" marL="457200">
               <a:spcBef>
                 <a:spcPts val="0"/>
               </a:spcBef>
@@ -4541,7 +4415,7 @@
               <a:buChar char="●"/>
               <a:defRPr sz="1400"/>
             </a:lvl1pPr>
-            <a:lvl2pPr marL="914400" lvl="1" indent="-304800">
+            <a:lvl2pPr indent="-304800" lvl="1" marL="914400">
               <a:spcBef>
                 <a:spcPts val="1600"/>
               </a:spcBef>
@@ -4552,7 +4426,7 @@
               <a:buChar char="○"/>
               <a:defRPr sz="1200"/>
             </a:lvl2pPr>
-            <a:lvl3pPr marL="1371600" lvl="2" indent="-304800">
+            <a:lvl3pPr indent="-304800" lvl="2" marL="1371600">
               <a:spcBef>
                 <a:spcPts val="1600"/>
               </a:spcBef>
@@ -4563,7 +4437,7 @@
               <a:buChar char="■"/>
               <a:defRPr sz="1200"/>
             </a:lvl3pPr>
-            <a:lvl4pPr marL="1828800" lvl="3" indent="-304800">
+            <a:lvl4pPr indent="-304800" lvl="3" marL="1828800">
               <a:spcBef>
                 <a:spcPts val="1600"/>
               </a:spcBef>
@@ -4574,7 +4448,7 @@
               <a:buChar char="●"/>
               <a:defRPr sz="1200"/>
             </a:lvl4pPr>
-            <a:lvl5pPr marL="2286000" lvl="4" indent="-304800">
+            <a:lvl5pPr indent="-304800" lvl="4" marL="2286000">
               <a:spcBef>
                 <a:spcPts val="1600"/>
               </a:spcBef>
@@ -4585,7 +4459,7 @@
               <a:buChar char="○"/>
               <a:defRPr sz="1200"/>
             </a:lvl5pPr>
-            <a:lvl6pPr marL="2743200" lvl="5" indent="-304800">
+            <a:lvl6pPr indent="-304800" lvl="5" marL="2743200">
               <a:spcBef>
                 <a:spcPts val="1600"/>
               </a:spcBef>
@@ -4596,7 +4470,7 @@
               <a:buChar char="■"/>
               <a:defRPr sz="1200"/>
             </a:lvl6pPr>
-            <a:lvl7pPr marL="3200400" lvl="6" indent="-304800">
+            <a:lvl7pPr indent="-304800" lvl="6" marL="3200400">
               <a:spcBef>
                 <a:spcPts val="1600"/>
               </a:spcBef>
@@ -4607,7 +4481,7 @@
               <a:buChar char="●"/>
               <a:defRPr sz="1200"/>
             </a:lvl7pPr>
-            <a:lvl8pPr marL="3657600" lvl="7" indent="-304800">
+            <a:lvl8pPr indent="-304800" lvl="7" marL="3657600">
               <a:spcBef>
                 <a:spcPts val="1600"/>
               </a:spcBef>
@@ -4618,7 +4492,7 @@
               <a:buChar char="○"/>
               <a:defRPr sz="1200"/>
             </a:lvl8pPr>
-            <a:lvl9pPr marL="4114800" lvl="8" indent="-304800">
+            <a:lvl9pPr indent="-304800" lvl="8" marL="4114800">
               <a:spcBef>
                 <a:spcPts val="1600"/>
               </a:spcBef>
@@ -4630,19 +4504,15 @@
               <a:defRPr sz="1200"/>
             </a:lvl9pPr>
           </a:lstStyle>
-          <a:p>
-            <a:endParaRPr/>
-          </a:p>
+          <a:p/>
         </p:txBody>
       </p:sp>
       <p:sp>
         <p:nvSpPr>
           <p:cNvPr id="28" name="Google Shape;28;p5"/>
-          <p:cNvSpPr txBox="1">
-            <a:spLocks noGrp="1"/>
-          </p:cNvSpPr>
+          <p:cNvSpPr txBox="1"/>
           <p:nvPr>
-            <p:ph type="sldNum" idx="12"/>
+            <p:ph idx="12" type="sldNum"/>
           </p:nvPr>
         </p:nvSpPr>
         <p:spPr>
@@ -4655,7 +4525,7 @@
           </a:prstGeom>
         </p:spPr>
         <p:txBody>
-          <a:bodyPr spcFirstLastPara="1" wrap="square" lIns="91425" tIns="91425" rIns="91425" bIns="91425" anchor="ctr" anchorCtr="0">
+          <a:bodyPr anchorCtr="0" anchor="ctr" bIns="91425" lIns="91425" spcFirstLastPara="1" rIns="91425" wrap="square" tIns="91425">
             <a:noAutofit/>
           </a:bodyPr>
           <a:lstStyle>
@@ -4697,7 +4567,7 @@
             </a:lvl9pPr>
           </a:lstStyle>
           <a:p>
-            <a:pPr marL="0" lvl="0" indent="0" algn="r" rtl="0">
+            <a:pPr indent="0" lvl="0" marL="0" rtl="0" algn="r">
               <a:spcBef>
                 <a:spcPts val="0"/>
               </a:spcBef>
@@ -4723,11 +4593,11 @@
 </file>
 
 <file path=ppt/slideLayouts/slideLayout5.xml><?xml version="1.0" encoding="utf-8"?>
-<p:sldLayout xmlns:a="http://schemas.openxmlformats.org/drawingml/2006/main" xmlns:r="http://schemas.openxmlformats.org/officeDocument/2006/relationships" xmlns:p="http://schemas.openxmlformats.org/presentationml/2006/main" matchingName="Title only" type="titleOnly">
+<p:sldLayout xmlns:a="http://schemas.openxmlformats.org/drawingml/2006/main" xmlns:r="http://schemas.openxmlformats.org/officeDocument/2006/relationships" xmlns:mc="http://schemas.openxmlformats.org/markup-compatibility/2006" xmlns:mv="urn:schemas-microsoft-com:mac:vml" xmlns:p="http://schemas.openxmlformats.org/presentationml/2006/main" xmlns:c="http://schemas.openxmlformats.org/drawingml/2006/chart" xmlns:dgm="http://schemas.openxmlformats.org/drawingml/2006/diagram" xmlns:o="urn:schemas-microsoft-com:office:office" xmlns:v="urn:schemas-microsoft-com:vml" xmlns:pvml="urn:schemas-microsoft-com:office:powerpoint" xmlns:com="http://schemas.openxmlformats.org/drawingml/2006/compatibility" xmlns:p14="http://schemas.microsoft.com/office/powerpoint/2010/main" xmlns:p15="http://schemas.microsoft.com/office/powerpoint/2012/main" xmlns:ahyp="http://schemas.microsoft.com/office/drawing/2018/hyperlinkcolor" matchingName="Title only" type="titleOnly">
   <p:cSld name="TITLE_ONLY">
     <p:spTree>
       <p:nvGrpSpPr>
-        <p:cNvPr id="1" name="Shape 29"/>
+        <p:cNvPr id="29" name="Shape 29"/>
         <p:cNvGrpSpPr/>
         <p:nvPr/>
       </p:nvGrpSpPr>
@@ -4742,9 +4612,7 @@
       <p:sp>
         <p:nvSpPr>
           <p:cNvPr id="30" name="Google Shape;30;p6"/>
-          <p:cNvSpPr txBox="1">
-            <a:spLocks noGrp="1"/>
-          </p:cNvSpPr>
+          <p:cNvSpPr txBox="1"/>
           <p:nvPr>
             <p:ph type="title"/>
           </p:nvPr>
@@ -4759,7 +4627,7 @@
           </a:prstGeom>
         </p:spPr>
         <p:txBody>
-          <a:bodyPr spcFirstLastPara="1" wrap="square" lIns="91425" tIns="91425" rIns="91425" bIns="91425" anchor="t" anchorCtr="0">
+          <a:bodyPr anchorCtr="0" anchor="t" bIns="91425" lIns="91425" spcFirstLastPara="1" rIns="91425" wrap="square" tIns="91425">
             <a:noAutofit/>
           </a:bodyPr>
           <a:lstStyle>
@@ -4863,19 +4731,15 @@
               <a:defRPr/>
             </a:lvl9pPr>
           </a:lstStyle>
-          <a:p>
-            <a:endParaRPr/>
-          </a:p>
+          <a:p/>
         </p:txBody>
       </p:sp>
       <p:sp>
         <p:nvSpPr>
           <p:cNvPr id="31" name="Google Shape;31;p6"/>
-          <p:cNvSpPr txBox="1">
-            <a:spLocks noGrp="1"/>
-          </p:cNvSpPr>
+          <p:cNvSpPr txBox="1"/>
           <p:nvPr>
-            <p:ph type="sldNum" idx="12"/>
+            <p:ph idx="12" type="sldNum"/>
           </p:nvPr>
         </p:nvSpPr>
         <p:spPr>
@@ -4888,7 +4752,7 @@
           </a:prstGeom>
         </p:spPr>
         <p:txBody>
-          <a:bodyPr spcFirstLastPara="1" wrap="square" lIns="91425" tIns="91425" rIns="91425" bIns="91425" anchor="ctr" anchorCtr="0">
+          <a:bodyPr anchorCtr="0" anchor="ctr" bIns="91425" lIns="91425" spcFirstLastPara="1" rIns="91425" wrap="square" tIns="91425">
             <a:noAutofit/>
           </a:bodyPr>
           <a:lstStyle>
@@ -4930,7 +4794,7 @@
             </a:lvl9pPr>
           </a:lstStyle>
           <a:p>
-            <a:pPr marL="0" lvl="0" indent="0" algn="r" rtl="0">
+            <a:pPr indent="0" lvl="0" marL="0" rtl="0" algn="r">
               <a:spcBef>
                 <a:spcPts val="0"/>
               </a:spcBef>
@@ -4956,11 +4820,11 @@
 </file>
 
 <file path=ppt/slideLayouts/slideLayout6.xml><?xml version="1.0" encoding="utf-8"?>
-<p:sldLayout xmlns:a="http://schemas.openxmlformats.org/drawingml/2006/main" xmlns:r="http://schemas.openxmlformats.org/officeDocument/2006/relationships" xmlns:p="http://schemas.openxmlformats.org/presentationml/2006/main" matchingName="One column text">
+<p:sldLayout xmlns:a="http://schemas.openxmlformats.org/drawingml/2006/main" xmlns:r="http://schemas.openxmlformats.org/officeDocument/2006/relationships" xmlns:mc="http://schemas.openxmlformats.org/markup-compatibility/2006" xmlns:mv="urn:schemas-microsoft-com:mac:vml" xmlns:p="http://schemas.openxmlformats.org/presentationml/2006/main" xmlns:c="http://schemas.openxmlformats.org/drawingml/2006/chart" xmlns:dgm="http://schemas.openxmlformats.org/drawingml/2006/diagram" xmlns:o="urn:schemas-microsoft-com:office:office" xmlns:v="urn:schemas-microsoft-com:vml" xmlns:pvml="urn:schemas-microsoft-com:office:powerpoint" xmlns:com="http://schemas.openxmlformats.org/drawingml/2006/compatibility" xmlns:p14="http://schemas.microsoft.com/office/powerpoint/2010/main" xmlns:p15="http://schemas.microsoft.com/office/powerpoint/2012/main" xmlns:ahyp="http://schemas.microsoft.com/office/drawing/2018/hyperlinkcolor" matchingName="One column text">
   <p:cSld name="ONE_COLUMN_TEXT">
     <p:spTree>
       <p:nvGrpSpPr>
-        <p:cNvPr id="1" name="Shape 32"/>
+        <p:cNvPr id="32" name="Shape 32"/>
         <p:cNvGrpSpPr/>
         <p:nvPr/>
       </p:nvGrpSpPr>
@@ -4975,9 +4839,7 @@
       <p:sp>
         <p:nvSpPr>
           <p:cNvPr id="33" name="Google Shape;33;p7"/>
-          <p:cNvSpPr txBox="1">
-            <a:spLocks noGrp="1"/>
-          </p:cNvSpPr>
+          <p:cNvSpPr txBox="1"/>
           <p:nvPr>
             <p:ph type="title"/>
           </p:nvPr>
@@ -4992,7 +4854,7 @@
           </a:prstGeom>
         </p:spPr>
         <p:txBody>
-          <a:bodyPr spcFirstLastPara="1" wrap="square" lIns="91425" tIns="91425" rIns="91425" bIns="91425" anchor="b" anchorCtr="0">
+          <a:bodyPr anchorCtr="0" anchor="b" bIns="91425" lIns="91425" spcFirstLastPara="1" rIns="91425" wrap="square" tIns="91425">
             <a:noAutofit/>
           </a:bodyPr>
           <a:lstStyle>
@@ -5096,19 +4958,15 @@
               <a:defRPr sz="2400"/>
             </a:lvl9pPr>
           </a:lstStyle>
-          <a:p>
-            <a:endParaRPr/>
-          </a:p>
+          <a:p/>
         </p:txBody>
       </p:sp>
       <p:sp>
         <p:nvSpPr>
           <p:cNvPr id="34" name="Google Shape;34;p7"/>
-          <p:cNvSpPr txBox="1">
-            <a:spLocks noGrp="1"/>
-          </p:cNvSpPr>
+          <p:cNvSpPr txBox="1"/>
           <p:nvPr>
-            <p:ph type="body" idx="1"/>
+            <p:ph idx="1" type="body"/>
           </p:nvPr>
         </p:nvSpPr>
         <p:spPr>
@@ -5121,11 +4979,11 @@
           </a:prstGeom>
         </p:spPr>
         <p:txBody>
-          <a:bodyPr spcFirstLastPara="1" wrap="square" lIns="91425" tIns="91425" rIns="91425" bIns="91425" anchor="t" anchorCtr="0">
+          <a:bodyPr anchorCtr="0" anchor="t" bIns="91425" lIns="91425" spcFirstLastPara="1" rIns="91425" wrap="square" tIns="91425">
             <a:noAutofit/>
           </a:bodyPr>
           <a:lstStyle>
-            <a:lvl1pPr marL="457200" lvl="0" indent="-304800">
+            <a:lvl1pPr indent="-304800" lvl="0" marL="457200">
               <a:spcBef>
                 <a:spcPts val="0"/>
               </a:spcBef>
@@ -5136,7 +4994,7 @@
               <a:buChar char="●"/>
               <a:defRPr sz="1200"/>
             </a:lvl1pPr>
-            <a:lvl2pPr marL="914400" lvl="1" indent="-304800">
+            <a:lvl2pPr indent="-304800" lvl="1" marL="914400">
               <a:spcBef>
                 <a:spcPts val="1600"/>
               </a:spcBef>
@@ -5147,7 +5005,7 @@
               <a:buChar char="○"/>
               <a:defRPr sz="1200"/>
             </a:lvl2pPr>
-            <a:lvl3pPr marL="1371600" lvl="2" indent="-304800">
+            <a:lvl3pPr indent="-304800" lvl="2" marL="1371600">
               <a:spcBef>
                 <a:spcPts val="1600"/>
               </a:spcBef>
@@ -5158,7 +5016,7 @@
               <a:buChar char="■"/>
               <a:defRPr sz="1200"/>
             </a:lvl3pPr>
-            <a:lvl4pPr marL="1828800" lvl="3" indent="-304800">
+            <a:lvl4pPr indent="-304800" lvl="3" marL="1828800">
               <a:spcBef>
                 <a:spcPts val="1600"/>
               </a:spcBef>
@@ -5169,7 +5027,7 @@
               <a:buChar char="●"/>
               <a:defRPr sz="1200"/>
             </a:lvl4pPr>
-            <a:lvl5pPr marL="2286000" lvl="4" indent="-304800">
+            <a:lvl5pPr indent="-304800" lvl="4" marL="2286000">
               <a:spcBef>
                 <a:spcPts val="1600"/>
               </a:spcBef>
@@ -5180,7 +5038,7 @@
               <a:buChar char="○"/>
               <a:defRPr sz="1200"/>
             </a:lvl5pPr>
-            <a:lvl6pPr marL="2743200" lvl="5" indent="-304800">
+            <a:lvl6pPr indent="-304800" lvl="5" marL="2743200">
               <a:spcBef>
                 <a:spcPts val="1600"/>
               </a:spcBef>
@@ -5191,7 +5049,7 @@
               <a:buChar char="■"/>
               <a:defRPr sz="1200"/>
             </a:lvl6pPr>
-            <a:lvl7pPr marL="3200400" lvl="6" indent="-304800">
+            <a:lvl7pPr indent="-304800" lvl="6" marL="3200400">
               <a:spcBef>
                 <a:spcPts val="1600"/>
               </a:spcBef>
@@ -5202,7 +5060,7 @@
               <a:buChar char="●"/>
               <a:defRPr sz="1200"/>
             </a:lvl7pPr>
-            <a:lvl8pPr marL="3657600" lvl="7" indent="-304800">
+            <a:lvl8pPr indent="-304800" lvl="7" marL="3657600">
               <a:spcBef>
                 <a:spcPts val="1600"/>
               </a:spcBef>
@@ -5213,7 +5071,7 @@
               <a:buChar char="○"/>
               <a:defRPr sz="1200"/>
             </a:lvl8pPr>
-            <a:lvl9pPr marL="4114800" lvl="8" indent="-304800">
+            <a:lvl9pPr indent="-304800" lvl="8" marL="4114800">
               <a:spcBef>
                 <a:spcPts val="1600"/>
               </a:spcBef>
@@ -5225,19 +5083,15 @@
               <a:defRPr sz="1200"/>
             </a:lvl9pPr>
           </a:lstStyle>
-          <a:p>
-            <a:endParaRPr/>
-          </a:p>
+          <a:p/>
         </p:txBody>
       </p:sp>
       <p:sp>
         <p:nvSpPr>
           <p:cNvPr id="35" name="Google Shape;35;p7"/>
-          <p:cNvSpPr txBox="1">
-            <a:spLocks noGrp="1"/>
-          </p:cNvSpPr>
+          <p:cNvSpPr txBox="1"/>
           <p:nvPr>
-            <p:ph type="sldNum" idx="12"/>
+            <p:ph idx="12" type="sldNum"/>
           </p:nvPr>
         </p:nvSpPr>
         <p:spPr>
@@ -5250,7 +5104,7 @@
           </a:prstGeom>
         </p:spPr>
         <p:txBody>
-          <a:bodyPr spcFirstLastPara="1" wrap="square" lIns="91425" tIns="91425" rIns="91425" bIns="91425" anchor="ctr" anchorCtr="0">
+          <a:bodyPr anchorCtr="0" anchor="ctr" bIns="91425" lIns="91425" spcFirstLastPara="1" rIns="91425" wrap="square" tIns="91425">
             <a:noAutofit/>
           </a:bodyPr>
           <a:lstStyle>
@@ -5292,7 +5146,7 @@
             </a:lvl9pPr>
           </a:lstStyle>
           <a:p>
-            <a:pPr marL="0" lvl="0" indent="0" algn="r" rtl="0">
+            <a:pPr indent="0" lvl="0" marL="0" rtl="0" algn="r">
               <a:spcBef>
                 <a:spcPts val="0"/>
               </a:spcBef>
@@ -5318,19 +5172,18 @@
 </file>
 
 <file path=ppt/slideLayouts/slideLayout7.xml><?xml version="1.0" encoding="utf-8"?>
-<p:sldLayout xmlns:a="http://schemas.openxmlformats.org/drawingml/2006/main" xmlns:r="http://schemas.openxmlformats.org/officeDocument/2006/relationships" xmlns:p="http://schemas.openxmlformats.org/presentationml/2006/main" matchingName="Main point">
+<p:sldLayout xmlns:a="http://schemas.openxmlformats.org/drawingml/2006/main" xmlns:r="http://schemas.openxmlformats.org/officeDocument/2006/relationships" xmlns:mc="http://schemas.openxmlformats.org/markup-compatibility/2006" xmlns:mv="urn:schemas-microsoft-com:mac:vml" xmlns:p="http://schemas.openxmlformats.org/presentationml/2006/main" xmlns:c="http://schemas.openxmlformats.org/drawingml/2006/chart" xmlns:dgm="http://schemas.openxmlformats.org/drawingml/2006/diagram" xmlns:o="urn:schemas-microsoft-com:office:office" xmlns:v="urn:schemas-microsoft-com:vml" xmlns:pvml="urn:schemas-microsoft-com:office:powerpoint" xmlns:com="http://schemas.openxmlformats.org/drawingml/2006/compatibility" xmlns:p14="http://schemas.microsoft.com/office/powerpoint/2010/main" xmlns:p15="http://schemas.microsoft.com/office/powerpoint/2012/main" xmlns:ahyp="http://schemas.microsoft.com/office/drawing/2018/hyperlinkcolor" matchingName="Main point">
   <p:cSld name="MAIN_POINT">
     <p:bg>
       <p:bgPr>
         <a:solidFill>
           <a:schemeClr val="lt2"/>
         </a:solidFill>
-        <a:effectLst/>
       </p:bgPr>
     </p:bg>
     <p:spTree>
       <p:nvGrpSpPr>
-        <p:cNvPr id="1" name="Shape 36"/>
+        <p:cNvPr id="36" name="Shape 36"/>
         <p:cNvGrpSpPr/>
         <p:nvPr/>
       </p:nvGrpSpPr>
@@ -5345,9 +5198,7 @@
       <p:sp>
         <p:nvSpPr>
           <p:cNvPr id="37" name="Google Shape;37;p8"/>
-          <p:cNvSpPr txBox="1">
-            <a:spLocks noGrp="1"/>
-          </p:cNvSpPr>
+          <p:cNvSpPr txBox="1"/>
           <p:nvPr>
             <p:ph type="title"/>
           </p:nvPr>
@@ -5362,7 +5213,7 @@
           </a:prstGeom>
         </p:spPr>
         <p:txBody>
-          <a:bodyPr spcFirstLastPara="1" wrap="square" lIns="91425" tIns="91425" rIns="91425" bIns="91425" anchor="ctr" anchorCtr="0">
+          <a:bodyPr anchorCtr="0" anchor="ctr" bIns="91425" lIns="91425" spcFirstLastPara="1" rIns="91425" wrap="square" tIns="91425">
             <a:noAutofit/>
           </a:bodyPr>
           <a:lstStyle>
@@ -5529,19 +5380,15 @@
               </a:defRPr>
             </a:lvl9pPr>
           </a:lstStyle>
-          <a:p>
-            <a:endParaRPr/>
-          </a:p>
+          <a:p/>
         </p:txBody>
       </p:sp>
       <p:sp>
         <p:nvSpPr>
           <p:cNvPr id="38" name="Google Shape;38;p8"/>
-          <p:cNvSpPr txBox="1">
-            <a:spLocks noGrp="1"/>
-          </p:cNvSpPr>
+          <p:cNvSpPr txBox="1"/>
           <p:nvPr>
-            <p:ph type="sldNum" idx="12"/>
+            <p:ph idx="12" type="sldNum"/>
           </p:nvPr>
         </p:nvSpPr>
         <p:spPr>
@@ -5554,7 +5401,7 @@
           </a:prstGeom>
         </p:spPr>
         <p:txBody>
-          <a:bodyPr spcFirstLastPara="1" wrap="square" lIns="91425" tIns="91425" rIns="91425" bIns="91425" anchor="ctr" anchorCtr="0">
+          <a:bodyPr anchorCtr="0" anchor="ctr" bIns="91425" lIns="91425" spcFirstLastPara="1" rIns="91425" wrap="square" tIns="91425">
             <a:noAutofit/>
           </a:bodyPr>
           <a:lstStyle>
@@ -5632,7 +5479,7 @@
             </a:lvl9pPr>
           </a:lstStyle>
           <a:p>
-            <a:pPr marL="0" lvl="0" indent="0" algn="r" rtl="0">
+            <a:pPr indent="0" lvl="0" marL="0" rtl="0" algn="r">
               <a:spcBef>
                 <a:spcPts val="0"/>
               </a:spcBef>
@@ -5658,11 +5505,11 @@
 </file>
 
 <file path=ppt/slideLayouts/slideLayout8.xml><?xml version="1.0" encoding="utf-8"?>
-<p:sldLayout xmlns:a="http://schemas.openxmlformats.org/drawingml/2006/main" xmlns:r="http://schemas.openxmlformats.org/officeDocument/2006/relationships" xmlns:p="http://schemas.openxmlformats.org/presentationml/2006/main" matchingName="Section title and description">
+<p:sldLayout xmlns:a="http://schemas.openxmlformats.org/drawingml/2006/main" xmlns:r="http://schemas.openxmlformats.org/officeDocument/2006/relationships" xmlns:mc="http://schemas.openxmlformats.org/markup-compatibility/2006" xmlns:mv="urn:schemas-microsoft-com:mac:vml" xmlns:p="http://schemas.openxmlformats.org/presentationml/2006/main" xmlns:c="http://schemas.openxmlformats.org/drawingml/2006/chart" xmlns:dgm="http://schemas.openxmlformats.org/drawingml/2006/diagram" xmlns:o="urn:schemas-microsoft-com:office:office" xmlns:v="urn:schemas-microsoft-com:vml" xmlns:pvml="urn:schemas-microsoft-com:office:powerpoint" xmlns:com="http://schemas.openxmlformats.org/drawingml/2006/compatibility" xmlns:p14="http://schemas.microsoft.com/office/powerpoint/2010/main" xmlns:p15="http://schemas.microsoft.com/office/powerpoint/2012/main" xmlns:ahyp="http://schemas.microsoft.com/office/drawing/2018/hyperlinkcolor" matchingName="Section title and description">
   <p:cSld name="SECTION_TITLE_AND_DESCRIPTION">
     <p:spTree>
       <p:nvGrpSpPr>
-        <p:cNvPr id="1" name="Shape 39"/>
+        <p:cNvPr id="39" name="Shape 39"/>
         <p:cNvGrpSpPr/>
         <p:nvPr/>
       </p:nvGrpSpPr>
@@ -5696,20 +5543,23 @@
           </a:ln>
         </p:spPr>
         <p:txBody>
-          <a:bodyPr spcFirstLastPara="1" wrap="square" lIns="91425" tIns="91425" rIns="91425" bIns="91425" anchor="ctr" anchorCtr="0">
+          <a:bodyPr anchorCtr="0" anchor="ctr" bIns="91425" lIns="91425" spcFirstLastPara="1" rIns="91425" wrap="square" tIns="91425">
             <a:noAutofit/>
           </a:bodyPr>
           <a:lstStyle/>
           <a:p>
-            <a:pPr marL="0" lvl="0" indent="0" algn="l" rtl="0">
-              <a:spcBef>
-                <a:spcPts val="0"/>
-              </a:spcBef>
-              <a:spcAft>
-                <a:spcPts val="0"/>
-              </a:spcAft>
-              <a:buNone/>
-            </a:pPr>
+            <a:pPr indent="0" lvl="0" marL="0" rtl="0" algn="l">
+              <a:spcBef>
+                <a:spcPts val="0"/>
+              </a:spcBef>
+              <a:spcAft>
+                <a:spcPts val="0"/>
+              </a:spcAft>
+              <a:buNone/>
+            </a:pPr>
+            <a:r>
+              <a:t/>
+            </a:r>
             <a:endParaRPr/>
           </a:p>
         </p:txBody>
@@ -5729,23 +5579,21 @@
             <a:avLst/>
           </a:prstGeom>
           <a:noFill/>
-          <a:ln w="19050" cap="flat" cmpd="sng">
+          <a:ln cap="flat" cmpd="sng" w="19050">
             <a:solidFill>
               <a:schemeClr val="lt1"/>
             </a:solidFill>
             <a:prstDash val="solid"/>
             <a:round/>
-            <a:headEnd type="none" w="sm" len="sm"/>
-            <a:tailEnd type="none" w="sm" len="sm"/>
+            <a:headEnd len="sm" w="sm" type="none"/>
+            <a:tailEnd len="sm" w="sm" type="none"/>
           </a:ln>
         </p:spPr>
       </p:cxnSp>
       <p:sp>
         <p:nvSpPr>
           <p:cNvPr id="42" name="Google Shape;42;p9"/>
-          <p:cNvSpPr txBox="1">
-            <a:spLocks noGrp="1"/>
-          </p:cNvSpPr>
+          <p:cNvSpPr txBox="1"/>
           <p:nvPr>
             <p:ph type="title"/>
           </p:nvPr>
@@ -5760,7 +5608,7 @@
           </a:prstGeom>
         </p:spPr>
         <p:txBody>
-          <a:bodyPr spcFirstLastPara="1" wrap="square" lIns="91425" tIns="91425" rIns="91425" bIns="91425" anchor="b" anchorCtr="0">
+          <a:bodyPr anchorCtr="0" anchor="b" bIns="91425" lIns="91425" spcFirstLastPara="1" rIns="91425" wrap="square" tIns="91425">
             <a:noAutofit/>
           </a:bodyPr>
           <a:lstStyle>
@@ -5864,19 +5712,15 @@
               <a:defRPr sz="4200"/>
             </a:lvl9pPr>
           </a:lstStyle>
-          <a:p>
-            <a:endParaRPr/>
-          </a:p>
+          <a:p/>
         </p:txBody>
       </p:sp>
       <p:sp>
         <p:nvSpPr>
           <p:cNvPr id="43" name="Google Shape;43;p9"/>
-          <p:cNvSpPr txBox="1">
-            <a:spLocks noGrp="1"/>
-          </p:cNvSpPr>
+          <p:cNvSpPr txBox="1"/>
           <p:nvPr>
-            <p:ph type="subTitle" idx="1"/>
+            <p:ph idx="1" type="subTitle"/>
           </p:nvPr>
         </p:nvSpPr>
         <p:spPr>
@@ -5889,7 +5733,7 @@
           </a:prstGeom>
         </p:spPr>
         <p:txBody>
-          <a:bodyPr spcFirstLastPara="1" wrap="square" lIns="91425" tIns="91425" rIns="91425" bIns="91425" anchor="t" anchorCtr="0">
+          <a:bodyPr anchorCtr="0" anchor="t" bIns="91425" lIns="91425" spcFirstLastPara="1" rIns="91425" wrap="square" tIns="91425">
             <a:noAutofit/>
           </a:bodyPr>
           <a:lstStyle>
@@ -6083,19 +5927,15 @@
               </a:defRPr>
             </a:lvl9pPr>
           </a:lstStyle>
-          <a:p>
-            <a:endParaRPr/>
-          </a:p>
+          <a:p/>
         </p:txBody>
       </p:sp>
       <p:sp>
         <p:nvSpPr>
           <p:cNvPr id="44" name="Google Shape;44;p9"/>
-          <p:cNvSpPr txBox="1">
-            <a:spLocks noGrp="1"/>
-          </p:cNvSpPr>
+          <p:cNvSpPr txBox="1"/>
           <p:nvPr>
-            <p:ph type="body" idx="2"/>
+            <p:ph idx="2" type="body"/>
           </p:nvPr>
         </p:nvSpPr>
         <p:spPr>
@@ -6108,11 +5948,11 @@
           </a:prstGeom>
         </p:spPr>
         <p:txBody>
-          <a:bodyPr spcFirstLastPara="1" wrap="square" lIns="91425" tIns="91425" rIns="91425" bIns="91425" anchor="ctr" anchorCtr="0">
+          <a:bodyPr anchorCtr="0" anchor="ctr" bIns="91425" lIns="91425" spcFirstLastPara="1" rIns="91425" wrap="square" tIns="91425">
             <a:noAutofit/>
           </a:bodyPr>
           <a:lstStyle>
-            <a:lvl1pPr marL="457200" lvl="0" indent="-342900">
+            <a:lvl1pPr indent="-342900" lvl="0" marL="457200">
               <a:spcBef>
                 <a:spcPts val="0"/>
               </a:spcBef>
@@ -6130,7 +5970,7 @@
                 </a:solidFill>
               </a:defRPr>
             </a:lvl1pPr>
-            <a:lvl2pPr marL="914400" lvl="1" indent="-317500">
+            <a:lvl2pPr indent="-317500" lvl="1" marL="914400">
               <a:spcBef>
                 <a:spcPts val="1600"/>
               </a:spcBef>
@@ -6148,7 +5988,7 @@
                 </a:solidFill>
               </a:defRPr>
             </a:lvl2pPr>
-            <a:lvl3pPr marL="1371600" lvl="2" indent="-317500">
+            <a:lvl3pPr indent="-317500" lvl="2" marL="1371600">
               <a:spcBef>
                 <a:spcPts val="1600"/>
               </a:spcBef>
@@ -6166,7 +6006,7 @@
                 </a:solidFill>
               </a:defRPr>
             </a:lvl3pPr>
-            <a:lvl4pPr marL="1828800" lvl="3" indent="-317500">
+            <a:lvl4pPr indent="-317500" lvl="3" marL="1828800">
               <a:spcBef>
                 <a:spcPts val="1600"/>
               </a:spcBef>
@@ -6184,7 +6024,7 @@
                 </a:solidFill>
               </a:defRPr>
             </a:lvl4pPr>
-            <a:lvl5pPr marL="2286000" lvl="4" indent="-317500">
+            <a:lvl5pPr indent="-317500" lvl="4" marL="2286000">
               <a:spcBef>
                 <a:spcPts val="1600"/>
               </a:spcBef>
@@ -6202,7 +6042,7 @@
                 </a:solidFill>
               </a:defRPr>
             </a:lvl5pPr>
-            <a:lvl6pPr marL="2743200" lvl="5" indent="-317500">
+            <a:lvl6pPr indent="-317500" lvl="5" marL="2743200">
               <a:spcBef>
                 <a:spcPts val="1600"/>
               </a:spcBef>
@@ -6220,7 +6060,7 @@
                 </a:solidFill>
               </a:defRPr>
             </a:lvl6pPr>
-            <a:lvl7pPr marL="3200400" lvl="6" indent="-317500">
+            <a:lvl7pPr indent="-317500" lvl="6" marL="3200400">
               <a:spcBef>
                 <a:spcPts val="1600"/>
               </a:spcBef>
@@ -6238,7 +6078,7 @@
                 </a:solidFill>
               </a:defRPr>
             </a:lvl7pPr>
-            <a:lvl8pPr marL="3657600" lvl="7" indent="-317500">
+            <a:lvl8pPr indent="-317500" lvl="7" marL="3657600">
               <a:spcBef>
                 <a:spcPts val="1600"/>
               </a:spcBef>
@@ -6256,7 +6096,7 @@
                 </a:solidFill>
               </a:defRPr>
             </a:lvl8pPr>
-            <a:lvl9pPr marL="4114800" lvl="8" indent="-317500">
+            <a:lvl9pPr indent="-317500" lvl="8" marL="4114800">
               <a:spcBef>
                 <a:spcPts val="1600"/>
               </a:spcBef>
@@ -6275,19 +6115,15 @@
               </a:defRPr>
             </a:lvl9pPr>
           </a:lstStyle>
-          <a:p>
-            <a:endParaRPr/>
-          </a:p>
+          <a:p/>
         </p:txBody>
       </p:sp>
       <p:sp>
         <p:nvSpPr>
           <p:cNvPr id="45" name="Google Shape;45;p9"/>
-          <p:cNvSpPr txBox="1">
-            <a:spLocks noGrp="1"/>
-          </p:cNvSpPr>
+          <p:cNvSpPr txBox="1"/>
           <p:nvPr>
-            <p:ph type="sldNum" idx="12"/>
+            <p:ph idx="12" type="sldNum"/>
           </p:nvPr>
         </p:nvSpPr>
         <p:spPr>
@@ -6300,7 +6136,7 @@
           </a:prstGeom>
         </p:spPr>
         <p:txBody>
-          <a:bodyPr spcFirstLastPara="1" wrap="square" lIns="91425" tIns="91425" rIns="91425" bIns="91425" anchor="ctr" anchorCtr="0">
+          <a:bodyPr anchorCtr="0" anchor="ctr" bIns="91425" lIns="91425" spcFirstLastPara="1" rIns="91425" wrap="square" tIns="91425">
             <a:noAutofit/>
           </a:bodyPr>
           <a:lstStyle>
@@ -6378,7 +6214,7 @@
             </a:lvl9pPr>
           </a:lstStyle>
           <a:p>
-            <a:pPr marL="0" lvl="0" indent="0" algn="r" rtl="0">
+            <a:pPr indent="0" lvl="0" marL="0" rtl="0" algn="r">
               <a:spcBef>
                 <a:spcPts val="0"/>
               </a:spcBef>
@@ -6404,11 +6240,11 @@
 </file>
 
 <file path=ppt/slideLayouts/slideLayout9.xml><?xml version="1.0" encoding="utf-8"?>
-<p:sldLayout xmlns:a="http://schemas.openxmlformats.org/drawingml/2006/main" xmlns:r="http://schemas.openxmlformats.org/officeDocument/2006/relationships" xmlns:p="http://schemas.openxmlformats.org/presentationml/2006/main" matchingName="Caption">
+<p:sldLayout xmlns:a="http://schemas.openxmlformats.org/drawingml/2006/main" xmlns:r="http://schemas.openxmlformats.org/officeDocument/2006/relationships" xmlns:mc="http://schemas.openxmlformats.org/markup-compatibility/2006" xmlns:mv="urn:schemas-microsoft-com:mac:vml" xmlns:p="http://schemas.openxmlformats.org/presentationml/2006/main" xmlns:c="http://schemas.openxmlformats.org/drawingml/2006/chart" xmlns:dgm="http://schemas.openxmlformats.org/drawingml/2006/diagram" xmlns:o="urn:schemas-microsoft-com:office:office" xmlns:v="urn:schemas-microsoft-com:vml" xmlns:pvml="urn:schemas-microsoft-com:office:powerpoint" xmlns:com="http://schemas.openxmlformats.org/drawingml/2006/compatibility" xmlns:p14="http://schemas.microsoft.com/office/powerpoint/2010/main" xmlns:p15="http://schemas.microsoft.com/office/powerpoint/2012/main" xmlns:ahyp="http://schemas.microsoft.com/office/drawing/2018/hyperlinkcolor" matchingName="Caption">
   <p:cSld name="CAPTION_ONLY">
     <p:spTree>
       <p:nvGrpSpPr>
-        <p:cNvPr id="1" name="Shape 46"/>
+        <p:cNvPr id="46" name="Shape 46"/>
         <p:cNvGrpSpPr/>
         <p:nvPr/>
       </p:nvGrpSpPr>
@@ -6423,11 +6259,9 @@
       <p:sp>
         <p:nvSpPr>
           <p:cNvPr id="47" name="Google Shape;47;p10"/>
-          <p:cNvSpPr txBox="1">
-            <a:spLocks noGrp="1"/>
-          </p:cNvSpPr>
+          <p:cNvSpPr txBox="1"/>
           <p:nvPr>
-            <p:ph type="body" idx="1"/>
+            <p:ph idx="1" type="body"/>
           </p:nvPr>
         </p:nvSpPr>
         <p:spPr>
@@ -6440,11 +6274,11 @@
           </a:prstGeom>
         </p:spPr>
         <p:txBody>
-          <a:bodyPr spcFirstLastPara="1" wrap="square" lIns="91425" tIns="91425" rIns="91425" bIns="91425" anchor="ctr" anchorCtr="0">
+          <a:bodyPr anchorCtr="0" anchor="ctr" bIns="91425" lIns="91425" spcFirstLastPara="1" rIns="91425" wrap="square" tIns="91425">
             <a:noAutofit/>
           </a:bodyPr>
           <a:lstStyle>
-            <a:lvl1pPr marL="457200" lvl="0" indent="-228600">
+            <a:lvl1pPr indent="-228600" lvl="0" marL="457200">
               <a:lnSpc>
                 <a:spcPct val="100000"/>
               </a:lnSpc>
@@ -6471,19 +6305,15 @@
               </a:defRPr>
             </a:lvl1pPr>
           </a:lstStyle>
-          <a:p>
-            <a:endParaRPr/>
-          </a:p>
+          <a:p/>
         </p:txBody>
       </p:sp>
       <p:sp>
         <p:nvSpPr>
           <p:cNvPr id="48" name="Google Shape;48;p10"/>
-          <p:cNvSpPr txBox="1">
-            <a:spLocks noGrp="1"/>
-          </p:cNvSpPr>
+          <p:cNvSpPr txBox="1"/>
           <p:nvPr>
-            <p:ph type="sldNum" idx="12"/>
+            <p:ph idx="12" type="sldNum"/>
           </p:nvPr>
         </p:nvSpPr>
         <p:spPr>
@@ -6496,7 +6326,7 @@
           </a:prstGeom>
         </p:spPr>
         <p:txBody>
-          <a:bodyPr spcFirstLastPara="1" wrap="square" lIns="91425" tIns="91425" rIns="91425" bIns="91425" anchor="ctr" anchorCtr="0">
+          <a:bodyPr anchorCtr="0" anchor="ctr" bIns="91425" lIns="91425" spcFirstLastPara="1" rIns="91425" wrap="square" tIns="91425">
             <a:noAutofit/>
           </a:bodyPr>
           <a:lstStyle>
@@ -6538,7 +6368,7 @@
             </a:lvl9pPr>
           </a:lstStyle>
           <a:p>
-            <a:pPr marL="0" lvl="0" indent="0" algn="r" rtl="0">
+            <a:pPr indent="0" lvl="0" marL="0" rtl="0" algn="r">
               <a:spcBef>
                 <a:spcPts val="0"/>
               </a:spcBef>
@@ -6564,19 +6394,18 @@
 </file>
 
 <file path=ppt/slideMasters/slideMaster1.xml><?xml version="1.0" encoding="utf-8"?>
-<p:sldMaster xmlns:a="http://schemas.openxmlformats.org/drawingml/2006/main" xmlns:r="http://schemas.openxmlformats.org/officeDocument/2006/relationships" xmlns:p="http://schemas.openxmlformats.org/presentationml/2006/main">
+<p:sldMaster xmlns:a="http://schemas.openxmlformats.org/drawingml/2006/main" xmlns:r="http://schemas.openxmlformats.org/officeDocument/2006/relationships" xmlns:mc="http://schemas.openxmlformats.org/markup-compatibility/2006" xmlns:mv="urn:schemas-microsoft-com:mac:vml" xmlns:p="http://schemas.openxmlformats.org/presentationml/2006/main" xmlns:c="http://schemas.openxmlformats.org/drawingml/2006/chart" xmlns:dgm="http://schemas.openxmlformats.org/drawingml/2006/diagram" xmlns:o="urn:schemas-microsoft-com:office:office" xmlns:v="urn:schemas-microsoft-com:vml" xmlns:pvml="urn:schemas-microsoft-com:office:powerpoint" xmlns:com="http://schemas.openxmlformats.org/drawingml/2006/compatibility" xmlns:p14="http://schemas.microsoft.com/office/powerpoint/2010/main" xmlns:p15="http://schemas.microsoft.com/office/powerpoint/2012/main" xmlns:ahyp="http://schemas.microsoft.com/office/drawing/2018/hyperlinkcolor">
   <p:cSld name="slate">
     <p:bg>
       <p:bgPr>
         <a:solidFill>
           <a:schemeClr val="lt1"/>
         </a:solidFill>
-        <a:effectLst/>
       </p:bgPr>
     </p:bg>
     <p:spTree>
       <p:nvGrpSpPr>
-        <p:cNvPr id="1" name="Shape 5"/>
+        <p:cNvPr id="5" name="Shape 5"/>
         <p:cNvGrpSpPr/>
         <p:nvPr/>
       </p:nvGrpSpPr>
@@ -6591,9 +6420,7 @@
       <p:sp>
         <p:nvSpPr>
           <p:cNvPr id="6" name="Google Shape;6;p1"/>
-          <p:cNvSpPr txBox="1">
-            <a:spLocks noGrp="1"/>
-          </p:cNvSpPr>
+          <p:cNvSpPr txBox="1"/>
           <p:nvPr>
             <p:ph type="title"/>
           </p:nvPr>
@@ -6612,7 +6439,7 @@
           </a:ln>
         </p:spPr>
         <p:txBody>
-          <a:bodyPr spcFirstLastPara="1" wrap="square" lIns="91425" tIns="91425" rIns="91425" bIns="91425" anchor="t" anchorCtr="0">
+          <a:bodyPr anchorCtr="0" anchor="t" bIns="91425" lIns="91425" spcFirstLastPara="1" rIns="91425" wrap="square" tIns="91425">
             <a:noAutofit/>
           </a:bodyPr>
           <a:lstStyle>
@@ -6824,19 +6651,15 @@
               </a:defRPr>
             </a:lvl9pPr>
           </a:lstStyle>
-          <a:p>
-            <a:endParaRPr/>
-          </a:p>
+          <a:p/>
         </p:txBody>
       </p:sp>
       <p:sp>
         <p:nvSpPr>
           <p:cNvPr id="7" name="Google Shape;7;p1"/>
-          <p:cNvSpPr txBox="1">
-            <a:spLocks noGrp="1"/>
-          </p:cNvSpPr>
+          <p:cNvSpPr txBox="1"/>
           <p:nvPr>
-            <p:ph type="body" idx="1"/>
+            <p:ph idx="1" type="body"/>
           </p:nvPr>
         </p:nvSpPr>
         <p:spPr>
@@ -6853,11 +6676,11 @@
           </a:ln>
         </p:spPr>
         <p:txBody>
-          <a:bodyPr spcFirstLastPara="1" wrap="square" lIns="91425" tIns="91425" rIns="91425" bIns="91425" anchor="t" anchorCtr="0">
+          <a:bodyPr anchorCtr="0" anchor="t" bIns="91425" lIns="91425" spcFirstLastPara="1" rIns="91425" wrap="square" tIns="91425">
             <a:noAutofit/>
           </a:bodyPr>
           <a:lstStyle>
-            <a:lvl1pPr marL="457200" lvl="0" indent="-342900">
+            <a:lvl1pPr indent="-342900" lvl="0" marL="457200">
               <a:lnSpc>
                 <a:spcPct val="115000"/>
               </a:lnSpc>
@@ -6883,7 +6706,7 @@
                 <a:sym typeface="Average"/>
               </a:defRPr>
             </a:lvl1pPr>
-            <a:lvl2pPr marL="914400" lvl="1" indent="-317500">
+            <a:lvl2pPr indent="-317500" lvl="1" marL="914400">
               <a:lnSpc>
                 <a:spcPct val="115000"/>
               </a:lnSpc>
@@ -6909,7 +6732,7 @@
                 <a:sym typeface="Average"/>
               </a:defRPr>
             </a:lvl2pPr>
-            <a:lvl3pPr marL="1371600" lvl="2" indent="-317500">
+            <a:lvl3pPr indent="-317500" lvl="2" marL="1371600">
               <a:lnSpc>
                 <a:spcPct val="115000"/>
               </a:lnSpc>
@@ -6935,7 +6758,7 @@
                 <a:sym typeface="Average"/>
               </a:defRPr>
             </a:lvl3pPr>
-            <a:lvl4pPr marL="1828800" lvl="3" indent="-317500">
+            <a:lvl4pPr indent="-317500" lvl="3" marL="1828800">
               <a:lnSpc>
                 <a:spcPct val="115000"/>
               </a:lnSpc>
@@ -6961,7 +6784,7 @@
                 <a:sym typeface="Average"/>
               </a:defRPr>
             </a:lvl4pPr>
-            <a:lvl5pPr marL="2286000" lvl="4" indent="-317500">
+            <a:lvl5pPr indent="-317500" lvl="4" marL="2286000">
               <a:lnSpc>
                 <a:spcPct val="115000"/>
               </a:lnSpc>
@@ -6987,7 +6810,7 @@
                 <a:sym typeface="Average"/>
               </a:defRPr>
             </a:lvl5pPr>
-            <a:lvl6pPr marL="2743200" lvl="5" indent="-317500">
+            <a:lvl6pPr indent="-317500" lvl="5" marL="2743200">
               <a:lnSpc>
                 <a:spcPct val="115000"/>
               </a:lnSpc>
@@ -7013,7 +6836,7 @@
                 <a:sym typeface="Average"/>
               </a:defRPr>
             </a:lvl6pPr>
-            <a:lvl7pPr marL="3200400" lvl="6" indent="-317500">
+            <a:lvl7pPr indent="-317500" lvl="6" marL="3200400">
               <a:lnSpc>
                 <a:spcPct val="115000"/>
               </a:lnSpc>
@@ -7039,7 +6862,7 @@
                 <a:sym typeface="Average"/>
               </a:defRPr>
             </a:lvl7pPr>
-            <a:lvl8pPr marL="3657600" lvl="7" indent="-317500">
+            <a:lvl8pPr indent="-317500" lvl="7" marL="3657600">
               <a:lnSpc>
                 <a:spcPct val="115000"/>
               </a:lnSpc>
@@ -7065,7 +6888,7 @@
                 <a:sym typeface="Average"/>
               </a:defRPr>
             </a:lvl8pPr>
-            <a:lvl9pPr marL="4114800" lvl="8" indent="-317500">
+            <a:lvl9pPr indent="-317500" lvl="8" marL="4114800">
               <a:lnSpc>
                 <a:spcPct val="115000"/>
               </a:lnSpc>
@@ -7092,19 +6915,15 @@
               </a:defRPr>
             </a:lvl9pPr>
           </a:lstStyle>
-          <a:p>
-            <a:endParaRPr/>
-          </a:p>
+          <a:p/>
         </p:txBody>
       </p:sp>
       <p:sp>
         <p:nvSpPr>
           <p:cNvPr id="8" name="Google Shape;8;p1"/>
-          <p:cNvSpPr txBox="1">
-            <a:spLocks noGrp="1"/>
-          </p:cNvSpPr>
+          <p:cNvSpPr txBox="1"/>
           <p:nvPr>
-            <p:ph type="sldNum" idx="12"/>
+            <p:ph idx="12" type="sldNum"/>
           </p:nvPr>
         </p:nvSpPr>
         <p:spPr>
@@ -7121,7 +6940,7 @@
           </a:ln>
         </p:spPr>
         <p:txBody>
-          <a:bodyPr spcFirstLastPara="1" wrap="square" lIns="91425" tIns="91425" rIns="91425" bIns="91425" anchor="ctr" anchorCtr="0">
+          <a:bodyPr anchorCtr="0" anchor="ctr" bIns="91425" lIns="91425" spcFirstLastPara="1" rIns="91425" wrap="square" tIns="91425">
             <a:noAutofit/>
           </a:bodyPr>
           <a:lstStyle>
@@ -7235,7 +7054,7 @@
             </a:lvl9pPr>
           </a:lstStyle>
           <a:p>
-            <a:pPr marL="0" lvl="0" indent="0" algn="r" rtl="0">
+            <a:pPr indent="0" lvl="0" marL="0" rtl="0" algn="r">
               <a:spcBef>
                 <a:spcPts val="0"/>
               </a:spcBef>
@@ -7254,7 +7073,7 @@
       </p:sp>
     </p:spTree>
   </p:cSld>
-  <p:clrMap bg1="lt1" tx1="dk1" bg2="dk2" tx2="lt2" accent1="accent1" accent2="accent2" accent3="accent3" accent4="accent4" accent5="accent5" accent6="accent6" hlink="hlink" folHlink="folHlink"/>
+  <p:clrMap accent1="accent1" accent2="accent2" accent3="accent3" accent4="accent4" accent5="accent5" accent6="accent6" bg1="lt1" bg2="dk2" tx1="dk1" tx2="lt2" folHlink="folHlink" hlink="hlink"/>
   <p:sldLayoutIdLst>
     <p:sldLayoutId id="2147483648" r:id="rId1"/>
     <p:sldLayoutId id="2147483649" r:id="rId2"/>
@@ -7269,10 +7088,10 @@
     <p:sldLayoutId id="2147483658" r:id="rId11"/>
     <p:sldLayoutId id="2147483659" r:id="rId12"/>
   </p:sldLayoutIdLst>
-  <p:hf sldNum="0" hdr="0" ftr="0" dt="0"/>
+  <p:hf dt="0" ftr="0" hdr="0" sldNum="0"/>
   <p:txStyles>
     <p:titleStyle>
-      <a:defPPr marR="0" lvl="0" algn="l" rtl="0">
+      <a:defPPr lvl="0" marR="0" rtl="0" algn="l">
         <a:lnSpc>
           <a:spcPct val="100000"/>
         </a:lnSpc>
@@ -7283,7 +7102,7 @@
           <a:spcPts val="0"/>
         </a:spcAft>
       </a:defPPr>
-      <a:lvl1pPr marR="0" lvl="0" algn="l" rtl="0">
+      <a:lvl1pPr lvl="0" marR="0" rtl="0" algn="l">
         <a:lnSpc>
           <a:spcPct val="100000"/>
         </a:lnSpc>
@@ -7297,7 +7116,7 @@
           <a:srgbClr val="000000"/>
         </a:buClr>
         <a:buFont typeface="Arial"/>
-        <a:defRPr sz="1400" b="0" i="0" u="none" strike="noStrike" cap="none">
+        <a:defRPr b="0" i="0" sz="1400" u="none" cap="none" strike="noStrike">
           <a:solidFill>
             <a:srgbClr val="000000"/>
           </a:solidFill>
@@ -7307,7 +7126,7 @@
           <a:sym typeface="Arial"/>
         </a:defRPr>
       </a:lvl1pPr>
-      <a:lvl2pPr marR="0" lvl="1" algn="l" rtl="0">
+      <a:lvl2pPr lvl="1" marR="0" rtl="0" algn="l">
         <a:lnSpc>
           <a:spcPct val="100000"/>
         </a:lnSpc>
@@ -7321,7 +7140,7 @@
           <a:srgbClr val="000000"/>
         </a:buClr>
         <a:buFont typeface="Arial"/>
-        <a:defRPr sz="1400" b="0" i="0" u="none" strike="noStrike" cap="none">
+        <a:defRPr b="0" i="0" sz="1400" u="none" cap="none" strike="noStrike">
           <a:solidFill>
             <a:srgbClr val="000000"/>
           </a:solidFill>
@@ -7331,7 +7150,7 @@
           <a:sym typeface="Arial"/>
         </a:defRPr>
       </a:lvl2pPr>
-      <a:lvl3pPr marR="0" lvl="2" algn="l" rtl="0">
+      <a:lvl3pPr lvl="2" marR="0" rtl="0" algn="l">
         <a:lnSpc>
           <a:spcPct val="100000"/>
         </a:lnSpc>
@@ -7345,7 +7164,7 @@
           <a:srgbClr val="000000"/>
         </a:buClr>
         <a:buFont typeface="Arial"/>
-        <a:defRPr sz="1400" b="0" i="0" u="none" strike="noStrike" cap="none">
+        <a:defRPr b="0" i="0" sz="1400" u="none" cap="none" strike="noStrike">
           <a:solidFill>
             <a:srgbClr val="000000"/>
           </a:solidFill>
@@ -7355,7 +7174,7 @@
           <a:sym typeface="Arial"/>
         </a:defRPr>
       </a:lvl3pPr>
-      <a:lvl4pPr marR="0" lvl="3" algn="l" rtl="0">
+      <a:lvl4pPr lvl="3" marR="0" rtl="0" algn="l">
         <a:lnSpc>
           <a:spcPct val="100000"/>
         </a:lnSpc>
@@ -7369,7 +7188,7 @@
           <a:srgbClr val="000000"/>
         </a:buClr>
         <a:buFont typeface="Arial"/>
-        <a:defRPr sz="1400" b="0" i="0" u="none" strike="noStrike" cap="none">
+        <a:defRPr b="0" i="0" sz="1400" u="none" cap="none" strike="noStrike">
           <a:solidFill>
             <a:srgbClr val="000000"/>
           </a:solidFill>
@@ -7379,7 +7198,7 @@
           <a:sym typeface="Arial"/>
         </a:defRPr>
       </a:lvl4pPr>
-      <a:lvl5pPr marR="0" lvl="4" algn="l" rtl="0">
+      <a:lvl5pPr lvl="4" marR="0" rtl="0" algn="l">
         <a:lnSpc>
           <a:spcPct val="100000"/>
         </a:lnSpc>
@@ -7393,7 +7212,7 @@
           <a:srgbClr val="000000"/>
         </a:buClr>
         <a:buFont typeface="Arial"/>
-        <a:defRPr sz="1400" b="0" i="0" u="none" strike="noStrike" cap="none">
+        <a:defRPr b="0" i="0" sz="1400" u="none" cap="none" strike="noStrike">
           <a:solidFill>
             <a:srgbClr val="000000"/>
           </a:solidFill>
@@ -7403,7 +7222,7 @@
           <a:sym typeface="Arial"/>
         </a:defRPr>
       </a:lvl5pPr>
-      <a:lvl6pPr marR="0" lvl="5" algn="l" rtl="0">
+      <a:lvl6pPr lvl="5" marR="0" rtl="0" algn="l">
         <a:lnSpc>
           <a:spcPct val="100000"/>
         </a:lnSpc>
@@ -7417,7 +7236,7 @@
           <a:srgbClr val="000000"/>
         </a:buClr>
         <a:buFont typeface="Arial"/>
-        <a:defRPr sz="1400" b="0" i="0" u="none" strike="noStrike" cap="none">
+        <a:defRPr b="0" i="0" sz="1400" u="none" cap="none" strike="noStrike">
           <a:solidFill>
             <a:srgbClr val="000000"/>
           </a:solidFill>
@@ -7427,7 +7246,7 @@
           <a:sym typeface="Arial"/>
         </a:defRPr>
       </a:lvl6pPr>
-      <a:lvl7pPr marR="0" lvl="6" algn="l" rtl="0">
+      <a:lvl7pPr lvl="6" marR="0" rtl="0" algn="l">
         <a:lnSpc>
           <a:spcPct val="100000"/>
         </a:lnSpc>
@@ -7441,7 +7260,7 @@
           <a:srgbClr val="000000"/>
         </a:buClr>
         <a:buFont typeface="Arial"/>
-        <a:defRPr sz="1400" b="0" i="0" u="none" strike="noStrike" cap="none">
+        <a:defRPr b="0" i="0" sz="1400" u="none" cap="none" strike="noStrike">
           <a:solidFill>
             <a:srgbClr val="000000"/>
           </a:solidFill>
@@ -7451,7 +7270,7 @@
           <a:sym typeface="Arial"/>
         </a:defRPr>
       </a:lvl7pPr>
-      <a:lvl8pPr marR="0" lvl="7" algn="l" rtl="0">
+      <a:lvl8pPr lvl="7" marR="0" rtl="0" algn="l">
         <a:lnSpc>
           <a:spcPct val="100000"/>
         </a:lnSpc>
@@ -7465,7 +7284,7 @@
           <a:srgbClr val="000000"/>
         </a:buClr>
         <a:buFont typeface="Arial"/>
-        <a:defRPr sz="1400" b="0" i="0" u="none" strike="noStrike" cap="none">
+        <a:defRPr b="0" i="0" sz="1400" u="none" cap="none" strike="noStrike">
           <a:solidFill>
             <a:srgbClr val="000000"/>
           </a:solidFill>
@@ -7475,7 +7294,7 @@
           <a:sym typeface="Arial"/>
         </a:defRPr>
       </a:lvl8pPr>
-      <a:lvl9pPr marR="0" lvl="8" algn="l" rtl="0">
+      <a:lvl9pPr lvl="8" marR="0" rtl="0" algn="l">
         <a:lnSpc>
           <a:spcPct val="100000"/>
         </a:lnSpc>
@@ -7489,7 +7308,7 @@
           <a:srgbClr val="000000"/>
         </a:buClr>
         <a:buFont typeface="Arial"/>
-        <a:defRPr sz="1400" b="0" i="0" u="none" strike="noStrike" cap="none">
+        <a:defRPr b="0" i="0" sz="1400" u="none" cap="none" strike="noStrike">
           <a:solidFill>
             <a:srgbClr val="000000"/>
           </a:solidFill>
@@ -7501,7 +7320,7 @@
       </a:lvl9pPr>
     </p:titleStyle>
     <p:bodyStyle>
-      <a:defPPr marR="0" lvl="0" algn="l" rtl="0">
+      <a:defPPr lvl="0" marR="0" rtl="0" algn="l">
         <a:lnSpc>
           <a:spcPct val="100000"/>
         </a:lnSpc>
@@ -7512,7 +7331,7 @@
           <a:spcPts val="0"/>
         </a:spcAft>
       </a:defPPr>
-      <a:lvl1pPr marR="0" lvl="0" algn="l" rtl="0">
+      <a:lvl1pPr lvl="0" marR="0" rtl="0" algn="l">
         <a:lnSpc>
           <a:spcPct val="100000"/>
         </a:lnSpc>
@@ -7526,7 +7345,7 @@
           <a:srgbClr val="000000"/>
         </a:buClr>
         <a:buFont typeface="Arial"/>
-        <a:defRPr sz="1400" b="0" i="0" u="none" strike="noStrike" cap="none">
+        <a:defRPr b="0" i="0" sz="1400" u="none" cap="none" strike="noStrike">
           <a:solidFill>
             <a:srgbClr val="000000"/>
           </a:solidFill>
@@ -7536,7 +7355,7 @@
           <a:sym typeface="Arial"/>
         </a:defRPr>
       </a:lvl1pPr>
-      <a:lvl2pPr marR="0" lvl="1" algn="l" rtl="0">
+      <a:lvl2pPr lvl="1" marR="0" rtl="0" algn="l">
         <a:lnSpc>
           <a:spcPct val="100000"/>
         </a:lnSpc>
@@ -7550,7 +7369,7 @@
           <a:srgbClr val="000000"/>
         </a:buClr>
         <a:buFont typeface="Arial"/>
-        <a:defRPr sz="1400" b="0" i="0" u="none" strike="noStrike" cap="none">
+        <a:defRPr b="0" i="0" sz="1400" u="none" cap="none" strike="noStrike">
           <a:solidFill>
             <a:srgbClr val="000000"/>
           </a:solidFill>
@@ -7560,7 +7379,7 @@
           <a:sym typeface="Arial"/>
         </a:defRPr>
       </a:lvl2pPr>
-      <a:lvl3pPr marR="0" lvl="2" algn="l" rtl="0">
+      <a:lvl3pPr lvl="2" marR="0" rtl="0" algn="l">
         <a:lnSpc>
           <a:spcPct val="100000"/>
         </a:lnSpc>
@@ -7574,7 +7393,7 @@
           <a:srgbClr val="000000"/>
         </a:buClr>
         <a:buFont typeface="Arial"/>
-        <a:defRPr sz="1400" b="0" i="0" u="none" strike="noStrike" cap="none">
+        <a:defRPr b="0" i="0" sz="1400" u="none" cap="none" strike="noStrike">
           <a:solidFill>
             <a:srgbClr val="000000"/>
           </a:solidFill>
@@ -7584,7 +7403,7 @@
           <a:sym typeface="Arial"/>
         </a:defRPr>
       </a:lvl3pPr>
-      <a:lvl4pPr marR="0" lvl="3" algn="l" rtl="0">
+      <a:lvl4pPr lvl="3" marR="0" rtl="0" algn="l">
         <a:lnSpc>
           <a:spcPct val="100000"/>
         </a:lnSpc>
@@ -7598,7 +7417,7 @@
           <a:srgbClr val="000000"/>
         </a:buClr>
         <a:buFont typeface="Arial"/>
-        <a:defRPr sz="1400" b="0" i="0" u="none" strike="noStrike" cap="none">
+        <a:defRPr b="0" i="0" sz="1400" u="none" cap="none" strike="noStrike">
           <a:solidFill>
             <a:srgbClr val="000000"/>
           </a:solidFill>
@@ -7608,7 +7427,7 @@
           <a:sym typeface="Arial"/>
         </a:defRPr>
       </a:lvl4pPr>
-      <a:lvl5pPr marR="0" lvl="4" algn="l" rtl="0">
+      <a:lvl5pPr lvl="4" marR="0" rtl="0" algn="l">
         <a:lnSpc>
           <a:spcPct val="100000"/>
         </a:lnSpc>
@@ -7622,7 +7441,7 @@
           <a:srgbClr val="000000"/>
         </a:buClr>
         <a:buFont typeface="Arial"/>
-        <a:defRPr sz="1400" b="0" i="0" u="none" strike="noStrike" cap="none">
+        <a:defRPr b="0" i="0" sz="1400" u="none" cap="none" strike="noStrike">
           <a:solidFill>
             <a:srgbClr val="000000"/>
           </a:solidFill>
@@ -7632,7 +7451,7 @@
           <a:sym typeface="Arial"/>
         </a:defRPr>
       </a:lvl5pPr>
-      <a:lvl6pPr marR="0" lvl="5" algn="l" rtl="0">
+      <a:lvl6pPr lvl="5" marR="0" rtl="0" algn="l">
         <a:lnSpc>
           <a:spcPct val="100000"/>
         </a:lnSpc>
@@ -7646,7 +7465,7 @@
           <a:srgbClr val="000000"/>
         </a:buClr>
         <a:buFont typeface="Arial"/>
-        <a:defRPr sz="1400" b="0" i="0" u="none" strike="noStrike" cap="none">
+        <a:defRPr b="0" i="0" sz="1400" u="none" cap="none" strike="noStrike">
           <a:solidFill>
             <a:srgbClr val="000000"/>
           </a:solidFill>
@@ -7656,7 +7475,7 @@
           <a:sym typeface="Arial"/>
         </a:defRPr>
       </a:lvl6pPr>
-      <a:lvl7pPr marR="0" lvl="6" algn="l" rtl="0">
+      <a:lvl7pPr lvl="6" marR="0" rtl="0" algn="l">
         <a:lnSpc>
           <a:spcPct val="100000"/>
         </a:lnSpc>
@@ -7670,7 +7489,7 @@
           <a:srgbClr val="000000"/>
         </a:buClr>
         <a:buFont typeface="Arial"/>
-        <a:defRPr sz="1400" b="0" i="0" u="none" strike="noStrike" cap="none">
+        <a:defRPr b="0" i="0" sz="1400" u="none" cap="none" strike="noStrike">
           <a:solidFill>
             <a:srgbClr val="000000"/>
           </a:solidFill>
@@ -7680,7 +7499,7 @@
           <a:sym typeface="Arial"/>
         </a:defRPr>
       </a:lvl7pPr>
-      <a:lvl8pPr marR="0" lvl="7" algn="l" rtl="0">
+      <a:lvl8pPr lvl="7" marR="0" rtl="0" algn="l">
         <a:lnSpc>
           <a:spcPct val="100000"/>
         </a:lnSpc>
@@ -7694,7 +7513,7 @@
           <a:srgbClr val="000000"/>
         </a:buClr>
         <a:buFont typeface="Arial"/>
-        <a:defRPr sz="1400" b="0" i="0" u="none" strike="noStrike" cap="none">
+        <a:defRPr b="0" i="0" sz="1400" u="none" cap="none" strike="noStrike">
           <a:solidFill>
             <a:srgbClr val="000000"/>
           </a:solidFill>
@@ -7704,7 +7523,7 @@
           <a:sym typeface="Arial"/>
         </a:defRPr>
       </a:lvl8pPr>
-      <a:lvl9pPr marR="0" lvl="8" algn="l" rtl="0">
+      <a:lvl9pPr lvl="8" marR="0" rtl="0" algn="l">
         <a:lnSpc>
           <a:spcPct val="100000"/>
         </a:lnSpc>
@@ -7718,7 +7537,7 @@
           <a:srgbClr val="000000"/>
         </a:buClr>
         <a:buFont typeface="Arial"/>
-        <a:defRPr sz="1400" b="0" i="0" u="none" strike="noStrike" cap="none">
+        <a:defRPr b="0" i="0" sz="1400" u="none" cap="none" strike="noStrike">
           <a:solidFill>
             <a:srgbClr val="000000"/>
           </a:solidFill>
@@ -7730,7 +7549,7 @@
       </a:lvl9pPr>
     </p:bodyStyle>
     <p:otherStyle>
-      <a:defPPr marR="0" lvl="0" algn="l" rtl="0">
+      <a:defPPr lvl="0" marR="0" rtl="0" algn="l">
         <a:lnSpc>
           <a:spcPct val="100000"/>
         </a:lnSpc>
@@ -7741,7 +7560,7 @@
           <a:spcPts val="0"/>
         </a:spcAft>
       </a:defPPr>
-      <a:lvl1pPr marR="0" lvl="0" algn="l" rtl="0">
+      <a:lvl1pPr lvl="0" marR="0" rtl="0" algn="l">
         <a:lnSpc>
           <a:spcPct val="100000"/>
         </a:lnSpc>
@@ -7755,7 +7574,7 @@
           <a:srgbClr val="000000"/>
         </a:buClr>
         <a:buFont typeface="Arial"/>
-        <a:defRPr sz="1400" b="0" i="0" u="none" strike="noStrike" cap="none">
+        <a:defRPr b="0" i="0" sz="1400" u="none" cap="none" strike="noStrike">
           <a:solidFill>
             <a:srgbClr val="000000"/>
           </a:solidFill>
@@ -7765,7 +7584,7 @@
           <a:sym typeface="Arial"/>
         </a:defRPr>
       </a:lvl1pPr>
-      <a:lvl2pPr marR="0" lvl="1" algn="l" rtl="0">
+      <a:lvl2pPr lvl="1" marR="0" rtl="0" algn="l">
         <a:lnSpc>
           <a:spcPct val="100000"/>
         </a:lnSpc>
@@ -7779,7 +7598,7 @@
           <a:srgbClr val="000000"/>
         </a:buClr>
         <a:buFont typeface="Arial"/>
-        <a:defRPr sz="1400" b="0" i="0" u="none" strike="noStrike" cap="none">
+        <a:defRPr b="0" i="0" sz="1400" u="none" cap="none" strike="noStrike">
           <a:solidFill>
             <a:srgbClr val="000000"/>
           </a:solidFill>
@@ -7789,7 +7608,7 @@
           <a:sym typeface="Arial"/>
         </a:defRPr>
       </a:lvl2pPr>
-      <a:lvl3pPr marR="0" lvl="2" algn="l" rtl="0">
+      <a:lvl3pPr lvl="2" marR="0" rtl="0" algn="l">
         <a:lnSpc>
           <a:spcPct val="100000"/>
         </a:lnSpc>
@@ -7803,7 +7622,7 @@
           <a:srgbClr val="000000"/>
         </a:buClr>
         <a:buFont typeface="Arial"/>
-        <a:defRPr sz="1400" b="0" i="0" u="none" strike="noStrike" cap="none">
+        <a:defRPr b="0" i="0" sz="1400" u="none" cap="none" strike="noStrike">
           <a:solidFill>
             <a:srgbClr val="000000"/>
           </a:solidFill>
@@ -7813,7 +7632,7 @@
           <a:sym typeface="Arial"/>
         </a:defRPr>
       </a:lvl3pPr>
-      <a:lvl4pPr marR="0" lvl="3" algn="l" rtl="0">
+      <a:lvl4pPr lvl="3" marR="0" rtl="0" algn="l">
         <a:lnSpc>
           <a:spcPct val="100000"/>
         </a:lnSpc>
@@ -7827,7 +7646,7 @@
           <a:srgbClr val="000000"/>
         </a:buClr>
         <a:buFont typeface="Arial"/>
-        <a:defRPr sz="1400" b="0" i="0" u="none" strike="noStrike" cap="none">
+        <a:defRPr b="0" i="0" sz="1400" u="none" cap="none" strike="noStrike">
           <a:solidFill>
             <a:srgbClr val="000000"/>
           </a:solidFill>
@@ -7837,7 +7656,7 @@
           <a:sym typeface="Arial"/>
         </a:defRPr>
       </a:lvl4pPr>
-      <a:lvl5pPr marR="0" lvl="4" algn="l" rtl="0">
+      <a:lvl5pPr lvl="4" marR="0" rtl="0" algn="l">
         <a:lnSpc>
           <a:spcPct val="100000"/>
         </a:lnSpc>
@@ -7851,7 +7670,7 @@
           <a:srgbClr val="000000"/>
         </a:buClr>
         <a:buFont typeface="Arial"/>
-        <a:defRPr sz="1400" b="0" i="0" u="none" strike="noStrike" cap="none">
+        <a:defRPr b="0" i="0" sz="1400" u="none" cap="none" strike="noStrike">
           <a:solidFill>
             <a:srgbClr val="000000"/>
           </a:solidFill>
@@ -7861,7 +7680,7 @@
           <a:sym typeface="Arial"/>
         </a:defRPr>
       </a:lvl5pPr>
-      <a:lvl6pPr marR="0" lvl="5" algn="l" rtl="0">
+      <a:lvl6pPr lvl="5" marR="0" rtl="0" algn="l">
         <a:lnSpc>
           <a:spcPct val="100000"/>
         </a:lnSpc>
@@ -7875,7 +7694,7 @@
           <a:srgbClr val="000000"/>
         </a:buClr>
         <a:buFont typeface="Arial"/>
-        <a:defRPr sz="1400" b="0" i="0" u="none" strike="noStrike" cap="none">
+        <a:defRPr b="0" i="0" sz="1400" u="none" cap="none" strike="noStrike">
           <a:solidFill>
             <a:srgbClr val="000000"/>
           </a:solidFill>
@@ -7885,7 +7704,7 @@
           <a:sym typeface="Arial"/>
         </a:defRPr>
       </a:lvl6pPr>
-      <a:lvl7pPr marR="0" lvl="6" algn="l" rtl="0">
+      <a:lvl7pPr lvl="6" marR="0" rtl="0" algn="l">
         <a:lnSpc>
           <a:spcPct val="100000"/>
         </a:lnSpc>
@@ -7899,7 +7718,7 @@
           <a:srgbClr val="000000"/>
         </a:buClr>
         <a:buFont typeface="Arial"/>
-        <a:defRPr sz="1400" b="0" i="0" u="none" strike="noStrike" cap="none">
+        <a:defRPr b="0" i="0" sz="1400" u="none" cap="none" strike="noStrike">
           <a:solidFill>
             <a:srgbClr val="000000"/>
           </a:solidFill>
@@ -7909,7 +7728,7 @@
           <a:sym typeface="Arial"/>
         </a:defRPr>
       </a:lvl7pPr>
-      <a:lvl8pPr marR="0" lvl="7" algn="l" rtl="0">
+      <a:lvl8pPr lvl="7" marR="0" rtl="0" algn="l">
         <a:lnSpc>
           <a:spcPct val="100000"/>
         </a:lnSpc>
@@ -7923,7 +7742,7 @@
           <a:srgbClr val="000000"/>
         </a:buClr>
         <a:buFont typeface="Arial"/>
-        <a:defRPr sz="1400" b="0" i="0" u="none" strike="noStrike" cap="none">
+        <a:defRPr b="0" i="0" sz="1400" u="none" cap="none" strike="noStrike">
           <a:solidFill>
             <a:srgbClr val="000000"/>
           </a:solidFill>
@@ -7933,7 +7752,7 @@
           <a:sym typeface="Arial"/>
         </a:defRPr>
       </a:lvl8pPr>
-      <a:lvl9pPr marR="0" lvl="8" algn="l" rtl="0">
+      <a:lvl9pPr lvl="8" marR="0" rtl="0" algn="l">
         <a:lnSpc>
           <a:spcPct val="100000"/>
         </a:lnSpc>
@@ -7947,7 +7766,7 @@
           <a:srgbClr val="000000"/>
         </a:buClr>
         <a:buFont typeface="Arial"/>
-        <a:defRPr sz="1400" b="0" i="0" u="none" strike="noStrike" cap="none">
+        <a:defRPr b="0" i="0" sz="1400" u="none" cap="none" strike="noStrike">
           <a:solidFill>
             <a:srgbClr val="000000"/>
           </a:solidFill>
@@ -7963,11 +7782,11 @@
 </file>
 
 <file path=ppt/slides/slide1.xml><?xml version="1.0" encoding="utf-8"?>
-<p:sld xmlns:a="http://schemas.openxmlformats.org/drawingml/2006/main" xmlns:r="http://schemas.openxmlformats.org/officeDocument/2006/relationships" xmlns:p="http://schemas.openxmlformats.org/presentationml/2006/main">
+<p:sld xmlns:a="http://schemas.openxmlformats.org/drawingml/2006/main" xmlns:r="http://schemas.openxmlformats.org/officeDocument/2006/relationships" xmlns:mc="http://schemas.openxmlformats.org/markup-compatibility/2006" xmlns:mv="urn:schemas-microsoft-com:mac:vml" xmlns:p="http://schemas.openxmlformats.org/presentationml/2006/main" xmlns:c="http://schemas.openxmlformats.org/drawingml/2006/chart" xmlns:dgm="http://schemas.openxmlformats.org/drawingml/2006/diagram" xmlns:o="urn:schemas-microsoft-com:office:office" xmlns:v="urn:schemas-microsoft-com:vml" xmlns:pvml="urn:schemas-microsoft-com:office:powerpoint" xmlns:com="http://schemas.openxmlformats.org/drawingml/2006/compatibility" xmlns:p14="http://schemas.microsoft.com/office/powerpoint/2010/main" xmlns:p15="http://schemas.microsoft.com/office/powerpoint/2012/main" xmlns:ahyp="http://schemas.microsoft.com/office/drawing/2018/hyperlinkcolor">
   <p:cSld>
     <p:spTree>
       <p:nvGrpSpPr>
-        <p:cNvPr id="1" name="Shape 62"/>
+        <p:cNvPr id="62" name="Shape 62"/>
         <p:cNvGrpSpPr/>
         <p:nvPr/>
       </p:nvGrpSpPr>
@@ -7982,9 +7801,7 @@
       <p:sp>
         <p:nvSpPr>
           <p:cNvPr id="63" name="Google Shape;63;p14"/>
-          <p:cNvSpPr txBox="1">
-            <a:spLocks noGrp="1"/>
-          </p:cNvSpPr>
+          <p:cNvSpPr txBox="1"/>
           <p:nvPr>
             <p:ph type="ctrTitle"/>
           </p:nvPr>
@@ -7999,12 +7816,12 @@
           </a:prstGeom>
         </p:spPr>
         <p:txBody>
-          <a:bodyPr spcFirstLastPara="1" wrap="square" lIns="91425" tIns="91425" rIns="91425" bIns="91425" anchor="b" anchorCtr="0">
+          <a:bodyPr anchorCtr="0" anchor="b" bIns="91425" lIns="91425" spcFirstLastPara="1" rIns="91425" wrap="square" tIns="91425">
             <a:noAutofit/>
           </a:bodyPr>
           <a:lstStyle/>
           <a:p>
-            <a:pPr marL="0" lvl="0" indent="0" algn="ctr" rtl="0">
+            <a:pPr indent="0" lvl="0" marL="0" rtl="0" algn="ctr">
               <a:spcBef>
                 <a:spcPts val="0"/>
               </a:spcBef>
@@ -8024,11 +7841,9 @@
       <p:sp>
         <p:nvSpPr>
           <p:cNvPr id="64" name="Google Shape;64;p14"/>
-          <p:cNvSpPr txBox="1">
-            <a:spLocks noGrp="1"/>
-          </p:cNvSpPr>
+          <p:cNvSpPr txBox="1"/>
           <p:nvPr>
-            <p:ph type="subTitle" idx="1"/>
+            <p:ph idx="1" type="subTitle"/>
           </p:nvPr>
         </p:nvSpPr>
         <p:spPr>
@@ -8041,12 +7856,12 @@
           </a:prstGeom>
         </p:spPr>
         <p:txBody>
-          <a:bodyPr spcFirstLastPara="1" wrap="square" lIns="91425" tIns="91425" rIns="91425" bIns="91425" anchor="t" anchorCtr="0">
+          <a:bodyPr anchorCtr="0" anchor="t" bIns="91425" lIns="91425" spcFirstLastPara="1" rIns="91425" wrap="square" tIns="91425">
             <a:noAutofit/>
           </a:bodyPr>
           <a:lstStyle/>
           <a:p>
-            <a:pPr marL="0" lvl="0" indent="0" algn="ctr" rtl="0">
+            <a:pPr indent="0" lvl="0" marL="0" rtl="0" algn="ctr">
               <a:spcBef>
                 <a:spcPts val="0"/>
               </a:spcBef>
@@ -8072,11 +7887,11 @@
 </file>
 
 <file path=ppt/slides/slide10.xml><?xml version="1.0" encoding="utf-8"?>
-<p:sld xmlns:a="http://schemas.openxmlformats.org/drawingml/2006/main" xmlns:r="http://schemas.openxmlformats.org/officeDocument/2006/relationships" xmlns:p="http://schemas.openxmlformats.org/presentationml/2006/main">
+<p:sld xmlns:a="http://schemas.openxmlformats.org/drawingml/2006/main" xmlns:r="http://schemas.openxmlformats.org/officeDocument/2006/relationships" xmlns:mc="http://schemas.openxmlformats.org/markup-compatibility/2006" xmlns:mv="urn:schemas-microsoft-com:mac:vml" xmlns:p="http://schemas.openxmlformats.org/presentationml/2006/main" xmlns:c="http://schemas.openxmlformats.org/drawingml/2006/chart" xmlns:dgm="http://schemas.openxmlformats.org/drawingml/2006/diagram" xmlns:o="urn:schemas-microsoft-com:office:office" xmlns:v="urn:schemas-microsoft-com:vml" xmlns:pvml="urn:schemas-microsoft-com:office:powerpoint" xmlns:com="http://schemas.openxmlformats.org/drawingml/2006/compatibility" xmlns:p14="http://schemas.microsoft.com/office/powerpoint/2010/main" xmlns:p15="http://schemas.microsoft.com/office/powerpoint/2012/main" xmlns:ahyp="http://schemas.microsoft.com/office/drawing/2018/hyperlinkcolor">
   <p:cSld>
     <p:spTree>
       <p:nvGrpSpPr>
-        <p:cNvPr id="1" name="Shape 116"/>
+        <p:cNvPr id="116" name="Shape 116"/>
         <p:cNvGrpSpPr/>
         <p:nvPr/>
       </p:nvGrpSpPr>
@@ -8091,9 +7906,7 @@
       <p:sp>
         <p:nvSpPr>
           <p:cNvPr id="117" name="Google Shape;117;p23"/>
-          <p:cNvSpPr txBox="1">
-            <a:spLocks noGrp="1"/>
-          </p:cNvSpPr>
+          <p:cNvSpPr txBox="1"/>
           <p:nvPr>
             <p:ph type="title"/>
           </p:nvPr>
@@ -8108,12 +7921,12 @@
           </a:prstGeom>
         </p:spPr>
         <p:txBody>
-          <a:bodyPr spcFirstLastPara="1" wrap="square" lIns="91425" tIns="91425" rIns="91425" bIns="91425" anchor="t" anchorCtr="0">
+          <a:bodyPr anchorCtr="0" anchor="t" bIns="91425" lIns="91425" spcFirstLastPara="1" rIns="91425" wrap="square" tIns="91425">
             <a:noAutofit/>
           </a:bodyPr>
           <a:lstStyle/>
           <a:p>
-            <a:pPr marL="0" lvl="0" indent="0" algn="l" rtl="0">
+            <a:pPr indent="0" lvl="0" marL="0" rtl="0" algn="l">
               <a:spcBef>
                 <a:spcPts val="0"/>
               </a:spcBef>
@@ -8133,11 +7946,9 @@
       <p:sp>
         <p:nvSpPr>
           <p:cNvPr id="118" name="Google Shape;118;p23"/>
-          <p:cNvSpPr txBox="1">
-            <a:spLocks noGrp="1"/>
-          </p:cNvSpPr>
+          <p:cNvSpPr txBox="1"/>
           <p:nvPr>
-            <p:ph type="body" idx="1"/>
+            <p:ph idx="1" type="body"/>
           </p:nvPr>
         </p:nvSpPr>
         <p:spPr>
@@ -8150,12 +7961,12 @@
           </a:prstGeom>
         </p:spPr>
         <p:txBody>
-          <a:bodyPr spcFirstLastPara="1" wrap="square" lIns="91425" tIns="91425" rIns="91425" bIns="91425" anchor="t" anchorCtr="0">
+          <a:bodyPr anchorCtr="0" anchor="t" bIns="91425" lIns="91425" spcFirstLastPara="1" rIns="91425" wrap="square" tIns="91425">
             <a:noAutofit/>
           </a:bodyPr>
           <a:lstStyle/>
           <a:p>
-            <a:pPr marL="457200" lvl="0" indent="-342900" algn="l" rtl="0">
+            <a:pPr indent="-342900" lvl="0" marL="457200" rtl="0" algn="l">
               <a:spcBef>
                 <a:spcPts val="0"/>
               </a:spcBef>
@@ -8172,7 +7983,7 @@
             <a:endParaRPr/>
           </a:p>
           <a:p>
-            <a:pPr marL="914400" lvl="1" indent="-317500" algn="l" rtl="0">
+            <a:pPr indent="-317500" lvl="1" marL="914400" rtl="0" algn="l">
               <a:spcBef>
                 <a:spcPts val="0"/>
               </a:spcBef>
@@ -8189,7 +8000,7 @@
             <a:endParaRPr/>
           </a:p>
           <a:p>
-            <a:pPr marL="914400" lvl="1" indent="-317500" algn="l" rtl="0">
+            <a:pPr indent="-317500" lvl="1" marL="914400" rtl="0" algn="l">
               <a:spcBef>
                 <a:spcPts val="0"/>
               </a:spcBef>
@@ -8201,12 +8012,12 @@
             </a:pPr>
             <a:r>
               <a:rPr lang="en"/>
-              <a:t>In line 35 change ‘==’ to ‘!=’ inside the if statement.</a:t>
-            </a:r>
-            <a:endParaRPr/>
-          </a:p>
-          <a:p>
-            <a:pPr marL="914400" lvl="1" indent="-317500" algn="l" rtl="0">
+              <a:t>In line 37 change ‘==’ to ‘!=’ inside the if statement.</a:t>
+            </a:r>
+            <a:endParaRPr/>
+          </a:p>
+          <a:p>
+            <a:pPr indent="-317500" lvl="1" marL="914400" rtl="0" algn="l">
               <a:spcBef>
                 <a:spcPts val="0"/>
               </a:spcBef>
@@ -8223,7 +8034,7 @@
             <a:endParaRPr/>
           </a:p>
           <a:p>
-            <a:pPr marL="914400" lvl="1" indent="-317500" algn="l" rtl="0">
+            <a:pPr indent="-317500" lvl="1" marL="914400" rtl="0" algn="l">
               <a:spcBef>
                 <a:spcPts val="0"/>
               </a:spcBef>
@@ -8240,19 +8051,22 @@
             <a:endParaRPr/>
           </a:p>
           <a:p>
-            <a:pPr marL="914400" lvl="0" indent="0" algn="l" rtl="0">
-              <a:spcBef>
-                <a:spcPts val="0"/>
-              </a:spcBef>
-              <a:spcAft>
-                <a:spcPts val="0"/>
-              </a:spcAft>
-              <a:buNone/>
-            </a:pPr>
-            <a:endParaRPr/>
-          </a:p>
-          <a:p>
-            <a:pPr marL="457200" lvl="0" indent="-342900" algn="l" rtl="0">
+            <a:pPr indent="0" lvl="0" marL="914400" rtl="0" algn="l">
+              <a:spcBef>
+                <a:spcPts val="0"/>
+              </a:spcBef>
+              <a:spcAft>
+                <a:spcPts val="0"/>
+              </a:spcAft>
+              <a:buNone/>
+            </a:pPr>
+            <a:r>
+              <a:t/>
+            </a:r>
+            <a:endParaRPr/>
+          </a:p>
+          <a:p>
+            <a:pPr indent="-342900" lvl="0" marL="457200" rtl="0" algn="l">
               <a:spcBef>
                 <a:spcPts val="0"/>
               </a:spcBef>
@@ -8269,7 +8083,7 @@
             <a:endParaRPr/>
           </a:p>
           <a:p>
-            <a:pPr marL="914400" lvl="1" indent="-317500" algn="l" rtl="0">
+            <a:pPr indent="-317500" lvl="1" marL="914400" rtl="0" algn="l">
               <a:spcBef>
                 <a:spcPts val="0"/>
               </a:spcBef>
@@ -8286,7 +8100,7 @@
             <a:endParaRPr/>
           </a:p>
           <a:p>
-            <a:pPr marL="914400" lvl="1" indent="-317500" algn="l" rtl="0">
+            <a:pPr indent="-317500" lvl="1" marL="914400" rtl="0" algn="l">
               <a:spcBef>
                 <a:spcPts val="0"/>
               </a:spcBef>
@@ -8298,12 +8112,12 @@
             </a:pPr>
             <a:r>
               <a:rPr lang="en"/>
-              <a:t>In line 120 change ‘&lt;=’ to ‘&gt;=’ inside the if statement.</a:t>
-            </a:r>
-            <a:endParaRPr/>
-          </a:p>
-          <a:p>
-            <a:pPr marL="914400" lvl="1" indent="-317500" algn="l" rtl="0">
+              <a:t>In line 130 change ‘&lt;’ to ‘&gt;’ inside the if statement.</a:t>
+            </a:r>
+            <a:endParaRPr/>
+          </a:p>
+          <a:p>
+            <a:pPr indent="-317500" lvl="1" marL="914400" rtl="0" algn="l">
               <a:spcBef>
                 <a:spcPts val="0"/>
               </a:spcBef>
@@ -8320,7 +8134,7 @@
             <a:endParaRPr/>
           </a:p>
           <a:p>
-            <a:pPr marL="914400" lvl="1" indent="-317500" algn="l" rtl="0">
+            <a:pPr indent="-317500" lvl="1" marL="914400" rtl="0" algn="l">
               <a:spcBef>
                 <a:spcPts val="0"/>
               </a:spcBef>
@@ -8347,11 +8161,11 @@
 </file>
 
 <file path=ppt/slides/slide11.xml><?xml version="1.0" encoding="utf-8"?>
-<p:sld xmlns:a="http://schemas.openxmlformats.org/drawingml/2006/main" xmlns:r="http://schemas.openxmlformats.org/officeDocument/2006/relationships" xmlns:p="http://schemas.openxmlformats.org/presentationml/2006/main">
+<p:sld xmlns:a="http://schemas.openxmlformats.org/drawingml/2006/main" xmlns:r="http://schemas.openxmlformats.org/officeDocument/2006/relationships" xmlns:mc="http://schemas.openxmlformats.org/markup-compatibility/2006" xmlns:mv="urn:schemas-microsoft-com:mac:vml" xmlns:p="http://schemas.openxmlformats.org/presentationml/2006/main" xmlns:c="http://schemas.openxmlformats.org/drawingml/2006/chart" xmlns:dgm="http://schemas.openxmlformats.org/drawingml/2006/diagram" xmlns:o="urn:schemas-microsoft-com:office:office" xmlns:v="urn:schemas-microsoft-com:vml" xmlns:pvml="urn:schemas-microsoft-com:office:powerpoint" xmlns:com="http://schemas.openxmlformats.org/drawingml/2006/compatibility" xmlns:p14="http://schemas.microsoft.com/office/powerpoint/2010/main" xmlns:p15="http://schemas.microsoft.com/office/powerpoint/2012/main" xmlns:ahyp="http://schemas.microsoft.com/office/drawing/2018/hyperlinkcolor">
   <p:cSld>
     <p:spTree>
       <p:nvGrpSpPr>
-        <p:cNvPr id="1" name="Shape 122"/>
+        <p:cNvPr id="122" name="Shape 122"/>
         <p:cNvGrpSpPr/>
         <p:nvPr/>
       </p:nvGrpSpPr>
@@ -8366,9 +8180,7 @@
       <p:sp>
         <p:nvSpPr>
           <p:cNvPr id="123" name="Google Shape;123;p24"/>
-          <p:cNvSpPr txBox="1">
-            <a:spLocks noGrp="1"/>
-          </p:cNvSpPr>
+          <p:cNvSpPr txBox="1"/>
           <p:nvPr>
             <p:ph type="title"/>
           </p:nvPr>
@@ -8383,12 +8195,12 @@
           </a:prstGeom>
         </p:spPr>
         <p:txBody>
-          <a:bodyPr spcFirstLastPara="1" wrap="square" lIns="91425" tIns="91425" rIns="91425" bIns="91425" anchor="t" anchorCtr="0">
+          <a:bodyPr anchorCtr="0" anchor="t" bIns="91425" lIns="91425" spcFirstLastPara="1" rIns="91425" wrap="square" tIns="91425">
             <a:noAutofit/>
           </a:bodyPr>
           <a:lstStyle/>
           <a:p>
-            <a:pPr marL="0" lvl="0" indent="0" algn="l" rtl="0">
+            <a:pPr indent="0" lvl="0" marL="0" rtl="0" algn="l">
               <a:spcBef>
                 <a:spcPts val="0"/>
               </a:spcBef>
@@ -8408,11 +8220,9 @@
       <p:sp>
         <p:nvSpPr>
           <p:cNvPr id="124" name="Google Shape;124;p24"/>
-          <p:cNvSpPr txBox="1">
-            <a:spLocks noGrp="1"/>
-          </p:cNvSpPr>
+          <p:cNvSpPr txBox="1"/>
           <p:nvPr>
-            <p:ph type="body" idx="1"/>
+            <p:ph idx="1" type="body"/>
           </p:nvPr>
         </p:nvSpPr>
         <p:spPr>
@@ -8425,12 +8235,12 @@
           </a:prstGeom>
         </p:spPr>
         <p:txBody>
-          <a:bodyPr spcFirstLastPara="1" wrap="square" lIns="91425" tIns="91425" rIns="91425" bIns="91425" anchor="t" anchorCtr="0">
+          <a:bodyPr anchorCtr="0" anchor="t" bIns="91425" lIns="91425" spcFirstLastPara="1" rIns="91425" wrap="square" tIns="91425">
             <a:noAutofit/>
           </a:bodyPr>
           <a:lstStyle/>
           <a:p>
-            <a:pPr marL="457200" lvl="0" indent="-342900" algn="l" rtl="0">
+            <a:pPr indent="-342900" lvl="0" marL="457200" rtl="0" algn="l">
               <a:spcBef>
                 <a:spcPts val="0"/>
               </a:spcBef>
@@ -8447,7 +8257,7 @@
             <a:endParaRPr/>
           </a:p>
           <a:p>
-            <a:pPr marL="914400" lvl="1" indent="-317500" algn="l" rtl="0">
+            <a:pPr indent="-317500" lvl="1" marL="914400" rtl="0" algn="l">
               <a:spcBef>
                 <a:spcPts val="0"/>
               </a:spcBef>
@@ -8464,7 +8274,7 @@
             <a:endParaRPr/>
           </a:p>
           <a:p>
-            <a:pPr marL="914400" lvl="1" indent="-317500" algn="l" rtl="0">
+            <a:pPr indent="-317500" lvl="1" marL="914400" rtl="0" algn="l">
               <a:spcBef>
                 <a:spcPts val="0"/>
               </a:spcBef>
@@ -8481,7 +8291,7 @@
             <a:endParaRPr/>
           </a:p>
           <a:p>
-            <a:pPr marL="914400" lvl="1" indent="-317500" algn="l" rtl="0">
+            <a:pPr indent="-317500" lvl="1" marL="914400" rtl="0" algn="l">
               <a:spcBef>
                 <a:spcPts val="0"/>
               </a:spcBef>
@@ -8498,7 +8308,7 @@
             <a:endParaRPr/>
           </a:p>
           <a:p>
-            <a:pPr marL="914400" lvl="1" indent="-317500" algn="l" rtl="0">
+            <a:pPr indent="-317500" lvl="1" marL="914400" rtl="0" algn="l">
               <a:spcBef>
                 <a:spcPts val="0"/>
               </a:spcBef>
@@ -8510,12 +8320,12 @@
             </a:pPr>
             <a:r>
               <a:rPr lang="en"/>
-              <a:t>Result: NullPointerException</a:t>
-            </a:r>
-            <a:endParaRPr/>
-          </a:p>
-          <a:p>
-            <a:pPr marL="457200" lvl="0" indent="-342900" algn="l" rtl="0">
+              <a:t>Result: NullPointerException (The scripts still returns true even though the method errors because the expected outcome is a blank string.)</a:t>
+            </a:r>
+            <a:endParaRPr/>
+          </a:p>
+          <a:p>
+            <a:pPr indent="-342900" lvl="0" marL="457200" rtl="0" algn="l">
               <a:spcBef>
                 <a:spcPts val="0"/>
               </a:spcBef>
@@ -8532,7 +8342,7 @@
             <a:endParaRPr/>
           </a:p>
           <a:p>
-            <a:pPr marL="914400" lvl="1" indent="-317500" algn="l" rtl="0">
+            <a:pPr indent="-317500" lvl="1" marL="914400" rtl="0" algn="l">
               <a:spcBef>
                 <a:spcPts val="0"/>
               </a:spcBef>
@@ -8549,7 +8359,7 @@
             <a:endParaRPr/>
           </a:p>
           <a:p>
-            <a:pPr marL="914400" lvl="1" indent="-317500" algn="l" rtl="0">
+            <a:pPr indent="-317500" lvl="1" marL="914400" rtl="0" algn="l">
               <a:spcBef>
                 <a:spcPts val="0"/>
               </a:spcBef>
@@ -8566,7 +8376,7 @@
             <a:endParaRPr/>
           </a:p>
           <a:p>
-            <a:pPr marL="914400" lvl="1" indent="-317500" algn="l" rtl="0">
+            <a:pPr indent="-317500" lvl="1" marL="914400" rtl="0" algn="l">
               <a:spcBef>
                 <a:spcPts val="0"/>
               </a:spcBef>
@@ -8583,7 +8393,7 @@
             <a:endParaRPr/>
           </a:p>
           <a:p>
-            <a:pPr marL="914400" lvl="1" indent="-317500" algn="l" rtl="0">
+            <a:pPr indent="-317500" lvl="1" marL="914400" rtl="0" algn="l">
               <a:spcBef>
                 <a:spcPts val="0"/>
               </a:spcBef>
@@ -8600,7 +8410,7 @@
             <a:endParaRPr/>
           </a:p>
           <a:p>
-            <a:pPr marL="457200" lvl="0" indent="-342900" algn="l" rtl="0">
+            <a:pPr indent="-342900" lvl="0" marL="457200" rtl="0" algn="l">
               <a:spcBef>
                 <a:spcPts val="0"/>
               </a:spcBef>
@@ -8617,7 +8427,7 @@
             <a:endParaRPr/>
           </a:p>
           <a:p>
-            <a:pPr marL="914400" lvl="1" indent="-317500" algn="l" rtl="0">
+            <a:pPr indent="-317500" lvl="1" marL="914400" rtl="0" algn="l">
               <a:spcBef>
                 <a:spcPts val="0"/>
               </a:spcBef>
@@ -8634,7 +8444,7 @@
             <a:endParaRPr/>
           </a:p>
           <a:p>
-            <a:pPr marL="914400" lvl="1" indent="-317500" algn="l" rtl="0">
+            <a:pPr indent="-317500" lvl="1" marL="914400" rtl="0" algn="l">
               <a:spcBef>
                 <a:spcPts val="0"/>
               </a:spcBef>
@@ -8651,7 +8461,7 @@
             <a:endParaRPr/>
           </a:p>
           <a:p>
-            <a:pPr marL="914400" lvl="1" indent="-317500" algn="l" rtl="0">
+            <a:pPr indent="-317500" lvl="1" marL="914400" rtl="0" algn="l">
               <a:spcBef>
                 <a:spcPts val="0"/>
               </a:spcBef>
@@ -8668,7 +8478,7 @@
             <a:endParaRPr/>
           </a:p>
           <a:p>
-            <a:pPr marL="914400" lvl="1" indent="-317500" algn="l" rtl="0">
+            <a:pPr indent="-317500" lvl="1" marL="914400" rtl="0" algn="l">
               <a:spcBef>
                 <a:spcPts val="0"/>
               </a:spcBef>
@@ -8685,7 +8495,7 @@
             <a:endParaRPr/>
           </a:p>
           <a:p>
-            <a:pPr marL="914400" lvl="0" indent="0" algn="l" rtl="0">
+            <a:pPr indent="0" lvl="0" marL="914400" rtl="0" algn="l">
               <a:spcBef>
                 <a:spcPts val="1600"/>
               </a:spcBef>
@@ -8694,6 +8504,9 @@
               </a:spcAft>
               <a:buNone/>
             </a:pPr>
+            <a:r>
+              <a:t/>
+            </a:r>
             <a:endParaRPr/>
           </a:p>
         </p:txBody>
@@ -8707,11 +8520,11 @@
 </file>
 
 <file path=ppt/slides/slide12.xml><?xml version="1.0" encoding="utf-8"?>
-<p:sld xmlns:a="http://schemas.openxmlformats.org/drawingml/2006/main" xmlns:r="http://schemas.openxmlformats.org/officeDocument/2006/relationships" xmlns:p="http://schemas.openxmlformats.org/presentationml/2006/main">
+<p:sld xmlns:a="http://schemas.openxmlformats.org/drawingml/2006/main" xmlns:r="http://schemas.openxmlformats.org/officeDocument/2006/relationships" xmlns:mc="http://schemas.openxmlformats.org/markup-compatibility/2006" xmlns:mv="urn:schemas-microsoft-com:mac:vml" xmlns:p="http://schemas.openxmlformats.org/presentationml/2006/main" xmlns:c="http://schemas.openxmlformats.org/drawingml/2006/chart" xmlns:dgm="http://schemas.openxmlformats.org/drawingml/2006/diagram" xmlns:o="urn:schemas-microsoft-com:office:office" xmlns:v="urn:schemas-microsoft-com:vml" xmlns:pvml="urn:schemas-microsoft-com:office:powerpoint" xmlns:com="http://schemas.openxmlformats.org/drawingml/2006/compatibility" xmlns:p14="http://schemas.microsoft.com/office/powerpoint/2010/main" xmlns:p15="http://schemas.microsoft.com/office/powerpoint/2012/main" xmlns:ahyp="http://schemas.microsoft.com/office/drawing/2018/hyperlinkcolor">
   <p:cSld>
     <p:spTree>
       <p:nvGrpSpPr>
-        <p:cNvPr id="1" name="Shape 128"/>
+        <p:cNvPr id="128" name="Shape 128"/>
         <p:cNvGrpSpPr/>
         <p:nvPr/>
       </p:nvGrpSpPr>
@@ -8726,9 +8539,7 @@
       <p:sp>
         <p:nvSpPr>
           <p:cNvPr id="129" name="Google Shape;129;p25"/>
-          <p:cNvSpPr txBox="1">
-            <a:spLocks noGrp="1"/>
-          </p:cNvSpPr>
+          <p:cNvSpPr txBox="1"/>
           <p:nvPr>
             <p:ph type="title"/>
           </p:nvPr>
@@ -8743,12 +8554,12 @@
           </a:prstGeom>
         </p:spPr>
         <p:txBody>
-          <a:bodyPr spcFirstLastPara="1" wrap="square" lIns="91425" tIns="91425" rIns="91425" bIns="91425" anchor="t" anchorCtr="0">
+          <a:bodyPr anchorCtr="0" anchor="t" bIns="91425" lIns="91425" spcFirstLastPara="1" rIns="91425" wrap="square" tIns="91425">
             <a:noAutofit/>
           </a:bodyPr>
           <a:lstStyle/>
           <a:p>
-            <a:pPr marL="0" lvl="0" indent="0" algn="l" rtl="0">
+            <a:pPr indent="0" lvl="0" marL="0" rtl="0" algn="l">
               <a:spcBef>
                 <a:spcPts val="0"/>
               </a:spcBef>
@@ -8768,11 +8579,9 @@
       <p:sp>
         <p:nvSpPr>
           <p:cNvPr id="130" name="Google Shape;130;p25"/>
-          <p:cNvSpPr txBox="1">
-            <a:spLocks noGrp="1"/>
-          </p:cNvSpPr>
+          <p:cNvSpPr txBox="1"/>
           <p:nvPr>
-            <p:ph type="body" idx="1"/>
+            <p:ph idx="1" type="body"/>
           </p:nvPr>
         </p:nvSpPr>
         <p:spPr>
@@ -8785,12 +8594,12 @@
           </a:prstGeom>
         </p:spPr>
         <p:txBody>
-          <a:bodyPr spcFirstLastPara="1" wrap="square" lIns="91425" tIns="91425" rIns="91425" bIns="91425" anchor="t" anchorCtr="0">
+          <a:bodyPr anchorCtr="0" anchor="t" bIns="91425" lIns="91425" spcFirstLastPara="1" rIns="91425" wrap="square" tIns="91425">
             <a:noAutofit/>
           </a:bodyPr>
           <a:lstStyle/>
           <a:p>
-            <a:pPr marL="0" lvl="0" indent="0" algn="l" rtl="0">
+            <a:pPr indent="0" lvl="0" marL="0" rtl="0" algn="l">
               <a:spcBef>
                 <a:spcPts val="0"/>
               </a:spcBef>
@@ -8806,7 +8615,7 @@
             <a:endParaRPr/>
           </a:p>
           <a:p>
-            <a:pPr marL="0" lvl="0" indent="0" algn="l" rtl="0">
+            <a:pPr indent="0" lvl="0" marL="0" rtl="0" algn="l">
               <a:spcBef>
                 <a:spcPts val="1600"/>
               </a:spcBef>
@@ -8822,7 +8631,7 @@
             <a:endParaRPr/>
           </a:p>
           <a:p>
-            <a:pPr marL="0" lvl="0" indent="0" algn="l" rtl="0">
+            <a:pPr indent="0" lvl="0" marL="0" rtl="0" algn="l">
               <a:spcBef>
                 <a:spcPts val="1600"/>
               </a:spcBef>
@@ -8838,7 +8647,7 @@
             <a:endParaRPr/>
           </a:p>
           <a:p>
-            <a:pPr marL="0" lvl="0" indent="0" algn="l" rtl="0">
+            <a:pPr indent="0" lvl="0" marL="0" rtl="0" algn="l">
               <a:spcBef>
                 <a:spcPts val="1600"/>
               </a:spcBef>
@@ -8854,7 +8663,7 @@
             <a:endParaRPr/>
           </a:p>
           <a:p>
-            <a:pPr marL="0" lvl="0" indent="0" algn="l" rtl="0">
+            <a:pPr indent="0" lvl="0" marL="0" rtl="0" algn="l">
               <a:spcBef>
                 <a:spcPts val="1600"/>
               </a:spcBef>
@@ -8863,6 +8672,9 @@
               </a:spcAft>
               <a:buNone/>
             </a:pPr>
+            <a:r>
+              <a:t/>
+            </a:r>
             <a:endParaRPr/>
           </a:p>
         </p:txBody>
@@ -8876,11 +8688,11 @@
 </file>
 
 <file path=ppt/slides/slide13.xml><?xml version="1.0" encoding="utf-8"?>
-<p:sld xmlns:a="http://schemas.openxmlformats.org/drawingml/2006/main" xmlns:r="http://schemas.openxmlformats.org/officeDocument/2006/relationships" xmlns:p="http://schemas.openxmlformats.org/presentationml/2006/main">
+<p:sld xmlns:a="http://schemas.openxmlformats.org/drawingml/2006/main" xmlns:r="http://schemas.openxmlformats.org/officeDocument/2006/relationships" xmlns:mc="http://schemas.openxmlformats.org/markup-compatibility/2006" xmlns:mv="urn:schemas-microsoft-com:mac:vml" xmlns:p="http://schemas.openxmlformats.org/presentationml/2006/main" xmlns:c="http://schemas.openxmlformats.org/drawingml/2006/chart" xmlns:dgm="http://schemas.openxmlformats.org/drawingml/2006/diagram" xmlns:o="urn:schemas-microsoft-com:office:office" xmlns:v="urn:schemas-microsoft-com:vml" xmlns:pvml="urn:schemas-microsoft-com:office:powerpoint" xmlns:com="http://schemas.openxmlformats.org/drawingml/2006/compatibility" xmlns:p14="http://schemas.microsoft.com/office/powerpoint/2010/main" xmlns:p15="http://schemas.microsoft.com/office/powerpoint/2012/main" xmlns:ahyp="http://schemas.microsoft.com/office/drawing/2018/hyperlinkcolor">
   <p:cSld>
     <p:spTree>
       <p:nvGrpSpPr>
-        <p:cNvPr id="1" name="Shape 134"/>
+        <p:cNvPr id="134" name="Shape 134"/>
         <p:cNvGrpSpPr/>
         <p:nvPr/>
       </p:nvGrpSpPr>
@@ -8902,7 +8714,7 @@
           <a:blip r:embed="rId3">
             <a:alphaModFix amt="90000"/>
           </a:blip>
-          <a:srcRect l="5869" r="5869"/>
+          <a:srcRect b="0" l="5869" r="5869" t="0"/>
           <a:stretch/>
         </p:blipFill>
         <p:spPr>
@@ -8929,7 +8741,7 @@
           <a:blip r:embed="rId4">
             <a:alphaModFix amt="90000"/>
           </a:blip>
-          <a:srcRect t="2963" b="2963"/>
+          <a:srcRect b="2963" l="0" r="0" t="2963"/>
           <a:stretch/>
         </p:blipFill>
         <p:spPr>
@@ -8968,20 +8780,23 @@
           </a:ln>
         </p:spPr>
         <p:txBody>
-          <a:bodyPr spcFirstLastPara="1" wrap="square" lIns="91425" tIns="91425" rIns="91425" bIns="91425" anchor="ctr" anchorCtr="0">
+          <a:bodyPr anchorCtr="0" anchor="ctr" bIns="91425" lIns="91425" spcFirstLastPara="1" rIns="91425" wrap="square" tIns="91425">
             <a:noAutofit/>
           </a:bodyPr>
           <a:lstStyle/>
           <a:p>
-            <a:pPr marL="0" lvl="0" indent="0" algn="l" rtl="0">
-              <a:spcBef>
-                <a:spcPts val="0"/>
-              </a:spcBef>
-              <a:spcAft>
-                <a:spcPts val="0"/>
-              </a:spcAft>
-              <a:buNone/>
-            </a:pPr>
+            <a:pPr indent="0" lvl="0" marL="0" rtl="0" algn="l">
+              <a:spcBef>
+                <a:spcPts val="0"/>
+              </a:spcBef>
+              <a:spcAft>
+                <a:spcPts val="0"/>
+              </a:spcAft>
+              <a:buNone/>
+            </a:pPr>
+            <a:r>
+              <a:t/>
+            </a:r>
             <a:endParaRPr/>
           </a:p>
         </p:txBody>
@@ -8989,9 +8804,7 @@
       <p:sp>
         <p:nvSpPr>
           <p:cNvPr id="138" name="Google Shape;138;p26"/>
-          <p:cNvSpPr txBox="1">
-            <a:spLocks noGrp="1"/>
-          </p:cNvSpPr>
+          <p:cNvSpPr txBox="1"/>
           <p:nvPr>
             <p:ph type="ctrTitle"/>
           </p:nvPr>
@@ -9006,12 +8819,12 @@
           </a:prstGeom>
         </p:spPr>
         <p:txBody>
-          <a:bodyPr spcFirstLastPara="1" wrap="square" lIns="91425" tIns="91425" rIns="91425" bIns="91425" anchor="ctr" anchorCtr="0">
+          <a:bodyPr anchorCtr="0" anchor="ctr" bIns="91425" lIns="91425" spcFirstLastPara="1" rIns="91425" wrap="square" tIns="91425">
             <a:noAutofit/>
           </a:bodyPr>
           <a:lstStyle/>
           <a:p>
-            <a:pPr marL="0" lvl="0" indent="0" algn="ctr" rtl="0">
+            <a:pPr indent="0" lvl="0" marL="0" rtl="0" algn="ctr">
               <a:spcBef>
                 <a:spcPts val="0"/>
               </a:spcBef>
@@ -9037,11 +8850,11 @@
 </file>
 
 <file path=ppt/slides/slide14.xml><?xml version="1.0" encoding="utf-8"?>
-<p:sld xmlns:a="http://schemas.openxmlformats.org/drawingml/2006/main" xmlns:r="http://schemas.openxmlformats.org/officeDocument/2006/relationships" xmlns:p="http://schemas.openxmlformats.org/presentationml/2006/main">
+<p:sld xmlns:a="http://schemas.openxmlformats.org/drawingml/2006/main" xmlns:r="http://schemas.openxmlformats.org/officeDocument/2006/relationships" xmlns:mc="http://schemas.openxmlformats.org/markup-compatibility/2006" xmlns:mv="urn:schemas-microsoft-com:mac:vml" xmlns:p="http://schemas.openxmlformats.org/presentationml/2006/main" xmlns:c="http://schemas.openxmlformats.org/drawingml/2006/chart" xmlns:dgm="http://schemas.openxmlformats.org/drawingml/2006/diagram" xmlns:o="urn:schemas-microsoft-com:office:office" xmlns:v="urn:schemas-microsoft-com:vml" xmlns:pvml="urn:schemas-microsoft-com:office:powerpoint" xmlns:com="http://schemas.openxmlformats.org/drawingml/2006/compatibility" xmlns:p14="http://schemas.microsoft.com/office/powerpoint/2010/main" xmlns:p15="http://schemas.microsoft.com/office/powerpoint/2012/main" xmlns:ahyp="http://schemas.microsoft.com/office/drawing/2018/hyperlinkcolor">
   <p:cSld>
     <p:spTree>
       <p:nvGrpSpPr>
-        <p:cNvPr id="1" name="Shape 142"/>
+        <p:cNvPr id="142" name="Shape 142"/>
         <p:cNvGrpSpPr/>
         <p:nvPr/>
       </p:nvGrpSpPr>
@@ -9056,9 +8869,7 @@
       <p:sp>
         <p:nvSpPr>
           <p:cNvPr id="143" name="Google Shape;143;p27"/>
-          <p:cNvSpPr txBox="1">
-            <a:spLocks noGrp="1"/>
-          </p:cNvSpPr>
+          <p:cNvSpPr txBox="1"/>
           <p:nvPr>
             <p:ph type="title"/>
           </p:nvPr>
@@ -9073,12 +8884,12 @@
           </a:prstGeom>
         </p:spPr>
         <p:txBody>
-          <a:bodyPr spcFirstLastPara="1" wrap="square" lIns="91425" tIns="91425" rIns="91425" bIns="91425" anchor="t" anchorCtr="0">
+          <a:bodyPr anchorCtr="0" anchor="t" bIns="91425" lIns="91425" spcFirstLastPara="1" rIns="91425" wrap="square" tIns="91425">
             <a:noAutofit/>
           </a:bodyPr>
           <a:lstStyle/>
           <a:p>
-            <a:pPr marL="0" lvl="0" indent="0" algn="l" rtl="0">
+            <a:pPr indent="0" lvl="0" marL="0" rtl="0" algn="l">
               <a:spcBef>
                 <a:spcPts val="0"/>
               </a:spcBef>
@@ -9104,11 +8915,11 @@
 </file>
 
 <file path=ppt/slides/slide2.xml><?xml version="1.0" encoding="utf-8"?>
-<p:sld xmlns:a="http://schemas.openxmlformats.org/drawingml/2006/main" xmlns:r="http://schemas.openxmlformats.org/officeDocument/2006/relationships" xmlns:p="http://schemas.openxmlformats.org/presentationml/2006/main">
+<p:sld xmlns:a="http://schemas.openxmlformats.org/drawingml/2006/main" xmlns:r="http://schemas.openxmlformats.org/officeDocument/2006/relationships" xmlns:mc="http://schemas.openxmlformats.org/markup-compatibility/2006" xmlns:mv="urn:schemas-microsoft-com:mac:vml" xmlns:p="http://schemas.openxmlformats.org/presentationml/2006/main" xmlns:c="http://schemas.openxmlformats.org/drawingml/2006/chart" xmlns:dgm="http://schemas.openxmlformats.org/drawingml/2006/diagram" xmlns:o="urn:schemas-microsoft-com:office:office" xmlns:v="urn:schemas-microsoft-com:vml" xmlns:pvml="urn:schemas-microsoft-com:office:powerpoint" xmlns:com="http://schemas.openxmlformats.org/drawingml/2006/compatibility" xmlns:p14="http://schemas.microsoft.com/office/powerpoint/2010/main" xmlns:p15="http://schemas.microsoft.com/office/powerpoint/2012/main" xmlns:ahyp="http://schemas.microsoft.com/office/drawing/2018/hyperlinkcolor">
   <p:cSld>
     <p:spTree>
       <p:nvGrpSpPr>
-        <p:cNvPr id="1" name="Shape 68"/>
+        <p:cNvPr id="68" name="Shape 68"/>
         <p:cNvGrpSpPr/>
         <p:nvPr/>
       </p:nvGrpSpPr>
@@ -9123,9 +8934,7 @@
       <p:sp>
         <p:nvSpPr>
           <p:cNvPr id="69" name="Google Shape;69;p15"/>
-          <p:cNvSpPr txBox="1">
-            <a:spLocks noGrp="1"/>
-          </p:cNvSpPr>
+          <p:cNvSpPr txBox="1"/>
           <p:nvPr>
             <p:ph type="title"/>
           </p:nvPr>
@@ -9140,12 +8949,12 @@
           </a:prstGeom>
         </p:spPr>
         <p:txBody>
-          <a:bodyPr spcFirstLastPara="1" wrap="square" lIns="91425" tIns="91425" rIns="91425" bIns="91425" anchor="t" anchorCtr="0">
+          <a:bodyPr anchorCtr="0" anchor="t" bIns="91425" lIns="91425" spcFirstLastPara="1" rIns="91425" wrap="square" tIns="91425">
             <a:noAutofit/>
           </a:bodyPr>
           <a:lstStyle/>
           <a:p>
-            <a:pPr marL="0" lvl="0" indent="0" algn="l" rtl="0">
+            <a:pPr indent="0" lvl="0" marL="0" rtl="0" algn="l">
               <a:spcBef>
                 <a:spcPts val="0"/>
               </a:spcBef>
@@ -9165,11 +8974,9 @@
       <p:sp>
         <p:nvSpPr>
           <p:cNvPr id="70" name="Google Shape;70;p15"/>
-          <p:cNvSpPr txBox="1">
-            <a:spLocks noGrp="1"/>
-          </p:cNvSpPr>
+          <p:cNvSpPr txBox="1"/>
           <p:nvPr>
-            <p:ph type="body" idx="1"/>
+            <p:ph idx="1" type="body"/>
           </p:nvPr>
         </p:nvSpPr>
         <p:spPr>
@@ -9182,12 +8989,12 @@
           </a:prstGeom>
         </p:spPr>
         <p:txBody>
-          <a:bodyPr spcFirstLastPara="1" wrap="square" lIns="91425" tIns="91425" rIns="91425" bIns="91425" anchor="t" anchorCtr="0">
+          <a:bodyPr anchorCtr="0" anchor="t" bIns="91425" lIns="91425" spcFirstLastPara="1" rIns="91425" wrap="square" tIns="91425">
             <a:noAutofit/>
           </a:bodyPr>
           <a:lstStyle/>
           <a:p>
-            <a:pPr marL="0" lvl="0" indent="0" algn="l" rtl="0">
+            <a:pPr indent="0" lvl="0" marL="0" rtl="0" algn="l">
               <a:spcBef>
                 <a:spcPts val="0"/>
               </a:spcBef>
@@ -9203,7 +9010,7 @@
             <a:endParaRPr/>
           </a:p>
           <a:p>
-            <a:pPr marL="0" lvl="0" indent="0" algn="l" rtl="0">
+            <a:pPr indent="0" lvl="0" marL="0" rtl="0" algn="l">
               <a:spcBef>
                 <a:spcPts val="1600"/>
               </a:spcBef>
@@ -9229,11 +9036,11 @@
 </file>
 
 <file path=ppt/slides/slide3.xml><?xml version="1.0" encoding="utf-8"?>
-<p:sld xmlns:a="http://schemas.openxmlformats.org/drawingml/2006/main" xmlns:r="http://schemas.openxmlformats.org/officeDocument/2006/relationships" xmlns:p="http://schemas.openxmlformats.org/presentationml/2006/main">
+<p:sld xmlns:a="http://schemas.openxmlformats.org/drawingml/2006/main" xmlns:r="http://schemas.openxmlformats.org/officeDocument/2006/relationships" xmlns:mc="http://schemas.openxmlformats.org/markup-compatibility/2006" xmlns:mv="urn:schemas-microsoft-com:mac:vml" xmlns:p="http://schemas.openxmlformats.org/presentationml/2006/main" xmlns:c="http://schemas.openxmlformats.org/drawingml/2006/chart" xmlns:dgm="http://schemas.openxmlformats.org/drawingml/2006/diagram" xmlns:o="urn:schemas-microsoft-com:office:office" xmlns:v="urn:schemas-microsoft-com:vml" xmlns:pvml="urn:schemas-microsoft-com:office:powerpoint" xmlns:com="http://schemas.openxmlformats.org/drawingml/2006/compatibility" xmlns:p14="http://schemas.microsoft.com/office/powerpoint/2010/main" xmlns:p15="http://schemas.microsoft.com/office/powerpoint/2012/main" xmlns:ahyp="http://schemas.microsoft.com/office/drawing/2018/hyperlinkcolor">
   <p:cSld>
     <p:spTree>
       <p:nvGrpSpPr>
-        <p:cNvPr id="1" name="Shape 74"/>
+        <p:cNvPr id="74" name="Shape 74"/>
         <p:cNvGrpSpPr/>
         <p:nvPr/>
       </p:nvGrpSpPr>
@@ -9248,9 +9055,7 @@
       <p:sp>
         <p:nvSpPr>
           <p:cNvPr id="75" name="Google Shape;75;p16"/>
-          <p:cNvSpPr txBox="1">
-            <a:spLocks noGrp="1"/>
-          </p:cNvSpPr>
+          <p:cNvSpPr txBox="1"/>
           <p:nvPr>
             <p:ph type="title"/>
           </p:nvPr>
@@ -9265,12 +9070,12 @@
           </a:prstGeom>
         </p:spPr>
         <p:txBody>
-          <a:bodyPr spcFirstLastPara="1" wrap="square" lIns="91425" tIns="91425" rIns="91425" bIns="91425" anchor="t" anchorCtr="0">
+          <a:bodyPr anchorCtr="0" anchor="t" bIns="91425" lIns="91425" spcFirstLastPara="1" rIns="91425" wrap="square" tIns="91425">
             <a:noAutofit/>
           </a:bodyPr>
           <a:lstStyle/>
           <a:p>
-            <a:pPr marL="0" lvl="0" indent="0" algn="l" rtl="0">
+            <a:pPr indent="0" lvl="0" marL="0" rtl="0" algn="l">
               <a:spcBef>
                 <a:spcPts val="0"/>
               </a:spcBef>
@@ -9290,11 +9095,9 @@
       <p:sp>
         <p:nvSpPr>
           <p:cNvPr id="76" name="Google Shape;76;p16"/>
-          <p:cNvSpPr txBox="1">
-            <a:spLocks noGrp="1"/>
-          </p:cNvSpPr>
+          <p:cNvSpPr txBox="1"/>
           <p:nvPr>
-            <p:ph type="body" idx="1"/>
+            <p:ph idx="1" type="body"/>
           </p:nvPr>
         </p:nvSpPr>
         <p:spPr>
@@ -9307,12 +9110,12 @@
           </a:prstGeom>
         </p:spPr>
         <p:txBody>
-          <a:bodyPr spcFirstLastPara="1" wrap="square" lIns="91425" tIns="91425" rIns="91425" bIns="91425" anchor="t" anchorCtr="0">
+          <a:bodyPr anchorCtr="0" anchor="t" bIns="91425" lIns="91425" spcFirstLastPara="1" rIns="91425" wrap="square" tIns="91425">
             <a:noAutofit/>
           </a:bodyPr>
           <a:lstStyle/>
           <a:p>
-            <a:pPr marL="0" lvl="0" indent="0" algn="l" rtl="0">
+            <a:pPr indent="0" lvl="0" marL="0" rtl="0" algn="l">
               <a:spcBef>
                 <a:spcPts val="0"/>
               </a:spcBef>
@@ -9328,7 +9131,7 @@
             <a:endParaRPr/>
           </a:p>
           <a:p>
-            <a:pPr marL="0" lvl="0" indent="0" algn="l" rtl="0">
+            <a:pPr indent="0" lvl="0" marL="0" rtl="0" algn="l">
               <a:spcBef>
                 <a:spcPts val="1600"/>
               </a:spcBef>
@@ -9344,7 +9147,7 @@
             <a:endParaRPr/>
           </a:p>
           <a:p>
-            <a:pPr marL="0" lvl="0" indent="0" algn="l" rtl="0">
+            <a:pPr indent="0" lvl="0" marL="0" rtl="0" algn="l">
               <a:spcBef>
                 <a:spcPts val="1600"/>
               </a:spcBef>
@@ -9360,7 +9163,7 @@
             <a:endParaRPr/>
           </a:p>
           <a:p>
-            <a:pPr marL="0" lvl="0" indent="0" algn="l" rtl="0">
+            <a:pPr indent="0" lvl="0" marL="0" rtl="0" algn="l">
               <a:spcBef>
                 <a:spcPts val="1600"/>
               </a:spcBef>
@@ -9386,11 +9189,11 @@
 </file>
 
 <file path=ppt/slides/slide4.xml><?xml version="1.0" encoding="utf-8"?>
-<p:sld xmlns:a="http://schemas.openxmlformats.org/drawingml/2006/main" xmlns:r="http://schemas.openxmlformats.org/officeDocument/2006/relationships" xmlns:p="http://schemas.openxmlformats.org/presentationml/2006/main">
+<p:sld xmlns:a="http://schemas.openxmlformats.org/drawingml/2006/main" xmlns:r="http://schemas.openxmlformats.org/officeDocument/2006/relationships" xmlns:mc="http://schemas.openxmlformats.org/markup-compatibility/2006" xmlns:mv="urn:schemas-microsoft-com:mac:vml" xmlns:p="http://schemas.openxmlformats.org/presentationml/2006/main" xmlns:c="http://schemas.openxmlformats.org/drawingml/2006/chart" xmlns:dgm="http://schemas.openxmlformats.org/drawingml/2006/diagram" xmlns:o="urn:schemas-microsoft-com:office:office" xmlns:v="urn:schemas-microsoft-com:vml" xmlns:pvml="urn:schemas-microsoft-com:office:powerpoint" xmlns:com="http://schemas.openxmlformats.org/drawingml/2006/compatibility" xmlns:p14="http://schemas.microsoft.com/office/powerpoint/2010/main" xmlns:p15="http://schemas.microsoft.com/office/powerpoint/2012/main" xmlns:ahyp="http://schemas.microsoft.com/office/drawing/2018/hyperlinkcolor">
   <p:cSld>
     <p:spTree>
       <p:nvGrpSpPr>
-        <p:cNvPr id="1" name="Shape 80"/>
+        <p:cNvPr id="80" name="Shape 80"/>
         <p:cNvGrpSpPr/>
         <p:nvPr/>
       </p:nvGrpSpPr>
@@ -9405,9 +9208,7 @@
       <p:sp>
         <p:nvSpPr>
           <p:cNvPr id="81" name="Google Shape;81;p17"/>
-          <p:cNvSpPr txBox="1">
-            <a:spLocks noGrp="1"/>
-          </p:cNvSpPr>
+          <p:cNvSpPr txBox="1"/>
           <p:nvPr>
             <p:ph type="title"/>
           </p:nvPr>
@@ -9422,12 +9223,12 @@
           </a:prstGeom>
         </p:spPr>
         <p:txBody>
-          <a:bodyPr spcFirstLastPara="1" wrap="square" lIns="91425" tIns="91425" rIns="91425" bIns="91425" anchor="t" anchorCtr="0">
+          <a:bodyPr anchorCtr="0" anchor="t" bIns="91425" lIns="91425" spcFirstLastPara="1" rIns="91425" wrap="square" tIns="91425">
             <a:noAutofit/>
           </a:bodyPr>
           <a:lstStyle/>
           <a:p>
-            <a:pPr marL="0" lvl="0" indent="0" algn="l" rtl="0">
+            <a:pPr indent="0" lvl="0" marL="0" rtl="0" algn="l">
               <a:spcBef>
                 <a:spcPts val="0"/>
               </a:spcBef>
@@ -9447,11 +9248,9 @@
       <p:sp>
         <p:nvSpPr>
           <p:cNvPr id="82" name="Google Shape;82;p17"/>
-          <p:cNvSpPr txBox="1">
-            <a:spLocks noGrp="1"/>
-          </p:cNvSpPr>
+          <p:cNvSpPr txBox="1"/>
           <p:nvPr>
-            <p:ph type="body" idx="1"/>
+            <p:ph idx="1" type="body"/>
           </p:nvPr>
         </p:nvSpPr>
         <p:spPr>
@@ -9464,12 +9263,12 @@
           </a:prstGeom>
         </p:spPr>
         <p:txBody>
-          <a:bodyPr spcFirstLastPara="1" wrap="square" lIns="91425" tIns="91425" rIns="91425" bIns="91425" anchor="t" anchorCtr="0">
+          <a:bodyPr anchorCtr="0" anchor="t" bIns="91425" lIns="91425" spcFirstLastPara="1" rIns="91425" wrap="square" tIns="91425">
             <a:noAutofit/>
           </a:bodyPr>
           <a:lstStyle/>
           <a:p>
-            <a:pPr marL="457200" lvl="0" indent="-317500" algn="l" rtl="0">
+            <a:pPr indent="-317500" lvl="0" marL="457200" rtl="0" algn="l">
               <a:spcBef>
                 <a:spcPts val="0"/>
               </a:spcBef>
@@ -9486,7 +9285,7 @@
             <a:endParaRPr sz="1400"/>
           </a:p>
           <a:p>
-            <a:pPr marL="457200" lvl="0" indent="-317500" algn="l" rtl="0">
+            <a:pPr indent="-317500" lvl="0" marL="457200" rtl="0" algn="l">
               <a:spcBef>
                 <a:spcPts val="0"/>
               </a:spcBef>
@@ -9503,7 +9302,7 @@
             <a:endParaRPr sz="1400"/>
           </a:p>
           <a:p>
-            <a:pPr marL="457200" lvl="0" indent="-317500" algn="l" rtl="0">
+            <a:pPr indent="-317500" lvl="0" marL="457200" rtl="0" algn="l">
               <a:spcBef>
                 <a:spcPts val="0"/>
               </a:spcBef>
@@ -9520,7 +9319,7 @@
             <a:endParaRPr sz="1400"/>
           </a:p>
           <a:p>
-            <a:pPr marL="457200" lvl="0" indent="-317500" algn="l" rtl="0">
+            <a:pPr indent="-317500" lvl="0" marL="457200" rtl="0" algn="l">
               <a:spcBef>
                 <a:spcPts val="0"/>
               </a:spcBef>
@@ -9537,7 +9336,7 @@
             <a:endParaRPr sz="1400"/>
           </a:p>
           <a:p>
-            <a:pPr marL="457200" lvl="0" indent="-317500" algn="l" rtl="0">
+            <a:pPr indent="-317500" lvl="0" marL="457200" rtl="0" algn="l">
               <a:spcBef>
                 <a:spcPts val="0"/>
               </a:spcBef>
@@ -9554,7 +9353,7 @@
             <a:endParaRPr sz="1400"/>
           </a:p>
           <a:p>
-            <a:pPr marL="457200" lvl="0" indent="-317500" algn="l" rtl="0">
+            <a:pPr indent="-317500" lvl="0" marL="457200" rtl="0" algn="l">
               <a:spcBef>
                 <a:spcPts val="0"/>
               </a:spcBef>
@@ -9571,7 +9370,7 @@
             <a:endParaRPr sz="1400"/>
           </a:p>
           <a:p>
-            <a:pPr marL="457200" lvl="0" indent="-317500" algn="l" rtl="0">
+            <a:pPr indent="-317500" lvl="0" marL="457200" rtl="0" algn="l">
               <a:spcBef>
                 <a:spcPts val="0"/>
               </a:spcBef>
@@ -9598,11 +9397,11 @@
 </file>
 
 <file path=ppt/slides/slide5.xml><?xml version="1.0" encoding="utf-8"?>
-<p:sld xmlns:a="http://schemas.openxmlformats.org/drawingml/2006/main" xmlns:r="http://schemas.openxmlformats.org/officeDocument/2006/relationships" xmlns:p="http://schemas.openxmlformats.org/presentationml/2006/main">
+<p:sld xmlns:a="http://schemas.openxmlformats.org/drawingml/2006/main" xmlns:r="http://schemas.openxmlformats.org/officeDocument/2006/relationships" xmlns:mc="http://schemas.openxmlformats.org/markup-compatibility/2006" xmlns:mv="urn:schemas-microsoft-com:mac:vml" xmlns:p="http://schemas.openxmlformats.org/presentationml/2006/main" xmlns:c="http://schemas.openxmlformats.org/drawingml/2006/chart" xmlns:dgm="http://schemas.openxmlformats.org/drawingml/2006/diagram" xmlns:o="urn:schemas-microsoft-com:office:office" xmlns:v="urn:schemas-microsoft-com:vml" xmlns:pvml="urn:schemas-microsoft-com:office:powerpoint" xmlns:com="http://schemas.openxmlformats.org/drawingml/2006/compatibility" xmlns:p14="http://schemas.microsoft.com/office/powerpoint/2010/main" xmlns:p15="http://schemas.microsoft.com/office/powerpoint/2012/main" xmlns:ahyp="http://schemas.microsoft.com/office/drawing/2018/hyperlinkcolor">
   <p:cSld>
     <p:spTree>
       <p:nvGrpSpPr>
-        <p:cNvPr id="1" name="Shape 86"/>
+        <p:cNvPr id="86" name="Shape 86"/>
         <p:cNvGrpSpPr/>
         <p:nvPr/>
       </p:nvGrpSpPr>
@@ -9617,9 +9416,7 @@
       <p:sp>
         <p:nvSpPr>
           <p:cNvPr id="87" name="Google Shape;87;p18"/>
-          <p:cNvSpPr txBox="1">
-            <a:spLocks noGrp="1"/>
-          </p:cNvSpPr>
+          <p:cNvSpPr txBox="1"/>
           <p:nvPr>
             <p:ph type="title"/>
           </p:nvPr>
@@ -9634,12 +9431,12 @@
           </a:prstGeom>
         </p:spPr>
         <p:txBody>
-          <a:bodyPr spcFirstLastPara="1" wrap="square" lIns="91425" tIns="91425" rIns="91425" bIns="91425" anchor="t" anchorCtr="0">
+          <a:bodyPr anchorCtr="0" anchor="t" bIns="91425" lIns="91425" spcFirstLastPara="1" rIns="91425" wrap="square" tIns="91425">
             <a:noAutofit/>
           </a:bodyPr>
           <a:lstStyle/>
           <a:p>
-            <a:pPr marL="0" lvl="0" indent="0" algn="l" rtl="0">
+            <a:pPr indent="0" lvl="0" marL="0" rtl="0" algn="l">
               <a:spcBef>
                 <a:spcPts val="0"/>
               </a:spcBef>
@@ -9659,11 +9456,9 @@
       <p:sp>
         <p:nvSpPr>
           <p:cNvPr id="88" name="Google Shape;88;p18"/>
-          <p:cNvSpPr txBox="1">
-            <a:spLocks noGrp="1"/>
-          </p:cNvSpPr>
+          <p:cNvSpPr txBox="1"/>
           <p:nvPr>
-            <p:ph type="body" idx="1"/>
+            <p:ph idx="1" type="body"/>
           </p:nvPr>
         </p:nvSpPr>
         <p:spPr>
@@ -9676,12 +9471,12 @@
           </a:prstGeom>
         </p:spPr>
         <p:txBody>
-          <a:bodyPr spcFirstLastPara="1" wrap="square" lIns="91425" tIns="91425" rIns="91425" bIns="91425" anchor="t" anchorCtr="0">
+          <a:bodyPr anchorCtr="0" anchor="t" bIns="91425" lIns="91425" spcFirstLastPara="1" rIns="91425" wrap="square" tIns="91425">
             <a:noAutofit/>
           </a:bodyPr>
           <a:lstStyle/>
           <a:p>
-            <a:pPr marL="457200" lvl="0" indent="-342900" algn="l" rtl="0">
+            <a:pPr indent="-342900" lvl="0" marL="457200" rtl="0" algn="l">
               <a:spcBef>
                 <a:spcPts val="0"/>
               </a:spcBef>
@@ -9698,7 +9493,7 @@
             <a:endParaRPr/>
           </a:p>
           <a:p>
-            <a:pPr marL="914400" lvl="1" indent="-317500" algn="l" rtl="0">
+            <a:pPr indent="-317500" lvl="1" marL="914400" rtl="0" algn="l">
               <a:spcBef>
                 <a:spcPts val="0"/>
               </a:spcBef>
@@ -9715,7 +9510,7 @@
             <a:endParaRPr/>
           </a:p>
           <a:p>
-            <a:pPr marL="457200" lvl="0" indent="-342900" algn="l" rtl="0">
+            <a:pPr indent="-342900" lvl="0" marL="457200" rtl="0" algn="l">
               <a:spcBef>
                 <a:spcPts val="0"/>
               </a:spcBef>
@@ -9732,7 +9527,7 @@
             <a:endParaRPr/>
           </a:p>
           <a:p>
-            <a:pPr marL="914400" lvl="1" indent="-317500" algn="l" rtl="0">
+            <a:pPr indent="-317500" lvl="1" marL="914400" rtl="0" algn="l">
               <a:spcBef>
                 <a:spcPts val="0"/>
               </a:spcBef>
@@ -9749,7 +9544,7 @@
             <a:endParaRPr/>
           </a:p>
           <a:p>
-            <a:pPr marL="457200" lvl="0" indent="-342900" algn="l" rtl="0">
+            <a:pPr indent="-342900" lvl="0" marL="457200" rtl="0" algn="l">
               <a:spcBef>
                 <a:spcPts val="0"/>
               </a:spcBef>
@@ -9766,7 +9561,7 @@
             <a:endParaRPr/>
           </a:p>
           <a:p>
-            <a:pPr marL="914400" lvl="1" indent="-317500" algn="l" rtl="0">
+            <a:pPr indent="-317500" lvl="1" marL="914400" rtl="0" algn="l">
               <a:spcBef>
                 <a:spcPts val="0"/>
               </a:spcBef>
@@ -9783,7 +9578,7 @@
             <a:endParaRPr/>
           </a:p>
           <a:p>
-            <a:pPr marL="457200" lvl="0" indent="-342900" algn="l" rtl="0">
+            <a:pPr indent="-342900" lvl="0" marL="457200" rtl="0" algn="l">
               <a:spcBef>
                 <a:spcPts val="0"/>
               </a:spcBef>
@@ -9800,7 +9595,7 @@
             <a:endParaRPr/>
           </a:p>
           <a:p>
-            <a:pPr marL="914400" lvl="1" indent="-317500" algn="l" rtl="0">
+            <a:pPr indent="-317500" lvl="1" marL="914400" rtl="0" algn="l">
               <a:spcBef>
                 <a:spcPts val="0"/>
               </a:spcBef>
@@ -9817,7 +9612,7 @@
             <a:endParaRPr/>
           </a:p>
           <a:p>
-            <a:pPr marL="457200" lvl="0" indent="-342900" algn="l" rtl="0">
+            <a:pPr indent="-342900" lvl="0" marL="457200" rtl="0" algn="l">
               <a:spcBef>
                 <a:spcPts val="0"/>
               </a:spcBef>
@@ -9834,7 +9629,7 @@
             <a:endParaRPr/>
           </a:p>
           <a:p>
-            <a:pPr marL="914400" lvl="1" indent="-317500" algn="l" rtl="0">
+            <a:pPr indent="-317500" lvl="1" marL="914400" rtl="0" algn="l">
               <a:spcBef>
                 <a:spcPts val="0"/>
               </a:spcBef>
@@ -9861,11 +9656,11 @@
 </file>
 
 <file path=ppt/slides/slide6.xml><?xml version="1.0" encoding="utf-8"?>
-<p:sld xmlns:a="http://schemas.openxmlformats.org/drawingml/2006/main" xmlns:r="http://schemas.openxmlformats.org/officeDocument/2006/relationships" xmlns:p="http://schemas.openxmlformats.org/presentationml/2006/main">
+<p:sld xmlns:a="http://schemas.openxmlformats.org/drawingml/2006/main" xmlns:r="http://schemas.openxmlformats.org/officeDocument/2006/relationships" xmlns:mc="http://schemas.openxmlformats.org/markup-compatibility/2006" xmlns:mv="urn:schemas-microsoft-com:mac:vml" xmlns:p="http://schemas.openxmlformats.org/presentationml/2006/main" xmlns:c="http://schemas.openxmlformats.org/drawingml/2006/chart" xmlns:dgm="http://schemas.openxmlformats.org/drawingml/2006/diagram" xmlns:o="urn:schemas-microsoft-com:office:office" xmlns:v="urn:schemas-microsoft-com:vml" xmlns:pvml="urn:schemas-microsoft-com:office:powerpoint" xmlns:com="http://schemas.openxmlformats.org/drawingml/2006/compatibility" xmlns:p14="http://schemas.microsoft.com/office/powerpoint/2010/main" xmlns:p15="http://schemas.microsoft.com/office/powerpoint/2012/main" xmlns:ahyp="http://schemas.microsoft.com/office/drawing/2018/hyperlinkcolor">
   <p:cSld>
     <p:spTree>
       <p:nvGrpSpPr>
-        <p:cNvPr id="1" name="Shape 92"/>
+        <p:cNvPr id="92" name="Shape 92"/>
         <p:cNvGrpSpPr/>
         <p:nvPr/>
       </p:nvGrpSpPr>
@@ -9880,9 +9675,7 @@
       <p:sp>
         <p:nvSpPr>
           <p:cNvPr id="93" name="Google Shape;93;p19"/>
-          <p:cNvSpPr txBox="1">
-            <a:spLocks noGrp="1"/>
-          </p:cNvSpPr>
+          <p:cNvSpPr txBox="1"/>
           <p:nvPr>
             <p:ph type="title"/>
           </p:nvPr>
@@ -9897,12 +9690,12 @@
           </a:prstGeom>
         </p:spPr>
         <p:txBody>
-          <a:bodyPr spcFirstLastPara="1" wrap="square" lIns="91425" tIns="91425" rIns="91425" bIns="91425" anchor="t" anchorCtr="0">
+          <a:bodyPr anchorCtr="0" anchor="t" bIns="91425" lIns="91425" spcFirstLastPara="1" rIns="91425" wrap="square" tIns="91425">
             <a:noAutofit/>
           </a:bodyPr>
           <a:lstStyle/>
           <a:p>
-            <a:pPr marL="0" lvl="0" indent="0" algn="l" rtl="0">
+            <a:pPr indent="0" lvl="0" marL="0" rtl="0" algn="l">
               <a:spcBef>
                 <a:spcPts val="0"/>
               </a:spcBef>
@@ -9922,11 +9715,9 @@
       <p:sp>
         <p:nvSpPr>
           <p:cNvPr id="94" name="Google Shape;94;p19"/>
-          <p:cNvSpPr txBox="1">
-            <a:spLocks noGrp="1"/>
-          </p:cNvSpPr>
+          <p:cNvSpPr txBox="1"/>
           <p:nvPr>
-            <p:ph type="body" idx="1"/>
+            <p:ph idx="1" type="body"/>
           </p:nvPr>
         </p:nvSpPr>
         <p:spPr>
@@ -9939,12 +9730,12 @@
           </a:prstGeom>
         </p:spPr>
         <p:txBody>
-          <a:bodyPr spcFirstLastPara="1" wrap="square" lIns="91425" tIns="91425" rIns="91425" bIns="91425" anchor="t" anchorCtr="0">
+          <a:bodyPr anchorCtr="0" anchor="t" bIns="91425" lIns="91425" spcFirstLastPara="1" rIns="91425" wrap="square" tIns="91425">
             <a:noAutofit/>
           </a:bodyPr>
           <a:lstStyle/>
           <a:p>
-            <a:pPr marL="457200" lvl="0" indent="-342900" algn="l" rtl="0">
+            <a:pPr indent="-342900" lvl="0" marL="457200" rtl="0" algn="l">
               <a:spcBef>
                 <a:spcPts val="0"/>
               </a:spcBef>
@@ -9961,7 +9752,7 @@
             <a:endParaRPr/>
           </a:p>
           <a:p>
-            <a:pPr marL="914400" lvl="1" indent="-317500" algn="l" rtl="0">
+            <a:pPr indent="-317500" lvl="1" marL="914400" rtl="0" algn="l">
               <a:spcBef>
                 <a:spcPts val="0"/>
               </a:spcBef>
@@ -9978,7 +9769,7 @@
             <a:endParaRPr/>
           </a:p>
           <a:p>
-            <a:pPr marL="457200" lvl="0" indent="-342900" algn="l" rtl="0">
+            <a:pPr indent="-342900" lvl="0" marL="457200" rtl="0" algn="l">
               <a:spcBef>
                 <a:spcPts val="0"/>
               </a:spcBef>
@@ -9995,7 +9786,7 @@
             <a:endParaRPr/>
           </a:p>
           <a:p>
-            <a:pPr marL="914400" lvl="1" indent="-317500" algn="l" rtl="0">
+            <a:pPr indent="-317500" lvl="1" marL="914400" rtl="0" algn="l">
               <a:spcBef>
                 <a:spcPts val="0"/>
               </a:spcBef>
@@ -10012,7 +9803,7 @@
             <a:endParaRPr/>
           </a:p>
           <a:p>
-            <a:pPr marL="457200" lvl="0" indent="-342900" algn="l" rtl="0">
+            <a:pPr indent="-342900" lvl="0" marL="457200" rtl="0" algn="l">
               <a:spcBef>
                 <a:spcPts val="0"/>
               </a:spcBef>
@@ -10029,7 +9820,7 @@
             <a:endParaRPr/>
           </a:p>
           <a:p>
-            <a:pPr marL="914400" lvl="1" indent="-317500" algn="l" rtl="0">
+            <a:pPr indent="-317500" lvl="1" marL="914400" rtl="0" algn="l">
               <a:spcBef>
                 <a:spcPts val="0"/>
               </a:spcBef>
@@ -10046,7 +9837,7 @@
             <a:endParaRPr/>
           </a:p>
           <a:p>
-            <a:pPr marL="457200" lvl="0" indent="-342900" algn="l" rtl="0">
+            <a:pPr indent="-342900" lvl="0" marL="457200" rtl="0" algn="l">
               <a:spcBef>
                 <a:spcPts val="0"/>
               </a:spcBef>
@@ -10063,7 +9854,7 @@
             <a:endParaRPr/>
           </a:p>
           <a:p>
-            <a:pPr marL="914400" lvl="1" indent="-317500" algn="l" rtl="0">
+            <a:pPr indent="-317500" lvl="1" marL="914400" rtl="0" algn="l">
               <a:spcBef>
                 <a:spcPts val="0"/>
               </a:spcBef>
@@ -10080,7 +9871,7 @@
             <a:endParaRPr/>
           </a:p>
           <a:p>
-            <a:pPr marL="457200" lvl="0" indent="-342900" algn="l" rtl="0">
+            <a:pPr indent="-342900" lvl="0" marL="457200" rtl="0" algn="l">
               <a:spcBef>
                 <a:spcPts val="0"/>
               </a:spcBef>
@@ -10097,7 +9888,7 @@
             <a:endParaRPr/>
           </a:p>
           <a:p>
-            <a:pPr marL="914400" lvl="1" indent="-317500" algn="l" rtl="0">
+            <a:pPr indent="-317500" lvl="1" marL="914400" rtl="0" algn="l">
               <a:spcBef>
                 <a:spcPts val="0"/>
               </a:spcBef>
@@ -10124,11 +9915,11 @@
 </file>
 
 <file path=ppt/slides/slide7.xml><?xml version="1.0" encoding="utf-8"?>
-<p:sld xmlns:a="http://schemas.openxmlformats.org/drawingml/2006/main" xmlns:r="http://schemas.openxmlformats.org/officeDocument/2006/relationships" xmlns:p="http://schemas.openxmlformats.org/presentationml/2006/main">
+<p:sld xmlns:a="http://schemas.openxmlformats.org/drawingml/2006/main" xmlns:r="http://schemas.openxmlformats.org/officeDocument/2006/relationships" xmlns:mc="http://schemas.openxmlformats.org/markup-compatibility/2006" xmlns:mv="urn:schemas-microsoft-com:mac:vml" xmlns:p="http://schemas.openxmlformats.org/presentationml/2006/main" xmlns:c="http://schemas.openxmlformats.org/drawingml/2006/chart" xmlns:dgm="http://schemas.openxmlformats.org/drawingml/2006/diagram" xmlns:o="urn:schemas-microsoft-com:office:office" xmlns:v="urn:schemas-microsoft-com:vml" xmlns:pvml="urn:schemas-microsoft-com:office:powerpoint" xmlns:com="http://schemas.openxmlformats.org/drawingml/2006/compatibility" xmlns:p14="http://schemas.microsoft.com/office/powerpoint/2010/main" xmlns:p15="http://schemas.microsoft.com/office/powerpoint/2012/main" xmlns:ahyp="http://schemas.microsoft.com/office/drawing/2018/hyperlinkcolor">
   <p:cSld>
     <p:spTree>
       <p:nvGrpSpPr>
-        <p:cNvPr id="1" name="Shape 98"/>
+        <p:cNvPr id="98" name="Shape 98"/>
         <p:cNvGrpSpPr/>
         <p:nvPr/>
       </p:nvGrpSpPr>
@@ -10143,9 +9934,7 @@
       <p:sp>
         <p:nvSpPr>
           <p:cNvPr id="99" name="Google Shape;99;p20"/>
-          <p:cNvSpPr txBox="1">
-            <a:spLocks noGrp="1"/>
-          </p:cNvSpPr>
+          <p:cNvSpPr txBox="1"/>
           <p:nvPr>
             <p:ph type="title"/>
           </p:nvPr>
@@ -10160,12 +9949,12 @@
           </a:prstGeom>
         </p:spPr>
         <p:txBody>
-          <a:bodyPr spcFirstLastPara="1" wrap="square" lIns="91425" tIns="91425" rIns="91425" bIns="91425" anchor="t" anchorCtr="0">
+          <a:bodyPr anchorCtr="0" anchor="t" bIns="91425" lIns="91425" spcFirstLastPara="1" rIns="91425" wrap="square" tIns="91425">
             <a:noAutofit/>
           </a:bodyPr>
           <a:lstStyle/>
           <a:p>
-            <a:pPr marL="0" lvl="0" indent="0" algn="l" rtl="0">
+            <a:pPr indent="0" lvl="0" marL="0" rtl="0" algn="l">
               <a:spcBef>
                 <a:spcPts val="0"/>
               </a:spcBef>
@@ -10185,11 +9974,9 @@
       <p:sp>
         <p:nvSpPr>
           <p:cNvPr id="100" name="Google Shape;100;p20"/>
-          <p:cNvSpPr txBox="1">
-            <a:spLocks noGrp="1"/>
-          </p:cNvSpPr>
+          <p:cNvSpPr txBox="1"/>
           <p:nvPr>
-            <p:ph type="body" idx="1"/>
+            <p:ph idx="1" type="body"/>
           </p:nvPr>
         </p:nvSpPr>
         <p:spPr>
@@ -10202,12 +9989,12 @@
           </a:prstGeom>
         </p:spPr>
         <p:txBody>
-          <a:bodyPr spcFirstLastPara="1" wrap="square" lIns="91425" tIns="91425" rIns="91425" bIns="91425" anchor="t" anchorCtr="0">
+          <a:bodyPr anchorCtr="0" anchor="t" bIns="91425" lIns="91425" spcFirstLastPara="1" rIns="91425" wrap="square" tIns="91425">
             <a:noAutofit/>
           </a:bodyPr>
           <a:lstStyle/>
           <a:p>
-            <a:pPr marL="457200" lvl="0" indent="-342900" algn="l" rtl="0">
+            <a:pPr indent="-342900" lvl="0" marL="457200" rtl="0" algn="l">
               <a:spcBef>
                 <a:spcPts val="0"/>
               </a:spcBef>
@@ -10224,7 +10011,7 @@
             <a:endParaRPr/>
           </a:p>
           <a:p>
-            <a:pPr marL="914400" lvl="1" indent="-317500" algn="l" rtl="0">
+            <a:pPr indent="-317500" lvl="1" marL="914400" rtl="0" algn="l">
               <a:spcBef>
                 <a:spcPts val="0"/>
               </a:spcBef>
@@ -10241,7 +10028,7 @@
             <a:endParaRPr/>
           </a:p>
           <a:p>
-            <a:pPr marL="457200" lvl="0" indent="-342900" algn="l" rtl="0">
+            <a:pPr indent="-342900" lvl="0" marL="457200" rtl="0" algn="l">
               <a:spcBef>
                 <a:spcPts val="0"/>
               </a:spcBef>
@@ -10258,7 +10045,7 @@
             <a:endParaRPr/>
           </a:p>
           <a:p>
-            <a:pPr marL="914400" lvl="1" indent="-317500" algn="l" rtl="0">
+            <a:pPr indent="-317500" lvl="1" marL="914400" rtl="0" algn="l">
               <a:spcBef>
                 <a:spcPts val="0"/>
               </a:spcBef>
@@ -10275,7 +10062,7 @@
             <a:endParaRPr/>
           </a:p>
           <a:p>
-            <a:pPr marL="457200" lvl="0" indent="-342900" algn="l" rtl="0">
+            <a:pPr indent="-342900" lvl="0" marL="457200" rtl="0" algn="l">
               <a:spcBef>
                 <a:spcPts val="0"/>
               </a:spcBef>
@@ -10292,7 +10079,7 @@
             <a:endParaRPr/>
           </a:p>
           <a:p>
-            <a:pPr marL="914400" lvl="1" indent="-317500" algn="l" rtl="0">
+            <a:pPr indent="-317500" lvl="1" marL="914400" rtl="0" algn="l">
               <a:spcBef>
                 <a:spcPts val="0"/>
               </a:spcBef>
@@ -10309,7 +10096,7 @@
             <a:endParaRPr/>
           </a:p>
           <a:p>
-            <a:pPr marL="457200" lvl="0" indent="-342900" algn="l" rtl="0">
+            <a:pPr indent="-342900" lvl="0" marL="457200" rtl="0" algn="l">
               <a:spcBef>
                 <a:spcPts val="0"/>
               </a:spcBef>
@@ -10326,7 +10113,7 @@
             <a:endParaRPr/>
           </a:p>
           <a:p>
-            <a:pPr marL="914400" lvl="1" indent="-317500" algn="l" rtl="0">
+            <a:pPr indent="-317500" lvl="1" marL="914400" rtl="0" algn="l">
               <a:spcBef>
                 <a:spcPts val="0"/>
               </a:spcBef>
@@ -10343,7 +10130,7 @@
             <a:endParaRPr/>
           </a:p>
           <a:p>
-            <a:pPr marL="457200" lvl="0" indent="-342900" algn="l" rtl="0">
+            <a:pPr indent="-342900" lvl="0" marL="457200" rtl="0" algn="l">
               <a:spcBef>
                 <a:spcPts val="0"/>
               </a:spcBef>
@@ -10360,7 +10147,7 @@
             <a:endParaRPr/>
           </a:p>
           <a:p>
-            <a:pPr marL="914400" lvl="1" indent="-317500" algn="l" rtl="0">
+            <a:pPr indent="-317500" lvl="1" marL="914400" rtl="0" algn="l">
               <a:spcBef>
                 <a:spcPts val="0"/>
               </a:spcBef>
@@ -10387,11 +10174,11 @@
 </file>
 
 <file path=ppt/slides/slide8.xml><?xml version="1.0" encoding="utf-8"?>
-<p:sld xmlns:a="http://schemas.openxmlformats.org/drawingml/2006/main" xmlns:r="http://schemas.openxmlformats.org/officeDocument/2006/relationships" xmlns:p="http://schemas.openxmlformats.org/presentationml/2006/main">
+<p:sld xmlns:a="http://schemas.openxmlformats.org/drawingml/2006/main" xmlns:r="http://schemas.openxmlformats.org/officeDocument/2006/relationships" xmlns:mc="http://schemas.openxmlformats.org/markup-compatibility/2006" xmlns:mv="urn:schemas-microsoft-com:mac:vml" xmlns:p="http://schemas.openxmlformats.org/presentationml/2006/main" xmlns:c="http://schemas.openxmlformats.org/drawingml/2006/chart" xmlns:dgm="http://schemas.openxmlformats.org/drawingml/2006/diagram" xmlns:o="urn:schemas-microsoft-com:office:office" xmlns:v="urn:schemas-microsoft-com:vml" xmlns:pvml="urn:schemas-microsoft-com:office:powerpoint" xmlns:com="http://schemas.openxmlformats.org/drawingml/2006/compatibility" xmlns:p14="http://schemas.microsoft.com/office/powerpoint/2010/main" xmlns:p15="http://schemas.microsoft.com/office/powerpoint/2012/main" xmlns:ahyp="http://schemas.microsoft.com/office/drawing/2018/hyperlinkcolor">
   <p:cSld>
     <p:spTree>
       <p:nvGrpSpPr>
-        <p:cNvPr id="1" name="Shape 104"/>
+        <p:cNvPr id="104" name="Shape 104"/>
         <p:cNvGrpSpPr/>
         <p:nvPr/>
       </p:nvGrpSpPr>
@@ -10406,9 +10193,7 @@
       <p:sp>
         <p:nvSpPr>
           <p:cNvPr id="105" name="Google Shape;105;p21"/>
-          <p:cNvSpPr txBox="1">
-            <a:spLocks noGrp="1"/>
-          </p:cNvSpPr>
+          <p:cNvSpPr txBox="1"/>
           <p:nvPr>
             <p:ph type="title"/>
           </p:nvPr>
@@ -10423,12 +10208,12 @@
           </a:prstGeom>
         </p:spPr>
         <p:txBody>
-          <a:bodyPr spcFirstLastPara="1" wrap="square" lIns="91425" tIns="91425" rIns="91425" bIns="91425" anchor="t" anchorCtr="0">
+          <a:bodyPr anchorCtr="0" anchor="t" bIns="91425" lIns="91425" spcFirstLastPara="1" rIns="91425" wrap="square" tIns="91425">
             <a:noAutofit/>
           </a:bodyPr>
           <a:lstStyle/>
           <a:p>
-            <a:pPr marL="0" lvl="0" indent="0" algn="l" rtl="0">
+            <a:pPr indent="0" lvl="0" marL="0" rtl="0" algn="l">
               <a:spcBef>
                 <a:spcPts val="0"/>
               </a:spcBef>
@@ -10448,11 +10233,9 @@
       <p:sp>
         <p:nvSpPr>
           <p:cNvPr id="106" name="Google Shape;106;p21"/>
-          <p:cNvSpPr txBox="1">
-            <a:spLocks noGrp="1"/>
-          </p:cNvSpPr>
+          <p:cNvSpPr txBox="1"/>
           <p:nvPr>
-            <p:ph type="body" idx="1"/>
+            <p:ph idx="1" type="body"/>
           </p:nvPr>
         </p:nvSpPr>
         <p:spPr>
@@ -10465,12 +10248,12 @@
           </a:prstGeom>
         </p:spPr>
         <p:txBody>
-          <a:bodyPr spcFirstLastPara="1" wrap="square" lIns="91425" tIns="91425" rIns="91425" bIns="91425" anchor="t" anchorCtr="0">
+          <a:bodyPr anchorCtr="0" anchor="t" bIns="91425" lIns="91425" spcFirstLastPara="1" rIns="91425" wrap="square" tIns="91425">
             <a:noAutofit/>
           </a:bodyPr>
           <a:lstStyle/>
           <a:p>
-            <a:pPr marL="457200" lvl="0" indent="-342900" algn="l" rtl="0">
+            <a:pPr indent="-342900" lvl="0" marL="457200" rtl="0" algn="l">
               <a:spcBef>
                 <a:spcPts val="0"/>
               </a:spcBef>
@@ -10487,7 +10270,7 @@
             <a:endParaRPr/>
           </a:p>
           <a:p>
-            <a:pPr marL="914400" lvl="1" indent="-317500" algn="l" rtl="0">
+            <a:pPr indent="-317500" lvl="1" marL="914400" rtl="0" algn="l">
               <a:spcBef>
                 <a:spcPts val="0"/>
               </a:spcBef>
@@ -10504,7 +10287,7 @@
             <a:endParaRPr/>
           </a:p>
           <a:p>
-            <a:pPr marL="457200" lvl="0" indent="-342900" algn="l" rtl="0">
+            <a:pPr indent="-342900" lvl="0" marL="457200" rtl="0" algn="l">
               <a:spcBef>
                 <a:spcPts val="0"/>
               </a:spcBef>
@@ -10521,7 +10304,7 @@
             <a:endParaRPr/>
           </a:p>
           <a:p>
-            <a:pPr marL="914400" lvl="1" indent="-317500" algn="l" rtl="0">
+            <a:pPr indent="-317500" lvl="1" marL="914400" rtl="0" algn="l">
               <a:spcBef>
                 <a:spcPts val="0"/>
               </a:spcBef>
@@ -10538,7 +10321,7 @@
             <a:endParaRPr/>
           </a:p>
           <a:p>
-            <a:pPr marL="457200" lvl="0" indent="-342900" algn="l" rtl="0">
+            <a:pPr indent="-342900" lvl="0" marL="457200" rtl="0" algn="l">
               <a:spcBef>
                 <a:spcPts val="0"/>
               </a:spcBef>
@@ -10555,7 +10338,7 @@
             <a:endParaRPr/>
           </a:p>
           <a:p>
-            <a:pPr marL="914400" lvl="1" indent="-317500" algn="l" rtl="0">
+            <a:pPr indent="-317500" lvl="1" marL="914400" rtl="0" algn="l">
               <a:spcBef>
                 <a:spcPts val="0"/>
               </a:spcBef>
@@ -10572,7 +10355,7 @@
             <a:endParaRPr/>
           </a:p>
           <a:p>
-            <a:pPr marL="457200" lvl="0" indent="-342900" algn="l" rtl="0">
+            <a:pPr indent="-342900" lvl="0" marL="457200" rtl="0" algn="l">
               <a:spcBef>
                 <a:spcPts val="0"/>
               </a:spcBef>
@@ -10589,7 +10372,7 @@
             <a:endParaRPr/>
           </a:p>
           <a:p>
-            <a:pPr marL="914400" lvl="1" indent="-317500" algn="l" rtl="0">
+            <a:pPr indent="-317500" lvl="1" marL="914400" rtl="0" algn="l">
               <a:spcBef>
                 <a:spcPts val="0"/>
               </a:spcBef>
@@ -10606,7 +10389,7 @@
             <a:endParaRPr/>
           </a:p>
           <a:p>
-            <a:pPr marL="457200" lvl="0" indent="-342900" algn="l" rtl="0">
+            <a:pPr indent="-342900" lvl="0" marL="457200" rtl="0" algn="l">
               <a:spcBef>
                 <a:spcPts val="0"/>
               </a:spcBef>
@@ -10623,7 +10406,7 @@
             <a:endParaRPr/>
           </a:p>
           <a:p>
-            <a:pPr marL="914400" lvl="1" indent="-317500" algn="l" rtl="0">
+            <a:pPr indent="-317500" lvl="1" marL="914400" rtl="0" algn="l">
               <a:spcBef>
                 <a:spcPts val="0"/>
               </a:spcBef>
@@ -10650,11 +10433,11 @@
 </file>
 
 <file path=ppt/slides/slide9.xml><?xml version="1.0" encoding="utf-8"?>
-<p:sld xmlns:a="http://schemas.openxmlformats.org/drawingml/2006/main" xmlns:r="http://schemas.openxmlformats.org/officeDocument/2006/relationships" xmlns:p="http://schemas.openxmlformats.org/presentationml/2006/main">
+<p:sld xmlns:a="http://schemas.openxmlformats.org/drawingml/2006/main" xmlns:r="http://schemas.openxmlformats.org/officeDocument/2006/relationships" xmlns:mc="http://schemas.openxmlformats.org/markup-compatibility/2006" xmlns:mv="urn:schemas-microsoft-com:mac:vml" xmlns:p="http://schemas.openxmlformats.org/presentationml/2006/main" xmlns:c="http://schemas.openxmlformats.org/drawingml/2006/chart" xmlns:dgm="http://schemas.openxmlformats.org/drawingml/2006/diagram" xmlns:o="urn:schemas-microsoft-com:office:office" xmlns:v="urn:schemas-microsoft-com:vml" xmlns:pvml="urn:schemas-microsoft-com:office:powerpoint" xmlns:com="http://schemas.openxmlformats.org/drawingml/2006/compatibility" xmlns:p14="http://schemas.microsoft.com/office/powerpoint/2010/main" xmlns:p15="http://schemas.microsoft.com/office/powerpoint/2012/main" xmlns:ahyp="http://schemas.microsoft.com/office/drawing/2018/hyperlinkcolor">
   <p:cSld>
     <p:spTree>
       <p:nvGrpSpPr>
-        <p:cNvPr id="1" name="Shape 110"/>
+        <p:cNvPr id="110" name="Shape 110"/>
         <p:cNvGrpSpPr/>
         <p:nvPr/>
       </p:nvGrpSpPr>
@@ -10669,9 +10452,7 @@
       <p:sp>
         <p:nvSpPr>
           <p:cNvPr id="111" name="Google Shape;111;p22"/>
-          <p:cNvSpPr txBox="1">
-            <a:spLocks noGrp="1"/>
-          </p:cNvSpPr>
+          <p:cNvSpPr txBox="1"/>
           <p:nvPr>
             <p:ph type="title"/>
           </p:nvPr>
@@ -10686,12 +10467,12 @@
           </a:prstGeom>
         </p:spPr>
         <p:txBody>
-          <a:bodyPr spcFirstLastPara="1" wrap="square" lIns="91425" tIns="91425" rIns="91425" bIns="91425" anchor="t" anchorCtr="0">
+          <a:bodyPr anchorCtr="0" anchor="t" bIns="91425" lIns="91425" spcFirstLastPara="1" rIns="91425" wrap="square" tIns="91425">
             <a:noAutofit/>
           </a:bodyPr>
           <a:lstStyle/>
           <a:p>
-            <a:pPr marL="0" lvl="0" indent="0" algn="l" rtl="0">
+            <a:pPr indent="0" lvl="0" marL="0" rtl="0" algn="l">
               <a:spcBef>
                 <a:spcPts val="0"/>
               </a:spcBef>
@@ -10711,11 +10492,9 @@
       <p:sp>
         <p:nvSpPr>
           <p:cNvPr id="112" name="Google Shape;112;p22"/>
-          <p:cNvSpPr txBox="1">
-            <a:spLocks noGrp="1"/>
-          </p:cNvSpPr>
+          <p:cNvSpPr txBox="1"/>
           <p:nvPr>
-            <p:ph type="body" idx="1"/>
+            <p:ph idx="1" type="body"/>
           </p:nvPr>
         </p:nvSpPr>
         <p:spPr>
@@ -10728,12 +10507,12 @@
           </a:prstGeom>
         </p:spPr>
         <p:txBody>
-          <a:bodyPr spcFirstLastPara="1" wrap="square" lIns="91425" tIns="91425" rIns="91425" bIns="91425" anchor="t" anchorCtr="0">
+          <a:bodyPr anchorCtr="0" anchor="t" bIns="91425" lIns="91425" spcFirstLastPara="1" rIns="91425" wrap="square" tIns="91425">
             <a:noAutofit/>
           </a:bodyPr>
           <a:lstStyle/>
           <a:p>
-            <a:pPr marL="457200" lvl="0" indent="-342900" algn="l" rtl="0">
+            <a:pPr indent="-342900" lvl="0" marL="457200" rtl="0" algn="l">
               <a:spcBef>
                 <a:spcPts val="0"/>
               </a:spcBef>
@@ -10750,7 +10529,7 @@
             <a:endParaRPr/>
           </a:p>
           <a:p>
-            <a:pPr marL="914400" lvl="1" indent="-317500" algn="l" rtl="0">
+            <a:pPr indent="-317500" lvl="1" marL="914400" rtl="0" algn="l">
               <a:spcBef>
                 <a:spcPts val="0"/>
               </a:spcBef>
@@ -10767,7 +10546,7 @@
             <a:endParaRPr/>
           </a:p>
           <a:p>
-            <a:pPr marL="457200" lvl="0" indent="-342900" algn="l" rtl="0">
+            <a:pPr indent="-342900" lvl="0" marL="457200" rtl="0" algn="l">
               <a:spcBef>
                 <a:spcPts val="0"/>
               </a:spcBef>
@@ -10784,7 +10563,7 @@
             <a:endParaRPr/>
           </a:p>
           <a:p>
-            <a:pPr marL="914400" lvl="1" indent="-317500" algn="l" rtl="0">
+            <a:pPr indent="-317500" lvl="1" marL="914400" rtl="0" algn="l">
               <a:spcBef>
                 <a:spcPts val="0"/>
               </a:spcBef>
@@ -10801,7 +10580,7 @@
             <a:endParaRPr/>
           </a:p>
           <a:p>
-            <a:pPr marL="457200" lvl="0" indent="-342900" algn="l" rtl="0">
+            <a:pPr indent="-342900" lvl="0" marL="457200" rtl="0" algn="l">
               <a:spcBef>
                 <a:spcPts val="0"/>
               </a:spcBef>
@@ -10818,7 +10597,7 @@
             <a:endParaRPr/>
           </a:p>
           <a:p>
-            <a:pPr marL="914400" lvl="1" indent="-317500" algn="l" rtl="0">
+            <a:pPr indent="-317500" lvl="1" marL="914400" rtl="0" algn="l">
               <a:spcBef>
                 <a:spcPts val="0"/>
               </a:spcBef>
@@ -10835,7 +10614,7 @@
             <a:endParaRPr/>
           </a:p>
           <a:p>
-            <a:pPr marL="457200" lvl="0" indent="-342900" algn="l" rtl="0">
+            <a:pPr indent="-342900" lvl="0" marL="457200" rtl="0" algn="l">
               <a:spcBef>
                 <a:spcPts val="0"/>
               </a:spcBef>
@@ -10852,7 +10631,7 @@
             <a:endParaRPr/>
           </a:p>
           <a:p>
-            <a:pPr marL="914400" lvl="1" indent="-317500" algn="l" rtl="0">
+            <a:pPr indent="-317500" lvl="1" marL="914400" rtl="0" algn="l">
               <a:spcBef>
                 <a:spcPts val="0"/>
               </a:spcBef>
@@ -10869,7 +10648,7 @@
             <a:endParaRPr/>
           </a:p>
           <a:p>
-            <a:pPr marL="457200" lvl="0" indent="-342900" algn="l" rtl="0">
+            <a:pPr indent="-342900" lvl="0" marL="457200" rtl="0" algn="l">
               <a:spcBef>
                 <a:spcPts val="0"/>
               </a:spcBef>
@@ -10886,7 +10665,7 @@
             <a:endParaRPr/>
           </a:p>
           <a:p>
-            <a:pPr marL="914400" lvl="1" indent="-317500" algn="l" rtl="0">
+            <a:pPr indent="-317500" lvl="1" marL="914400" rtl="0" algn="l">
               <a:spcBef>
                 <a:spcPts val="0"/>
               </a:spcBef>
@@ -10913,7 +10692,7 @@
 </file>
 
 <file path=ppt/theme/theme1.xml><?xml version="1.0" encoding="utf-8"?>
-<a:theme xmlns:a="http://schemas.openxmlformats.org/drawingml/2006/main" name="Slate">
+<a:theme xmlns:a="http://schemas.openxmlformats.org/drawingml/2006/main" xmlns:r="http://schemas.openxmlformats.org/officeDocument/2006/relationships" name="Slate">
   <a:themeElements>
     <a:clrScheme name="Slate">
       <a:dk1>
@@ -11188,13 +10967,11 @@
       </a:bgFillStyleLst>
     </a:fmtScheme>
   </a:themeElements>
-  <a:objectDefaults/>
-  <a:extraClrSchemeLst/>
 </a:theme>
 </file>
 
 <file path=ppt/theme/theme2.xml><?xml version="1.0" encoding="utf-8"?>
-<a:theme xmlns:a="http://schemas.openxmlformats.org/drawingml/2006/main">
+<a:theme xmlns:a="http://schemas.openxmlformats.org/drawingml/2006/main" xmlns:r="http://schemas.openxmlformats.org/officeDocument/2006/relationships">
   <a:themeElements>
     <a:clrScheme name="Default">
       <a:dk1>
@@ -11469,7 +11246,5 @@
       </a:bgFillStyleLst>
     </a:fmtScheme>
   </a:themeElements>
-  <a:objectDefaults/>
-  <a:extraClrSchemeLst/>
 </a:theme>
 </file>